--- a/slides/5_Flink的状态管理.pptx
+++ b/slides/5_Flink的状态管理.pptx
@@ -47,7 +47,7 @@
       </p:grpSpPr>
       <p:sp>
         <p:nvSpPr>
-          <p:cNvPr id="82" name="PlaceHolder 1"/>
+          <p:cNvPr id="76" name="PlaceHolder 1"/>
           <p:cNvSpPr>
             <a:spLocks noGrp="1"/>
           </p:cNvSpPr>
@@ -69,27 +69,22 @@
             <a:noAutofit/>
           </a:bodyPr>
           <a:p>
-            <a:r>
-              <a:rPr b="0" lang="zh-CN" sz="1800" spc="-1" strike="noStrike">
-                <a:solidFill>
-                  <a:srgbClr val="000000"/>
-                </a:solidFill>
-                <a:latin typeface="Calibri"/>
+            <a:pPr algn="ctr"/>
+            <a:r>
+              <a:rPr b="0" lang="zh-CN" sz="4400" spc="-1" strike="noStrike">
+                <a:latin typeface="Arial"/>
               </a:rPr>
               <a:t>点击鼠标移动幻灯片</a:t>
             </a:r>
-            <a:endParaRPr b="0" lang="en-US" sz="1800" spc="-1" strike="noStrike">
-              <a:solidFill>
-                <a:srgbClr val="000000"/>
-              </a:solidFill>
-              <a:latin typeface="Calibri"/>
-            </a:endParaRPr>
-          </a:p>
-        </p:txBody>
-      </p:sp>
-      <p:sp>
-        <p:nvSpPr>
-          <p:cNvPr id="83" name="PlaceHolder 2"/>
+            <a:endParaRPr b="0" lang="en-US" sz="4400" spc="-1" strike="noStrike">
+              <a:latin typeface="Arial"/>
+            </a:endParaRPr>
+          </a:p>
+        </p:txBody>
+      </p:sp>
+      <p:sp>
+        <p:nvSpPr>
+          <p:cNvPr id="77" name="PlaceHolder 2"/>
           <p:cNvSpPr>
             <a:spLocks noGrp="1"/>
           </p:cNvSpPr>
@@ -125,7 +120,7 @@
       </p:sp>
       <p:sp>
         <p:nvSpPr>
-          <p:cNvPr id="84" name="PlaceHolder 3"/>
+          <p:cNvPr id="78" name="PlaceHolder 3"/>
           <p:cNvSpPr>
             <a:spLocks noGrp="1"/>
           </p:cNvSpPr>
@@ -161,7 +156,7 @@
       </p:sp>
       <p:sp>
         <p:nvSpPr>
-          <p:cNvPr id="85" name="PlaceHolder 4"/>
+          <p:cNvPr id="79" name="PlaceHolder 4"/>
           <p:cNvSpPr>
             <a:spLocks noGrp="1"/>
           </p:cNvSpPr>
@@ -198,7 +193,7 @@
       </p:sp>
       <p:sp>
         <p:nvSpPr>
-          <p:cNvPr id="86" name="PlaceHolder 5"/>
+          <p:cNvPr id="80" name="PlaceHolder 5"/>
           <p:cNvSpPr>
             <a:spLocks noGrp="1"/>
           </p:cNvSpPr>
@@ -234,7 +229,7 @@
       </p:sp>
       <p:sp>
         <p:nvSpPr>
-          <p:cNvPr id="87" name="PlaceHolder 6"/>
+          <p:cNvPr id="81" name="PlaceHolder 6"/>
           <p:cNvSpPr>
             <a:spLocks noGrp="1"/>
           </p:cNvSpPr>
@@ -257,7 +252,7 @@
           </a:bodyPr>
           <a:p>
             <a:pPr algn="r"/>
-            <a:fld id="{EB9C8C31-EBC6-45D1-B889-BE4A220D3DE3}" type="slidenum">
+            <a:fld id="{1B6A3177-598F-47AE-B125-5CB5780D7CC1}" type="slidenum">
               <a:rPr b="0" lang="en-US" sz="1400" spc="-1" strike="noStrike">
                 <a:latin typeface="Times New Roman"/>
               </a:rPr>
@@ -294,7 +289,7 @@
       </p:grpSpPr>
       <p:sp>
         <p:nvSpPr>
-          <p:cNvPr id="121" name="PlaceHolder 1"/>
+          <p:cNvPr id="115" name="PlaceHolder 1"/>
           <p:cNvSpPr>
             <a:spLocks noGrp="1"/>
           </p:cNvSpPr>
@@ -305,16 +300,16 @@
         <p:spPr>
           <a:xfrm>
             <a:off x="993600" y="768240"/>
-            <a:ext cx="5117760" cy="3838320"/>
-          </a:xfrm>
-          <a:prstGeom prst="rect">
-            <a:avLst/>
-          </a:prstGeom>
-        </p:spPr>
-      </p:sp>
-      <p:sp>
-        <p:nvSpPr>
-          <p:cNvPr id="122" name="PlaceHolder 2"/>
+            <a:ext cx="5117400" cy="3837960"/>
+          </a:xfrm>
+          <a:prstGeom prst="rect">
+            <a:avLst/>
+          </a:prstGeom>
+        </p:spPr>
+      </p:sp>
+      <p:sp>
+        <p:nvSpPr>
+          <p:cNvPr id="116" name="PlaceHolder 2"/>
           <p:cNvSpPr>
             <a:spLocks noGrp="1"/>
           </p:cNvSpPr>
@@ -325,7 +320,7 @@
         <p:spPr>
           <a:xfrm>
             <a:off x="710640" y="4862160"/>
-            <a:ext cx="5684040" cy="4605840"/>
+            <a:ext cx="5683680" cy="4605480"/>
           </a:xfrm>
           <a:prstGeom prst="rect">
             <a:avLst/>
@@ -344,14 +339,14 @@
       </p:sp>
       <p:sp>
         <p:nvSpPr>
-          <p:cNvPr id="123" name="TextShape 3"/>
-          <p:cNvSpPr txBox="1"/>
+          <p:cNvPr id="117" name="CustomShape 3"/>
+          <p:cNvSpPr/>
           <p:nvPr/>
         </p:nvSpPr>
         <p:spPr>
           <a:xfrm>
             <a:off x="4024800" y="9722520"/>
-            <a:ext cx="3078720" cy="511560"/>
+            <a:ext cx="3078360" cy="511200"/>
           </a:xfrm>
           <a:prstGeom prst="rect">
             <a:avLst/>
@@ -361,6 +356,12 @@
             <a:noFill/>
           </a:ln>
         </p:spPr>
+        <p:style>
+          <a:lnRef idx="0"/>
+          <a:fillRef idx="0"/>
+          <a:effectRef idx="0"/>
+          <a:fontRef idx="minor"/>
+        </p:style>
         <p:txBody>
           <a:bodyPr lIns="99000" rIns="99000" tIns="49680" bIns="49680" anchor="b">
             <a:noAutofit/>
@@ -371,7 +372,7 @@
                 <a:spcPct val="100000"/>
               </a:lnSpc>
             </a:pPr>
-            <a:fld id="{93449C17-B423-4AE5-BDB0-8F580C766D7E}" type="slidenum">
+            <a:fld id="{E32271A2-45E7-428C-918E-BBE688170D88}" type="slidenum">
               <a:rPr b="0" lang="en-US" sz="1300" spc="-1" strike="noStrike">
                 <a:solidFill>
                   <a:srgbClr val="000000"/>
@@ -382,7 +383,7 @@
               <a:t>12</a:t>
             </a:fld>
             <a:endParaRPr b="0" lang="en-US" sz="1300" spc="-1" strike="noStrike">
-              <a:latin typeface="Times New Roman"/>
+              <a:latin typeface="Arial"/>
             </a:endParaRPr>
           </a:p>
         </p:txBody>
@@ -411,7 +412,7 @@
       </p:grpSpPr>
       <p:sp>
         <p:nvSpPr>
-          <p:cNvPr id="145" name="PlaceHolder 1"/>
+          <p:cNvPr id="139" name="PlaceHolder 1"/>
           <p:cNvSpPr>
             <a:spLocks noGrp="1"/>
           </p:cNvSpPr>
@@ -422,16 +423,16 @@
         <p:spPr>
           <a:xfrm>
             <a:off x="993600" y="768240"/>
-            <a:ext cx="5117760" cy="3838320"/>
-          </a:xfrm>
-          <a:prstGeom prst="rect">
-            <a:avLst/>
-          </a:prstGeom>
-        </p:spPr>
-      </p:sp>
-      <p:sp>
-        <p:nvSpPr>
-          <p:cNvPr id="146" name="PlaceHolder 2"/>
+            <a:ext cx="5117400" cy="3837960"/>
+          </a:xfrm>
+          <a:prstGeom prst="rect">
+            <a:avLst/>
+          </a:prstGeom>
+        </p:spPr>
+      </p:sp>
+      <p:sp>
+        <p:nvSpPr>
+          <p:cNvPr id="140" name="PlaceHolder 2"/>
           <p:cNvSpPr>
             <a:spLocks noGrp="1"/>
           </p:cNvSpPr>
@@ -442,7 +443,7 @@
         <p:spPr>
           <a:xfrm>
             <a:off x="710640" y="4862160"/>
-            <a:ext cx="5684040" cy="4605840"/>
+            <a:ext cx="5683680" cy="4605480"/>
           </a:xfrm>
           <a:prstGeom prst="rect">
             <a:avLst/>
@@ -461,14 +462,14 @@
       </p:sp>
       <p:sp>
         <p:nvSpPr>
-          <p:cNvPr id="147" name="TextShape 3"/>
-          <p:cNvSpPr txBox="1"/>
+          <p:cNvPr id="141" name="CustomShape 3"/>
+          <p:cNvSpPr/>
           <p:nvPr/>
         </p:nvSpPr>
         <p:spPr>
           <a:xfrm>
             <a:off x="4024800" y="9722520"/>
-            <a:ext cx="3078720" cy="511560"/>
+            <a:ext cx="3078360" cy="511200"/>
           </a:xfrm>
           <a:prstGeom prst="rect">
             <a:avLst/>
@@ -478,6 +479,12 @@
             <a:noFill/>
           </a:ln>
         </p:spPr>
+        <p:style>
+          <a:lnRef idx="0"/>
+          <a:fillRef idx="0"/>
+          <a:effectRef idx="0"/>
+          <a:fontRef idx="minor"/>
+        </p:style>
         <p:txBody>
           <a:bodyPr lIns="99000" rIns="99000" tIns="49680" bIns="49680" anchor="b">
             <a:noAutofit/>
@@ -488,7 +495,7 @@
                 <a:spcPct val="100000"/>
               </a:lnSpc>
             </a:pPr>
-            <a:fld id="{E4EAAFD6-45C8-4F15-AFE7-8BB6449CE009}" type="slidenum">
+            <a:fld id="{5B068E9C-1C34-4699-AE7B-1250D617898D}" type="slidenum">
               <a:rPr b="0" lang="en-US" sz="1300" spc="-1" strike="noStrike">
                 <a:solidFill>
                   <a:srgbClr val="000000"/>
@@ -496,10 +503,10 @@
                 <a:latin typeface="+mn-lt"/>
                 <a:ea typeface="+mn-ea"/>
               </a:rPr>
-              <a:t>&lt;编号&gt;</a:t>
+              <a:t>12</a:t>
             </a:fld>
             <a:endParaRPr b="0" lang="en-US" sz="1300" spc="-1" strike="noStrike">
-              <a:latin typeface="Times New Roman"/>
+              <a:latin typeface="Arial"/>
             </a:endParaRPr>
           </a:p>
         </p:txBody>
@@ -528,7 +535,7 @@
       </p:grpSpPr>
       <p:sp>
         <p:nvSpPr>
-          <p:cNvPr id="148" name="PlaceHolder 1"/>
+          <p:cNvPr id="142" name="PlaceHolder 1"/>
           <p:cNvSpPr>
             <a:spLocks noGrp="1"/>
           </p:cNvSpPr>
@@ -539,16 +546,16 @@
         <p:spPr>
           <a:xfrm>
             <a:off x="993600" y="768240"/>
-            <a:ext cx="5117760" cy="3838320"/>
-          </a:xfrm>
-          <a:prstGeom prst="rect">
-            <a:avLst/>
-          </a:prstGeom>
-        </p:spPr>
-      </p:sp>
-      <p:sp>
-        <p:nvSpPr>
-          <p:cNvPr id="149" name="PlaceHolder 2"/>
+            <a:ext cx="5117400" cy="3837960"/>
+          </a:xfrm>
+          <a:prstGeom prst="rect">
+            <a:avLst/>
+          </a:prstGeom>
+        </p:spPr>
+      </p:sp>
+      <p:sp>
+        <p:nvSpPr>
+          <p:cNvPr id="143" name="PlaceHolder 2"/>
           <p:cNvSpPr>
             <a:spLocks noGrp="1"/>
           </p:cNvSpPr>
@@ -559,7 +566,7 @@
         <p:spPr>
           <a:xfrm>
             <a:off x="710640" y="4862160"/>
-            <a:ext cx="5684040" cy="4605840"/>
+            <a:ext cx="5683680" cy="4605480"/>
           </a:xfrm>
           <a:prstGeom prst="rect">
             <a:avLst/>
@@ -578,14 +585,14 @@
       </p:sp>
       <p:sp>
         <p:nvSpPr>
-          <p:cNvPr id="150" name="TextShape 3"/>
-          <p:cNvSpPr txBox="1"/>
+          <p:cNvPr id="144" name="CustomShape 3"/>
+          <p:cNvSpPr/>
           <p:nvPr/>
         </p:nvSpPr>
         <p:spPr>
           <a:xfrm>
             <a:off x="4024800" y="9722520"/>
-            <a:ext cx="3078720" cy="511560"/>
+            <a:ext cx="3078360" cy="511200"/>
           </a:xfrm>
           <a:prstGeom prst="rect">
             <a:avLst/>
@@ -595,6 +602,12 @@
             <a:noFill/>
           </a:ln>
         </p:spPr>
+        <p:style>
+          <a:lnRef idx="0"/>
+          <a:fillRef idx="0"/>
+          <a:effectRef idx="0"/>
+          <a:fontRef idx="minor"/>
+        </p:style>
         <p:txBody>
           <a:bodyPr lIns="99000" rIns="99000" tIns="49680" bIns="49680" anchor="b">
             <a:noAutofit/>
@@ -605,7 +618,7 @@
                 <a:spcPct val="100000"/>
               </a:lnSpc>
             </a:pPr>
-            <a:fld id="{DB11B0DC-D396-4C22-AD4B-DCEB838F3D4E}" type="slidenum">
+            <a:fld id="{B3E3C601-0C19-44C6-9BFA-D4822A5F7D10}" type="slidenum">
               <a:rPr b="0" lang="en-US" sz="1300" spc="-1" strike="noStrike">
                 <a:solidFill>
                   <a:srgbClr val="000000"/>
@@ -616,7 +629,7 @@
               <a:t>&lt;编号&gt;</a:t>
             </a:fld>
             <a:endParaRPr b="0" lang="en-US" sz="1300" spc="-1" strike="noStrike">
-              <a:latin typeface="Times New Roman"/>
+              <a:latin typeface="Arial"/>
             </a:endParaRPr>
           </a:p>
         </p:txBody>
@@ -645,7 +658,7 @@
       </p:grpSpPr>
       <p:sp>
         <p:nvSpPr>
-          <p:cNvPr id="151" name="PlaceHolder 1"/>
+          <p:cNvPr id="145" name="PlaceHolder 1"/>
           <p:cNvSpPr>
             <a:spLocks noGrp="1"/>
           </p:cNvSpPr>
@@ -656,16 +669,16 @@
         <p:spPr>
           <a:xfrm>
             <a:off x="993600" y="768240"/>
-            <a:ext cx="5117760" cy="3838320"/>
-          </a:xfrm>
-          <a:prstGeom prst="rect">
-            <a:avLst/>
-          </a:prstGeom>
-        </p:spPr>
-      </p:sp>
-      <p:sp>
-        <p:nvSpPr>
-          <p:cNvPr id="152" name="PlaceHolder 2"/>
+            <a:ext cx="5117400" cy="3837960"/>
+          </a:xfrm>
+          <a:prstGeom prst="rect">
+            <a:avLst/>
+          </a:prstGeom>
+        </p:spPr>
+      </p:sp>
+      <p:sp>
+        <p:nvSpPr>
+          <p:cNvPr id="146" name="PlaceHolder 2"/>
           <p:cNvSpPr>
             <a:spLocks noGrp="1"/>
           </p:cNvSpPr>
@@ -676,7 +689,7 @@
         <p:spPr>
           <a:xfrm>
             <a:off x="710640" y="4862160"/>
-            <a:ext cx="5684040" cy="4605840"/>
+            <a:ext cx="5683680" cy="4605480"/>
           </a:xfrm>
           <a:prstGeom prst="rect">
             <a:avLst/>
@@ -695,14 +708,14 @@
       </p:sp>
       <p:sp>
         <p:nvSpPr>
-          <p:cNvPr id="153" name="TextShape 3"/>
-          <p:cNvSpPr txBox="1"/>
+          <p:cNvPr id="147" name="CustomShape 3"/>
+          <p:cNvSpPr/>
           <p:nvPr/>
         </p:nvSpPr>
         <p:spPr>
           <a:xfrm>
             <a:off x="4024800" y="9722520"/>
-            <a:ext cx="3078720" cy="511560"/>
+            <a:ext cx="3078360" cy="511200"/>
           </a:xfrm>
           <a:prstGeom prst="rect">
             <a:avLst/>
@@ -712,6 +725,12 @@
             <a:noFill/>
           </a:ln>
         </p:spPr>
+        <p:style>
+          <a:lnRef idx="0"/>
+          <a:fillRef idx="0"/>
+          <a:effectRef idx="0"/>
+          <a:fontRef idx="minor"/>
+        </p:style>
         <p:txBody>
           <a:bodyPr lIns="99000" rIns="99000" tIns="49680" bIns="49680" anchor="b">
             <a:noAutofit/>
@@ -722,7 +741,7 @@
                 <a:spcPct val="100000"/>
               </a:lnSpc>
             </a:pPr>
-            <a:fld id="{0434DC57-4EAE-43B5-BEB7-4A3F5A4C35CB}" type="slidenum">
+            <a:fld id="{A9BAC5A6-8AB4-44BA-9E56-C078736B62FA}" type="slidenum">
               <a:rPr b="0" lang="en-US" sz="1300" spc="-1" strike="noStrike">
                 <a:solidFill>
                   <a:srgbClr val="000000"/>
@@ -733,7 +752,7 @@
               <a:t>&lt;编号&gt;</a:t>
             </a:fld>
             <a:endParaRPr b="0" lang="en-US" sz="1300" spc="-1" strike="noStrike">
-              <a:latin typeface="Times New Roman"/>
+              <a:latin typeface="Arial"/>
             </a:endParaRPr>
           </a:p>
         </p:txBody>
@@ -762,7 +781,7 @@
       </p:grpSpPr>
       <p:sp>
         <p:nvSpPr>
-          <p:cNvPr id="154" name="PlaceHolder 1"/>
+          <p:cNvPr id="148" name="PlaceHolder 1"/>
           <p:cNvSpPr>
             <a:spLocks noGrp="1"/>
           </p:cNvSpPr>
@@ -773,16 +792,16 @@
         <p:spPr>
           <a:xfrm>
             <a:off x="1421280" y="1279440"/>
-            <a:ext cx="4263120" cy="3454200"/>
-          </a:xfrm>
-          <a:prstGeom prst="rect">
-            <a:avLst/>
-          </a:prstGeom>
-        </p:spPr>
-      </p:sp>
-      <p:sp>
-        <p:nvSpPr>
-          <p:cNvPr id="155" name="PlaceHolder 2"/>
+            <a:ext cx="4262760" cy="3453840"/>
+          </a:xfrm>
+          <a:prstGeom prst="rect">
+            <a:avLst/>
+          </a:prstGeom>
+        </p:spPr>
+      </p:sp>
+      <p:sp>
+        <p:nvSpPr>
+          <p:cNvPr id="149" name="PlaceHolder 2"/>
           <p:cNvSpPr>
             <a:spLocks noGrp="1"/>
           </p:cNvSpPr>
@@ -793,7 +812,7 @@
         <p:spPr>
           <a:xfrm>
             <a:off x="710640" y="4862160"/>
-            <a:ext cx="5684040" cy="4605840"/>
+            <a:ext cx="5683680" cy="4605480"/>
           </a:xfrm>
           <a:prstGeom prst="rect">
             <a:avLst/>
@@ -812,14 +831,14 @@
       </p:sp>
       <p:sp>
         <p:nvSpPr>
-          <p:cNvPr id="156" name="TextShape 3"/>
-          <p:cNvSpPr txBox="1"/>
+          <p:cNvPr id="150" name="CustomShape 3"/>
+          <p:cNvSpPr/>
           <p:nvPr/>
         </p:nvSpPr>
         <p:spPr>
           <a:xfrm>
             <a:off x="4024800" y="9722520"/>
-            <a:ext cx="3078720" cy="511560"/>
+            <a:ext cx="3078360" cy="511200"/>
           </a:xfrm>
           <a:prstGeom prst="rect">
             <a:avLst/>
@@ -829,6 +848,12 @@
             <a:noFill/>
           </a:ln>
         </p:spPr>
+        <p:style>
+          <a:lnRef idx="0"/>
+          <a:fillRef idx="0"/>
+          <a:effectRef idx="0"/>
+          <a:fontRef idx="minor"/>
+        </p:style>
         <p:txBody>
           <a:bodyPr lIns="99000" rIns="99000" tIns="49680" bIns="49680" anchor="b">
             <a:noAutofit/>
@@ -839,7 +864,7 @@
                 <a:spcPct val="100000"/>
               </a:lnSpc>
             </a:pPr>
-            <a:fld id="{1569B7EB-30DB-49B6-AE47-9E2C93F21E70}" type="slidenum">
+            <a:fld id="{E36848B4-65A6-4268-8195-FEECD3400245}" type="slidenum">
               <a:rPr b="0" lang="en-US" sz="1300" spc="-1" strike="noStrike">
                 <a:solidFill>
                   <a:srgbClr val="000000"/>
@@ -850,7 +875,7 @@
               <a:t>&lt;编号&gt;</a:t>
             </a:fld>
             <a:endParaRPr b="0" lang="en-US" sz="1300" spc="-1" strike="noStrike">
-              <a:latin typeface="Times New Roman"/>
+              <a:latin typeface="Arial"/>
             </a:endParaRPr>
           </a:p>
         </p:txBody>
@@ -879,7 +904,7 @@
       </p:grpSpPr>
       <p:sp>
         <p:nvSpPr>
-          <p:cNvPr id="124" name="PlaceHolder 1"/>
+          <p:cNvPr id="118" name="PlaceHolder 1"/>
           <p:cNvSpPr>
             <a:spLocks noGrp="1"/>
           </p:cNvSpPr>
@@ -890,16 +915,16 @@
         <p:spPr>
           <a:xfrm>
             <a:off x="993600" y="768240"/>
-            <a:ext cx="5117760" cy="3838320"/>
-          </a:xfrm>
-          <a:prstGeom prst="rect">
-            <a:avLst/>
-          </a:prstGeom>
-        </p:spPr>
-      </p:sp>
-      <p:sp>
-        <p:nvSpPr>
-          <p:cNvPr id="125" name="PlaceHolder 2"/>
+            <a:ext cx="5117400" cy="3837960"/>
+          </a:xfrm>
+          <a:prstGeom prst="rect">
+            <a:avLst/>
+          </a:prstGeom>
+        </p:spPr>
+      </p:sp>
+      <p:sp>
+        <p:nvSpPr>
+          <p:cNvPr id="119" name="PlaceHolder 2"/>
           <p:cNvSpPr>
             <a:spLocks noGrp="1"/>
           </p:cNvSpPr>
@@ -910,7 +935,7 @@
         <p:spPr>
           <a:xfrm>
             <a:off x="710640" y="4862160"/>
-            <a:ext cx="5684040" cy="4605840"/>
+            <a:ext cx="5683680" cy="4605480"/>
           </a:xfrm>
           <a:prstGeom prst="rect">
             <a:avLst/>
@@ -929,14 +954,14 @@
       </p:sp>
       <p:sp>
         <p:nvSpPr>
-          <p:cNvPr id="126" name="TextShape 3"/>
-          <p:cNvSpPr txBox="1"/>
+          <p:cNvPr id="120" name="CustomShape 3"/>
+          <p:cNvSpPr/>
           <p:nvPr/>
         </p:nvSpPr>
         <p:spPr>
           <a:xfrm>
             <a:off x="4024800" y="9722520"/>
-            <a:ext cx="3078720" cy="511560"/>
+            <a:ext cx="3078360" cy="511200"/>
           </a:xfrm>
           <a:prstGeom prst="rect">
             <a:avLst/>
@@ -946,6 +971,12 @@
             <a:noFill/>
           </a:ln>
         </p:spPr>
+        <p:style>
+          <a:lnRef idx="0"/>
+          <a:fillRef idx="0"/>
+          <a:effectRef idx="0"/>
+          <a:fontRef idx="minor"/>
+        </p:style>
         <p:txBody>
           <a:bodyPr lIns="99000" rIns="99000" tIns="49680" bIns="49680" anchor="b">
             <a:noAutofit/>
@@ -956,7 +987,7 @@
                 <a:spcPct val="100000"/>
               </a:lnSpc>
             </a:pPr>
-            <a:fld id="{9FC61515-BD88-4984-B10A-8CC77FE58C84}" type="slidenum">
+            <a:fld id="{3D1DBBCA-5736-4247-9B7C-CE70615FFFC9}" type="slidenum">
               <a:rPr b="0" lang="en-US" sz="1300" spc="-1" strike="noStrike">
                 <a:solidFill>
                   <a:srgbClr val="000000"/>
@@ -967,7 +998,7 @@
               <a:t>12</a:t>
             </a:fld>
             <a:endParaRPr b="0" lang="en-US" sz="1300" spc="-1" strike="noStrike">
-              <a:latin typeface="Times New Roman"/>
+              <a:latin typeface="Arial"/>
             </a:endParaRPr>
           </a:p>
         </p:txBody>
@@ -996,7 +1027,7 @@
       </p:grpSpPr>
       <p:sp>
         <p:nvSpPr>
-          <p:cNvPr id="127" name="PlaceHolder 1"/>
+          <p:cNvPr id="121" name="PlaceHolder 1"/>
           <p:cNvSpPr>
             <a:spLocks noGrp="1"/>
           </p:cNvSpPr>
@@ -1007,16 +1038,16 @@
         <p:spPr>
           <a:xfrm>
             <a:off x="993600" y="768240"/>
-            <a:ext cx="5117760" cy="3838320"/>
-          </a:xfrm>
-          <a:prstGeom prst="rect">
-            <a:avLst/>
-          </a:prstGeom>
-        </p:spPr>
-      </p:sp>
-      <p:sp>
-        <p:nvSpPr>
-          <p:cNvPr id="128" name="PlaceHolder 2"/>
+            <a:ext cx="5117400" cy="3837960"/>
+          </a:xfrm>
+          <a:prstGeom prst="rect">
+            <a:avLst/>
+          </a:prstGeom>
+        </p:spPr>
+      </p:sp>
+      <p:sp>
+        <p:nvSpPr>
+          <p:cNvPr id="122" name="PlaceHolder 2"/>
           <p:cNvSpPr>
             <a:spLocks noGrp="1"/>
           </p:cNvSpPr>
@@ -1027,7 +1058,7 @@
         <p:spPr>
           <a:xfrm>
             <a:off x="710640" y="4862160"/>
-            <a:ext cx="5684040" cy="4605840"/>
+            <a:ext cx="5683680" cy="4605480"/>
           </a:xfrm>
           <a:prstGeom prst="rect">
             <a:avLst/>
@@ -1046,14 +1077,14 @@
       </p:sp>
       <p:sp>
         <p:nvSpPr>
-          <p:cNvPr id="129" name="TextShape 3"/>
-          <p:cNvSpPr txBox="1"/>
+          <p:cNvPr id="123" name="CustomShape 3"/>
+          <p:cNvSpPr/>
           <p:nvPr/>
         </p:nvSpPr>
         <p:spPr>
           <a:xfrm>
             <a:off x="4024800" y="9722520"/>
-            <a:ext cx="3078720" cy="511560"/>
+            <a:ext cx="3078360" cy="511200"/>
           </a:xfrm>
           <a:prstGeom prst="rect">
             <a:avLst/>
@@ -1063,6 +1094,12 @@
             <a:noFill/>
           </a:ln>
         </p:spPr>
+        <p:style>
+          <a:lnRef idx="0"/>
+          <a:fillRef idx="0"/>
+          <a:effectRef idx="0"/>
+          <a:fontRef idx="minor"/>
+        </p:style>
         <p:txBody>
           <a:bodyPr lIns="99000" rIns="99000" tIns="49680" bIns="49680" anchor="b">
             <a:noAutofit/>
@@ -1073,7 +1110,7 @@
                 <a:spcPct val="100000"/>
               </a:lnSpc>
             </a:pPr>
-            <a:fld id="{811D65D2-7EBD-4B9F-BD54-2462DCA7500F}" type="slidenum">
+            <a:fld id="{D109525A-9794-4E23-8AC6-96D12790245D}" type="slidenum">
               <a:rPr b="0" lang="en-US" sz="1300" spc="-1" strike="noStrike">
                 <a:solidFill>
                   <a:srgbClr val="000000"/>
@@ -1084,7 +1121,7 @@
               <a:t>12</a:t>
             </a:fld>
             <a:endParaRPr b="0" lang="en-US" sz="1300" spc="-1" strike="noStrike">
-              <a:latin typeface="Times New Roman"/>
+              <a:latin typeface="Arial"/>
             </a:endParaRPr>
           </a:p>
         </p:txBody>
@@ -1113,7 +1150,7 @@
       </p:grpSpPr>
       <p:sp>
         <p:nvSpPr>
-          <p:cNvPr id="130" name="PlaceHolder 1"/>
+          <p:cNvPr id="124" name="PlaceHolder 1"/>
           <p:cNvSpPr>
             <a:spLocks noGrp="1"/>
           </p:cNvSpPr>
@@ -1124,16 +1161,16 @@
         <p:spPr>
           <a:xfrm>
             <a:off x="993600" y="768240"/>
-            <a:ext cx="5117760" cy="3838320"/>
-          </a:xfrm>
-          <a:prstGeom prst="rect">
-            <a:avLst/>
-          </a:prstGeom>
-        </p:spPr>
-      </p:sp>
-      <p:sp>
-        <p:nvSpPr>
-          <p:cNvPr id="131" name="PlaceHolder 2"/>
+            <a:ext cx="5117400" cy="3837960"/>
+          </a:xfrm>
+          <a:prstGeom prst="rect">
+            <a:avLst/>
+          </a:prstGeom>
+        </p:spPr>
+      </p:sp>
+      <p:sp>
+        <p:nvSpPr>
+          <p:cNvPr id="125" name="PlaceHolder 2"/>
           <p:cNvSpPr>
             <a:spLocks noGrp="1"/>
           </p:cNvSpPr>
@@ -1144,7 +1181,7 @@
         <p:spPr>
           <a:xfrm>
             <a:off x="710640" y="4862160"/>
-            <a:ext cx="5684040" cy="4605840"/>
+            <a:ext cx="5683680" cy="4605480"/>
           </a:xfrm>
           <a:prstGeom prst="rect">
             <a:avLst/>
@@ -1163,14 +1200,14 @@
       </p:sp>
       <p:sp>
         <p:nvSpPr>
-          <p:cNvPr id="132" name="TextShape 3"/>
-          <p:cNvSpPr txBox="1"/>
+          <p:cNvPr id="126" name="CustomShape 3"/>
+          <p:cNvSpPr/>
           <p:nvPr/>
         </p:nvSpPr>
         <p:spPr>
           <a:xfrm>
             <a:off x="4024800" y="9722520"/>
-            <a:ext cx="3078720" cy="511560"/>
+            <a:ext cx="3078360" cy="511200"/>
           </a:xfrm>
           <a:prstGeom prst="rect">
             <a:avLst/>
@@ -1180,6 +1217,12 @@
             <a:noFill/>
           </a:ln>
         </p:spPr>
+        <p:style>
+          <a:lnRef idx="0"/>
+          <a:fillRef idx="0"/>
+          <a:effectRef idx="0"/>
+          <a:fontRef idx="minor"/>
+        </p:style>
         <p:txBody>
           <a:bodyPr lIns="99000" rIns="99000" tIns="49680" bIns="49680" anchor="b">
             <a:noAutofit/>
@@ -1190,7 +1233,7 @@
                 <a:spcPct val="100000"/>
               </a:lnSpc>
             </a:pPr>
-            <a:fld id="{F1B8099D-200B-4EFF-98CB-EFA65157A1D8}" type="slidenum">
+            <a:fld id="{A51C3FEE-1A44-410D-B195-F321D7332051}" type="slidenum">
               <a:rPr b="0" lang="en-US" sz="1300" spc="-1" strike="noStrike">
                 <a:solidFill>
                   <a:srgbClr val="000000"/>
@@ -1201,7 +1244,7 @@
               <a:t>12</a:t>
             </a:fld>
             <a:endParaRPr b="0" lang="en-US" sz="1300" spc="-1" strike="noStrike">
-              <a:latin typeface="Times New Roman"/>
+              <a:latin typeface="Arial"/>
             </a:endParaRPr>
           </a:p>
         </p:txBody>
@@ -1230,7 +1273,7 @@
       </p:grpSpPr>
       <p:sp>
         <p:nvSpPr>
-          <p:cNvPr id="133" name="PlaceHolder 1"/>
+          <p:cNvPr id="127" name="PlaceHolder 1"/>
           <p:cNvSpPr>
             <a:spLocks noGrp="1"/>
           </p:cNvSpPr>
@@ -1241,16 +1284,16 @@
         <p:spPr>
           <a:xfrm>
             <a:off x="993600" y="768240"/>
-            <a:ext cx="5117760" cy="3838320"/>
-          </a:xfrm>
-          <a:prstGeom prst="rect">
-            <a:avLst/>
-          </a:prstGeom>
-        </p:spPr>
-      </p:sp>
-      <p:sp>
-        <p:nvSpPr>
-          <p:cNvPr id="134" name="PlaceHolder 2"/>
+            <a:ext cx="5117400" cy="3837960"/>
+          </a:xfrm>
+          <a:prstGeom prst="rect">
+            <a:avLst/>
+          </a:prstGeom>
+        </p:spPr>
+      </p:sp>
+      <p:sp>
+        <p:nvSpPr>
+          <p:cNvPr id="128" name="PlaceHolder 2"/>
           <p:cNvSpPr>
             <a:spLocks noGrp="1"/>
           </p:cNvSpPr>
@@ -1261,7 +1304,7 @@
         <p:spPr>
           <a:xfrm>
             <a:off x="710640" y="4862160"/>
-            <a:ext cx="5684040" cy="4605840"/>
+            <a:ext cx="5683680" cy="4605480"/>
           </a:xfrm>
           <a:prstGeom prst="rect">
             <a:avLst/>
@@ -1280,14 +1323,14 @@
       </p:sp>
       <p:sp>
         <p:nvSpPr>
-          <p:cNvPr id="135" name="TextShape 3"/>
-          <p:cNvSpPr txBox="1"/>
+          <p:cNvPr id="129" name="CustomShape 3"/>
+          <p:cNvSpPr/>
           <p:nvPr/>
         </p:nvSpPr>
         <p:spPr>
           <a:xfrm>
             <a:off x="4024800" y="9722520"/>
-            <a:ext cx="3078720" cy="511560"/>
+            <a:ext cx="3078360" cy="511200"/>
           </a:xfrm>
           <a:prstGeom prst="rect">
             <a:avLst/>
@@ -1297,6 +1340,12 @@
             <a:noFill/>
           </a:ln>
         </p:spPr>
+        <p:style>
+          <a:lnRef idx="0"/>
+          <a:fillRef idx="0"/>
+          <a:effectRef idx="0"/>
+          <a:fontRef idx="minor"/>
+        </p:style>
         <p:txBody>
           <a:bodyPr lIns="99000" rIns="99000" tIns="49680" bIns="49680" anchor="b">
             <a:noAutofit/>
@@ -1307,7 +1356,7 @@
                 <a:spcPct val="100000"/>
               </a:lnSpc>
             </a:pPr>
-            <a:fld id="{36E1A34E-62F4-4D81-9E13-3A749CE90140}" type="slidenum">
+            <a:fld id="{F7E728C1-7292-4AA4-BC1B-DAA34FAD6BF7}" type="slidenum">
               <a:rPr b="0" lang="en-US" sz="1300" spc="-1" strike="noStrike">
                 <a:solidFill>
                   <a:srgbClr val="000000"/>
@@ -1318,7 +1367,7 @@
               <a:t>12</a:t>
             </a:fld>
             <a:endParaRPr b="0" lang="en-US" sz="1300" spc="-1" strike="noStrike">
-              <a:latin typeface="Times New Roman"/>
+              <a:latin typeface="Arial"/>
             </a:endParaRPr>
           </a:p>
         </p:txBody>
@@ -1347,7 +1396,7 @@
       </p:grpSpPr>
       <p:sp>
         <p:nvSpPr>
-          <p:cNvPr id="136" name="PlaceHolder 1"/>
+          <p:cNvPr id="130" name="PlaceHolder 1"/>
           <p:cNvSpPr>
             <a:spLocks noGrp="1"/>
           </p:cNvSpPr>
@@ -1358,16 +1407,16 @@
         <p:spPr>
           <a:xfrm>
             <a:off x="993600" y="768240"/>
-            <a:ext cx="5117760" cy="3838320"/>
-          </a:xfrm>
-          <a:prstGeom prst="rect">
-            <a:avLst/>
-          </a:prstGeom>
-        </p:spPr>
-      </p:sp>
-      <p:sp>
-        <p:nvSpPr>
-          <p:cNvPr id="137" name="PlaceHolder 2"/>
+            <a:ext cx="5117400" cy="3837960"/>
+          </a:xfrm>
+          <a:prstGeom prst="rect">
+            <a:avLst/>
+          </a:prstGeom>
+        </p:spPr>
+      </p:sp>
+      <p:sp>
+        <p:nvSpPr>
+          <p:cNvPr id="131" name="PlaceHolder 2"/>
           <p:cNvSpPr>
             <a:spLocks noGrp="1"/>
           </p:cNvSpPr>
@@ -1378,7 +1427,7 @@
         <p:spPr>
           <a:xfrm>
             <a:off x="710640" y="4862160"/>
-            <a:ext cx="5684040" cy="4605840"/>
+            <a:ext cx="5683680" cy="4605480"/>
           </a:xfrm>
           <a:prstGeom prst="rect">
             <a:avLst/>
@@ -1397,14 +1446,14 @@
       </p:sp>
       <p:sp>
         <p:nvSpPr>
-          <p:cNvPr id="138" name="TextShape 3"/>
-          <p:cNvSpPr txBox="1"/>
+          <p:cNvPr id="132" name="CustomShape 3"/>
+          <p:cNvSpPr/>
           <p:nvPr/>
         </p:nvSpPr>
         <p:spPr>
           <a:xfrm>
             <a:off x="4024800" y="9722520"/>
-            <a:ext cx="3078720" cy="511560"/>
+            <a:ext cx="3078360" cy="511200"/>
           </a:xfrm>
           <a:prstGeom prst="rect">
             <a:avLst/>
@@ -1414,6 +1463,12 @@
             <a:noFill/>
           </a:ln>
         </p:spPr>
+        <p:style>
+          <a:lnRef idx="0"/>
+          <a:fillRef idx="0"/>
+          <a:effectRef idx="0"/>
+          <a:fontRef idx="minor"/>
+        </p:style>
         <p:txBody>
           <a:bodyPr lIns="99000" rIns="99000" tIns="49680" bIns="49680" anchor="b">
             <a:noAutofit/>
@@ -1424,7 +1479,7 @@
                 <a:spcPct val="100000"/>
               </a:lnSpc>
             </a:pPr>
-            <a:fld id="{A67B3638-6ECE-4F96-B269-460D077263C4}" type="slidenum">
+            <a:fld id="{ABEE6DEA-089E-46D7-B25F-49D082EEF61C}" type="slidenum">
               <a:rPr b="0" lang="en-US" sz="1300" spc="-1" strike="noStrike">
                 <a:solidFill>
                   <a:srgbClr val="000000"/>
@@ -1435,7 +1490,7 @@
               <a:t>12</a:t>
             </a:fld>
             <a:endParaRPr b="0" lang="en-US" sz="1300" spc="-1" strike="noStrike">
-              <a:latin typeface="Times New Roman"/>
+              <a:latin typeface="Arial"/>
             </a:endParaRPr>
           </a:p>
         </p:txBody>
@@ -1464,7 +1519,7 @@
       </p:grpSpPr>
       <p:sp>
         <p:nvSpPr>
-          <p:cNvPr id="139" name="PlaceHolder 1"/>
+          <p:cNvPr id="133" name="PlaceHolder 1"/>
           <p:cNvSpPr>
             <a:spLocks noGrp="1"/>
           </p:cNvSpPr>
@@ -1475,16 +1530,16 @@
         <p:spPr>
           <a:xfrm>
             <a:off x="993600" y="768240"/>
-            <a:ext cx="5117760" cy="3838320"/>
-          </a:xfrm>
-          <a:prstGeom prst="rect">
-            <a:avLst/>
-          </a:prstGeom>
-        </p:spPr>
-      </p:sp>
-      <p:sp>
-        <p:nvSpPr>
-          <p:cNvPr id="140" name="PlaceHolder 2"/>
+            <a:ext cx="5117400" cy="3837960"/>
+          </a:xfrm>
+          <a:prstGeom prst="rect">
+            <a:avLst/>
+          </a:prstGeom>
+        </p:spPr>
+      </p:sp>
+      <p:sp>
+        <p:nvSpPr>
+          <p:cNvPr id="134" name="PlaceHolder 2"/>
           <p:cNvSpPr>
             <a:spLocks noGrp="1"/>
           </p:cNvSpPr>
@@ -1495,7 +1550,7 @@
         <p:spPr>
           <a:xfrm>
             <a:off x="710640" y="4862160"/>
-            <a:ext cx="5684040" cy="4605840"/>
+            <a:ext cx="5683680" cy="4605480"/>
           </a:xfrm>
           <a:prstGeom prst="rect">
             <a:avLst/>
@@ -1514,14 +1569,14 @@
       </p:sp>
       <p:sp>
         <p:nvSpPr>
-          <p:cNvPr id="141" name="TextShape 3"/>
-          <p:cNvSpPr txBox="1"/>
+          <p:cNvPr id="135" name="CustomShape 3"/>
+          <p:cNvSpPr/>
           <p:nvPr/>
         </p:nvSpPr>
         <p:spPr>
           <a:xfrm>
             <a:off x="4024800" y="9722520"/>
-            <a:ext cx="3078720" cy="511560"/>
+            <a:ext cx="3078360" cy="511200"/>
           </a:xfrm>
           <a:prstGeom prst="rect">
             <a:avLst/>
@@ -1531,6 +1586,12 @@
             <a:noFill/>
           </a:ln>
         </p:spPr>
+        <p:style>
+          <a:lnRef idx="0"/>
+          <a:fillRef idx="0"/>
+          <a:effectRef idx="0"/>
+          <a:fontRef idx="minor"/>
+        </p:style>
         <p:txBody>
           <a:bodyPr lIns="99000" rIns="99000" tIns="49680" bIns="49680" anchor="b">
             <a:noAutofit/>
@@ -1541,7 +1602,7 @@
                 <a:spcPct val="100000"/>
               </a:lnSpc>
             </a:pPr>
-            <a:fld id="{CBEDDC79-1B3A-48AD-B002-329B6F50E99D}" type="slidenum">
+            <a:fld id="{8D142244-29FB-421D-BDF4-AAAA0237B3DC}" type="slidenum">
               <a:rPr b="0" lang="en-US" sz="1300" spc="-1" strike="noStrike">
                 <a:solidFill>
                   <a:srgbClr val="000000"/>
@@ -1552,7 +1613,7 @@
               <a:t>12</a:t>
             </a:fld>
             <a:endParaRPr b="0" lang="en-US" sz="1300" spc="-1" strike="noStrike">
-              <a:latin typeface="Times New Roman"/>
+              <a:latin typeface="Arial"/>
             </a:endParaRPr>
           </a:p>
         </p:txBody>
@@ -1581,7 +1642,7 @@
       </p:grpSpPr>
       <p:sp>
         <p:nvSpPr>
-          <p:cNvPr id="142" name="PlaceHolder 1"/>
+          <p:cNvPr id="136" name="PlaceHolder 1"/>
           <p:cNvSpPr>
             <a:spLocks noGrp="1"/>
           </p:cNvSpPr>
@@ -1592,16 +1653,16 @@
         <p:spPr>
           <a:xfrm>
             <a:off x="993600" y="768240"/>
-            <a:ext cx="5117760" cy="3838320"/>
-          </a:xfrm>
-          <a:prstGeom prst="rect">
-            <a:avLst/>
-          </a:prstGeom>
-        </p:spPr>
-      </p:sp>
-      <p:sp>
-        <p:nvSpPr>
-          <p:cNvPr id="143" name="PlaceHolder 2"/>
+            <a:ext cx="5117400" cy="3837960"/>
+          </a:xfrm>
+          <a:prstGeom prst="rect">
+            <a:avLst/>
+          </a:prstGeom>
+        </p:spPr>
+      </p:sp>
+      <p:sp>
+        <p:nvSpPr>
+          <p:cNvPr id="137" name="PlaceHolder 2"/>
           <p:cNvSpPr>
             <a:spLocks noGrp="1"/>
           </p:cNvSpPr>
@@ -1612,7 +1673,7 @@
         <p:spPr>
           <a:xfrm>
             <a:off x="710640" y="4862160"/>
-            <a:ext cx="5684040" cy="4605840"/>
+            <a:ext cx="5683680" cy="4605480"/>
           </a:xfrm>
           <a:prstGeom prst="rect">
             <a:avLst/>
@@ -1631,14 +1692,14 @@
       </p:sp>
       <p:sp>
         <p:nvSpPr>
-          <p:cNvPr id="144" name="TextShape 3"/>
-          <p:cNvSpPr txBox="1"/>
+          <p:cNvPr id="138" name="CustomShape 3"/>
+          <p:cNvSpPr/>
           <p:nvPr/>
         </p:nvSpPr>
         <p:spPr>
           <a:xfrm>
             <a:off x="4024800" y="9722520"/>
-            <a:ext cx="3078720" cy="511560"/>
+            <a:ext cx="3078360" cy="511200"/>
           </a:xfrm>
           <a:prstGeom prst="rect">
             <a:avLst/>
@@ -1648,6 +1709,12 @@
             <a:noFill/>
           </a:ln>
         </p:spPr>
+        <p:style>
+          <a:lnRef idx="0"/>
+          <a:fillRef idx="0"/>
+          <a:effectRef idx="0"/>
+          <a:fontRef idx="minor"/>
+        </p:style>
         <p:txBody>
           <a:bodyPr lIns="99000" rIns="99000" tIns="49680" bIns="49680" anchor="b">
             <a:noAutofit/>
@@ -1658,7 +1725,7 @@
                 <a:spcPct val="100000"/>
               </a:lnSpc>
             </a:pPr>
-            <a:fld id="{A11107F0-7179-40DB-A80E-BFDB8B93CE14}" type="slidenum">
+            <a:fld id="{559C79D2-3D2E-4E50-9B39-B97018376F24}" type="slidenum">
               <a:rPr b="0" lang="en-US" sz="1300" spc="-1" strike="noStrike">
                 <a:solidFill>
                   <a:srgbClr val="000000"/>
@@ -1669,7 +1736,7 @@
               <a:t>12</a:t>
             </a:fld>
             <a:endParaRPr b="0" lang="en-US" sz="1300" spc="-1" strike="noStrike">
-              <a:latin typeface="Times New Roman"/>
+              <a:latin typeface="Arial"/>
             </a:endParaRPr>
           </a:p>
         </p:txBody>
@@ -1720,7 +1787,7 @@
       </p:grpSpPr>
       <p:sp>
         <p:nvSpPr>
-          <p:cNvPr id="26" name="PlaceHolder 1"/>
+          <p:cNvPr id="23" name="PlaceHolder 1"/>
           <p:cNvSpPr>
             <a:spLocks noGrp="1"/>
           </p:cNvSpPr>
@@ -1730,8 +1797,8 @@
         </p:nvSpPr>
         <p:spPr>
           <a:xfrm>
-            <a:off x="457200" y="274680"/>
-            <a:ext cx="8229240" cy="1142640"/>
+            <a:off x="457200" y="273600"/>
+            <a:ext cx="8229240" cy="1144800"/>
           </a:xfrm>
           <a:prstGeom prst="rect">
             <a:avLst/>
@@ -1742,18 +1809,16 @@
             <a:noAutofit/>
           </a:bodyPr>
           <a:p>
-            <a:endParaRPr b="0" lang="en-US" sz="1800" spc="-1" strike="noStrike">
-              <a:solidFill>
-                <a:srgbClr val="000000"/>
-              </a:solidFill>
-              <a:latin typeface="Calibri"/>
-            </a:endParaRPr>
-          </a:p>
-        </p:txBody>
-      </p:sp>
-      <p:sp>
-        <p:nvSpPr>
-          <p:cNvPr id="27" name="PlaceHolder 2"/>
+            <a:pPr algn="ctr"/>
+            <a:endParaRPr b="0" lang="en-US" sz="4400" spc="-1" strike="noStrike">
+              <a:latin typeface="Arial"/>
+            </a:endParaRPr>
+          </a:p>
+        </p:txBody>
+      </p:sp>
+      <p:sp>
+        <p:nvSpPr>
+          <p:cNvPr id="24" name="PlaceHolder 2"/>
           <p:cNvSpPr>
             <a:spLocks noGrp="1"/>
           </p:cNvSpPr>
@@ -1763,8 +1828,8 @@
         </p:nvSpPr>
         <p:spPr>
           <a:xfrm>
-            <a:off x="457200" y="1600200"/>
-            <a:ext cx="8229240" cy="2158560"/>
+            <a:off x="457200" y="1604520"/>
+            <a:ext cx="8229240" cy="1896840"/>
           </a:xfrm>
           <a:prstGeom prst="rect">
             <a:avLst/>
@@ -1776,17 +1841,14 @@
           </a:bodyPr>
           <a:p>
             <a:endParaRPr b="0" lang="en-US" sz="3200" spc="-1" strike="noStrike">
-              <a:solidFill>
-                <a:srgbClr val="000000"/>
-              </a:solidFill>
-              <a:latin typeface="Calibri"/>
-            </a:endParaRPr>
-          </a:p>
-        </p:txBody>
-      </p:sp>
-      <p:sp>
-        <p:nvSpPr>
-          <p:cNvPr id="28" name="PlaceHolder 3"/>
+              <a:latin typeface="Arial"/>
+            </a:endParaRPr>
+          </a:p>
+        </p:txBody>
+      </p:sp>
+      <p:sp>
+        <p:nvSpPr>
+          <p:cNvPr id="25" name="PlaceHolder 3"/>
           <p:cNvSpPr>
             <a:spLocks noGrp="1"/>
           </p:cNvSpPr>
@@ -1796,8 +1858,8 @@
         </p:nvSpPr>
         <p:spPr>
           <a:xfrm>
-            <a:off x="457200" y="3964320"/>
-            <a:ext cx="8229240" cy="2158560"/>
+            <a:off x="457200" y="3682080"/>
+            <a:ext cx="8229240" cy="1896840"/>
           </a:xfrm>
           <a:prstGeom prst="rect">
             <a:avLst/>
@@ -1809,10 +1871,7 @@
           </a:bodyPr>
           <a:p>
             <a:endParaRPr b="0" lang="en-US" sz="3200" spc="-1" strike="noStrike">
-              <a:solidFill>
-                <a:srgbClr val="000000"/>
-              </a:solidFill>
-              <a:latin typeface="Calibri"/>
+              <a:latin typeface="Arial"/>
             </a:endParaRPr>
           </a:p>
         </p:txBody>
@@ -1841,7 +1900,7 @@
       </p:grpSpPr>
       <p:sp>
         <p:nvSpPr>
-          <p:cNvPr id="29" name="PlaceHolder 1"/>
+          <p:cNvPr id="26" name="PlaceHolder 1"/>
           <p:cNvSpPr>
             <a:spLocks noGrp="1"/>
           </p:cNvSpPr>
@@ -1851,8 +1910,8 @@
         </p:nvSpPr>
         <p:spPr>
           <a:xfrm>
-            <a:off x="457200" y="274680"/>
-            <a:ext cx="8229240" cy="1142640"/>
+            <a:off x="457200" y="273600"/>
+            <a:ext cx="8229240" cy="1144800"/>
           </a:xfrm>
           <a:prstGeom prst="rect">
             <a:avLst/>
@@ -1863,18 +1922,16 @@
             <a:noAutofit/>
           </a:bodyPr>
           <a:p>
-            <a:endParaRPr b="0" lang="en-US" sz="1800" spc="-1" strike="noStrike">
-              <a:solidFill>
-                <a:srgbClr val="000000"/>
-              </a:solidFill>
-              <a:latin typeface="Calibri"/>
-            </a:endParaRPr>
-          </a:p>
-        </p:txBody>
-      </p:sp>
-      <p:sp>
-        <p:nvSpPr>
-          <p:cNvPr id="30" name="PlaceHolder 2"/>
+            <a:pPr algn="ctr"/>
+            <a:endParaRPr b="0" lang="en-US" sz="4400" spc="-1" strike="noStrike">
+              <a:latin typeface="Arial"/>
+            </a:endParaRPr>
+          </a:p>
+        </p:txBody>
+      </p:sp>
+      <p:sp>
+        <p:nvSpPr>
+          <p:cNvPr id="27" name="PlaceHolder 2"/>
           <p:cNvSpPr>
             <a:spLocks noGrp="1"/>
           </p:cNvSpPr>
@@ -1884,8 +1941,8 @@
         </p:nvSpPr>
         <p:spPr>
           <a:xfrm>
-            <a:off x="457200" y="1600200"/>
-            <a:ext cx="4015800" cy="2158560"/>
+            <a:off x="457200" y="1604520"/>
+            <a:ext cx="4015800" cy="1896840"/>
           </a:xfrm>
           <a:prstGeom prst="rect">
             <a:avLst/>
@@ -1897,17 +1954,14 @@
           </a:bodyPr>
           <a:p>
             <a:endParaRPr b="0" lang="en-US" sz="3200" spc="-1" strike="noStrike">
-              <a:solidFill>
-                <a:srgbClr val="000000"/>
-              </a:solidFill>
-              <a:latin typeface="Calibri"/>
-            </a:endParaRPr>
-          </a:p>
-        </p:txBody>
-      </p:sp>
-      <p:sp>
-        <p:nvSpPr>
-          <p:cNvPr id="31" name="PlaceHolder 3"/>
+              <a:latin typeface="Arial"/>
+            </a:endParaRPr>
+          </a:p>
+        </p:txBody>
+      </p:sp>
+      <p:sp>
+        <p:nvSpPr>
+          <p:cNvPr id="28" name="PlaceHolder 3"/>
           <p:cNvSpPr>
             <a:spLocks noGrp="1"/>
           </p:cNvSpPr>
@@ -1917,8 +1971,8 @@
         </p:nvSpPr>
         <p:spPr>
           <a:xfrm>
-            <a:off x="4674240" y="1600200"/>
-            <a:ext cx="4015800" cy="2158560"/>
+            <a:off x="4674240" y="1604520"/>
+            <a:ext cx="4015800" cy="1896840"/>
           </a:xfrm>
           <a:prstGeom prst="rect">
             <a:avLst/>
@@ -1930,17 +1984,14 @@
           </a:bodyPr>
           <a:p>
             <a:endParaRPr b="0" lang="en-US" sz="3200" spc="-1" strike="noStrike">
-              <a:solidFill>
-                <a:srgbClr val="000000"/>
-              </a:solidFill>
-              <a:latin typeface="Calibri"/>
-            </a:endParaRPr>
-          </a:p>
-        </p:txBody>
-      </p:sp>
-      <p:sp>
-        <p:nvSpPr>
-          <p:cNvPr id="32" name="PlaceHolder 4"/>
+              <a:latin typeface="Arial"/>
+            </a:endParaRPr>
+          </a:p>
+        </p:txBody>
+      </p:sp>
+      <p:sp>
+        <p:nvSpPr>
+          <p:cNvPr id="29" name="PlaceHolder 4"/>
           <p:cNvSpPr>
             <a:spLocks noGrp="1"/>
           </p:cNvSpPr>
@@ -1950,8 +2001,8 @@
         </p:nvSpPr>
         <p:spPr>
           <a:xfrm>
-            <a:off x="457200" y="3964320"/>
-            <a:ext cx="4015800" cy="2158560"/>
+            <a:off x="457200" y="3682080"/>
+            <a:ext cx="4015800" cy="1896840"/>
           </a:xfrm>
           <a:prstGeom prst="rect">
             <a:avLst/>
@@ -1963,17 +2014,14 @@
           </a:bodyPr>
           <a:p>
             <a:endParaRPr b="0" lang="en-US" sz="3200" spc="-1" strike="noStrike">
-              <a:solidFill>
-                <a:srgbClr val="000000"/>
-              </a:solidFill>
-              <a:latin typeface="Calibri"/>
-            </a:endParaRPr>
-          </a:p>
-        </p:txBody>
-      </p:sp>
-      <p:sp>
-        <p:nvSpPr>
-          <p:cNvPr id="33" name="PlaceHolder 5"/>
+              <a:latin typeface="Arial"/>
+            </a:endParaRPr>
+          </a:p>
+        </p:txBody>
+      </p:sp>
+      <p:sp>
+        <p:nvSpPr>
+          <p:cNvPr id="30" name="PlaceHolder 5"/>
           <p:cNvSpPr>
             <a:spLocks noGrp="1"/>
           </p:cNvSpPr>
@@ -1983,8 +2031,8 @@
         </p:nvSpPr>
         <p:spPr>
           <a:xfrm>
-            <a:off x="4674240" y="3964320"/>
-            <a:ext cx="4015800" cy="2158560"/>
+            <a:off x="4674240" y="3682080"/>
+            <a:ext cx="4015800" cy="1896840"/>
           </a:xfrm>
           <a:prstGeom prst="rect">
             <a:avLst/>
@@ -1996,10 +2044,7 @@
           </a:bodyPr>
           <a:p>
             <a:endParaRPr b="0" lang="en-US" sz="3200" spc="-1" strike="noStrike">
-              <a:solidFill>
-                <a:srgbClr val="000000"/>
-              </a:solidFill>
-              <a:latin typeface="Calibri"/>
+              <a:latin typeface="Arial"/>
             </a:endParaRPr>
           </a:p>
         </p:txBody>
@@ -2028,7 +2073,7 @@
       </p:grpSpPr>
       <p:sp>
         <p:nvSpPr>
-          <p:cNvPr id="34" name="PlaceHolder 1"/>
+          <p:cNvPr id="31" name="PlaceHolder 1"/>
           <p:cNvSpPr>
             <a:spLocks noGrp="1"/>
           </p:cNvSpPr>
@@ -2038,8 +2083,8 @@
         </p:nvSpPr>
         <p:spPr>
           <a:xfrm>
-            <a:off x="457200" y="274680"/>
-            <a:ext cx="8229240" cy="1142640"/>
+            <a:off x="457200" y="273600"/>
+            <a:ext cx="8229240" cy="1144800"/>
           </a:xfrm>
           <a:prstGeom prst="rect">
             <a:avLst/>
@@ -2050,18 +2095,16 @@
             <a:noAutofit/>
           </a:bodyPr>
           <a:p>
-            <a:endParaRPr b="0" lang="en-US" sz="1800" spc="-1" strike="noStrike">
-              <a:solidFill>
-                <a:srgbClr val="000000"/>
-              </a:solidFill>
-              <a:latin typeface="Calibri"/>
-            </a:endParaRPr>
-          </a:p>
-        </p:txBody>
-      </p:sp>
-      <p:sp>
-        <p:nvSpPr>
-          <p:cNvPr id="35" name="PlaceHolder 2"/>
+            <a:pPr algn="ctr"/>
+            <a:endParaRPr b="0" lang="en-US" sz="4400" spc="-1" strike="noStrike">
+              <a:latin typeface="Arial"/>
+            </a:endParaRPr>
+          </a:p>
+        </p:txBody>
+      </p:sp>
+      <p:sp>
+        <p:nvSpPr>
+          <p:cNvPr id="32" name="PlaceHolder 2"/>
           <p:cNvSpPr>
             <a:spLocks noGrp="1"/>
           </p:cNvSpPr>
@@ -2071,8 +2114,8 @@
         </p:nvSpPr>
         <p:spPr>
           <a:xfrm>
-            <a:off x="457200" y="1600200"/>
-            <a:ext cx="2649600" cy="2158560"/>
+            <a:off x="457200" y="1604520"/>
+            <a:ext cx="2649600" cy="1896840"/>
           </a:xfrm>
           <a:prstGeom prst="rect">
             <a:avLst/>
@@ -2084,17 +2127,14 @@
           </a:bodyPr>
           <a:p>
             <a:endParaRPr b="0" lang="en-US" sz="3200" spc="-1" strike="noStrike">
-              <a:solidFill>
-                <a:srgbClr val="000000"/>
-              </a:solidFill>
-              <a:latin typeface="Calibri"/>
-            </a:endParaRPr>
-          </a:p>
-        </p:txBody>
-      </p:sp>
-      <p:sp>
-        <p:nvSpPr>
-          <p:cNvPr id="36" name="PlaceHolder 3"/>
+              <a:latin typeface="Arial"/>
+            </a:endParaRPr>
+          </a:p>
+        </p:txBody>
+      </p:sp>
+      <p:sp>
+        <p:nvSpPr>
+          <p:cNvPr id="33" name="PlaceHolder 3"/>
           <p:cNvSpPr>
             <a:spLocks noGrp="1"/>
           </p:cNvSpPr>
@@ -2104,8 +2144,8 @@
         </p:nvSpPr>
         <p:spPr>
           <a:xfrm>
-            <a:off x="3239640" y="1600200"/>
-            <a:ext cx="2649600" cy="2158560"/>
+            <a:off x="3239640" y="1604520"/>
+            <a:ext cx="2649600" cy="1896840"/>
           </a:xfrm>
           <a:prstGeom prst="rect">
             <a:avLst/>
@@ -2117,17 +2157,14 @@
           </a:bodyPr>
           <a:p>
             <a:endParaRPr b="0" lang="en-US" sz="3200" spc="-1" strike="noStrike">
-              <a:solidFill>
-                <a:srgbClr val="000000"/>
-              </a:solidFill>
-              <a:latin typeface="Calibri"/>
-            </a:endParaRPr>
-          </a:p>
-        </p:txBody>
-      </p:sp>
-      <p:sp>
-        <p:nvSpPr>
-          <p:cNvPr id="37" name="PlaceHolder 4"/>
+              <a:latin typeface="Arial"/>
+            </a:endParaRPr>
+          </a:p>
+        </p:txBody>
+      </p:sp>
+      <p:sp>
+        <p:nvSpPr>
+          <p:cNvPr id="34" name="PlaceHolder 4"/>
           <p:cNvSpPr>
             <a:spLocks noGrp="1"/>
           </p:cNvSpPr>
@@ -2137,8 +2174,8 @@
         </p:nvSpPr>
         <p:spPr>
           <a:xfrm>
-            <a:off x="6022080" y="1600200"/>
-            <a:ext cx="2649600" cy="2158560"/>
+            <a:off x="6022080" y="1604520"/>
+            <a:ext cx="2649600" cy="1896840"/>
           </a:xfrm>
           <a:prstGeom prst="rect">
             <a:avLst/>
@@ -2150,17 +2187,14 @@
           </a:bodyPr>
           <a:p>
             <a:endParaRPr b="0" lang="en-US" sz="3200" spc="-1" strike="noStrike">
-              <a:solidFill>
-                <a:srgbClr val="000000"/>
-              </a:solidFill>
-              <a:latin typeface="Calibri"/>
-            </a:endParaRPr>
-          </a:p>
-        </p:txBody>
-      </p:sp>
-      <p:sp>
-        <p:nvSpPr>
-          <p:cNvPr id="38" name="PlaceHolder 5"/>
+              <a:latin typeface="Arial"/>
+            </a:endParaRPr>
+          </a:p>
+        </p:txBody>
+      </p:sp>
+      <p:sp>
+        <p:nvSpPr>
+          <p:cNvPr id="35" name="PlaceHolder 5"/>
           <p:cNvSpPr>
             <a:spLocks noGrp="1"/>
           </p:cNvSpPr>
@@ -2170,8 +2204,8 @@
         </p:nvSpPr>
         <p:spPr>
           <a:xfrm>
-            <a:off x="457200" y="3964320"/>
-            <a:ext cx="2649600" cy="2158560"/>
+            <a:off x="457200" y="3682080"/>
+            <a:ext cx="2649600" cy="1896840"/>
           </a:xfrm>
           <a:prstGeom prst="rect">
             <a:avLst/>
@@ -2183,17 +2217,14 @@
           </a:bodyPr>
           <a:p>
             <a:endParaRPr b="0" lang="en-US" sz="3200" spc="-1" strike="noStrike">
-              <a:solidFill>
-                <a:srgbClr val="000000"/>
-              </a:solidFill>
-              <a:latin typeface="Calibri"/>
-            </a:endParaRPr>
-          </a:p>
-        </p:txBody>
-      </p:sp>
-      <p:sp>
-        <p:nvSpPr>
-          <p:cNvPr id="39" name="PlaceHolder 6"/>
+              <a:latin typeface="Arial"/>
+            </a:endParaRPr>
+          </a:p>
+        </p:txBody>
+      </p:sp>
+      <p:sp>
+        <p:nvSpPr>
+          <p:cNvPr id="36" name="PlaceHolder 6"/>
           <p:cNvSpPr>
             <a:spLocks noGrp="1"/>
           </p:cNvSpPr>
@@ -2203,8 +2234,8 @@
         </p:nvSpPr>
         <p:spPr>
           <a:xfrm>
-            <a:off x="3239640" y="3964320"/>
-            <a:ext cx="2649600" cy="2158560"/>
+            <a:off x="3239640" y="3682080"/>
+            <a:ext cx="2649600" cy="1896840"/>
           </a:xfrm>
           <a:prstGeom prst="rect">
             <a:avLst/>
@@ -2216,17 +2247,14 @@
           </a:bodyPr>
           <a:p>
             <a:endParaRPr b="0" lang="en-US" sz="3200" spc="-1" strike="noStrike">
-              <a:solidFill>
-                <a:srgbClr val="000000"/>
-              </a:solidFill>
-              <a:latin typeface="Calibri"/>
-            </a:endParaRPr>
-          </a:p>
-        </p:txBody>
-      </p:sp>
-      <p:sp>
-        <p:nvSpPr>
-          <p:cNvPr id="40" name="PlaceHolder 7"/>
+              <a:latin typeface="Arial"/>
+            </a:endParaRPr>
+          </a:p>
+        </p:txBody>
+      </p:sp>
+      <p:sp>
+        <p:nvSpPr>
+          <p:cNvPr id="37" name="PlaceHolder 7"/>
           <p:cNvSpPr>
             <a:spLocks noGrp="1"/>
           </p:cNvSpPr>
@@ -2236,8 +2264,8 @@
         </p:nvSpPr>
         <p:spPr>
           <a:xfrm>
-            <a:off x="6022080" y="3964320"/>
-            <a:ext cx="2649600" cy="2158560"/>
+            <a:off x="6022080" y="3682080"/>
+            <a:ext cx="2649600" cy="1896840"/>
           </a:xfrm>
           <a:prstGeom prst="rect">
             <a:avLst/>
@@ -2249,10 +2277,7 @@
           </a:bodyPr>
           <a:p>
             <a:endParaRPr b="0" lang="en-US" sz="3200" spc="-1" strike="noStrike">
-              <a:solidFill>
-                <a:srgbClr val="000000"/>
-              </a:solidFill>
-              <a:latin typeface="Calibri"/>
+              <a:latin typeface="Arial"/>
             </a:endParaRPr>
           </a:p>
         </p:txBody>
@@ -2303,7 +2328,7 @@
       </p:grpSpPr>
       <p:sp>
         <p:nvSpPr>
-          <p:cNvPr id="46" name="PlaceHolder 1"/>
+          <p:cNvPr id="40" name="PlaceHolder 1"/>
           <p:cNvSpPr>
             <a:spLocks noGrp="1"/>
           </p:cNvSpPr>
@@ -2313,8 +2338,8 @@
         </p:nvSpPr>
         <p:spPr>
           <a:xfrm>
-            <a:off x="457200" y="274680"/>
-            <a:ext cx="8229240" cy="1142640"/>
+            <a:off x="457200" y="273600"/>
+            <a:ext cx="8229240" cy="1144800"/>
           </a:xfrm>
           <a:prstGeom prst="rect">
             <a:avLst/>
@@ -2325,18 +2350,16 @@
             <a:noAutofit/>
           </a:bodyPr>
           <a:p>
-            <a:endParaRPr b="0" lang="en-US" sz="1800" spc="-1" strike="noStrike">
-              <a:solidFill>
-                <a:srgbClr val="000000"/>
-              </a:solidFill>
-              <a:latin typeface="Calibri"/>
-            </a:endParaRPr>
-          </a:p>
-        </p:txBody>
-      </p:sp>
-      <p:sp>
-        <p:nvSpPr>
-          <p:cNvPr id="47" name="PlaceHolder 2"/>
+            <a:pPr algn="ctr"/>
+            <a:endParaRPr b="0" lang="en-US" sz="4400" spc="-1" strike="noStrike">
+              <a:latin typeface="Arial"/>
+            </a:endParaRPr>
+          </a:p>
+        </p:txBody>
+      </p:sp>
+      <p:sp>
+        <p:nvSpPr>
+          <p:cNvPr id="41" name="PlaceHolder 2"/>
           <p:cNvSpPr>
             <a:spLocks noGrp="1"/>
           </p:cNvSpPr>
@@ -2346,8 +2369,8 @@
         </p:nvSpPr>
         <p:spPr>
           <a:xfrm>
-            <a:off x="457200" y="1600200"/>
-            <a:ext cx="8229240" cy="4525560"/>
+            <a:off x="457200" y="1604520"/>
+            <a:ext cx="8229240" cy="3977280"/>
           </a:xfrm>
           <a:prstGeom prst="rect">
             <a:avLst/>
@@ -2389,7 +2412,7 @@
       </p:grpSpPr>
       <p:sp>
         <p:nvSpPr>
-          <p:cNvPr id="48" name="PlaceHolder 1"/>
+          <p:cNvPr id="42" name="PlaceHolder 1"/>
           <p:cNvSpPr>
             <a:spLocks noGrp="1"/>
           </p:cNvSpPr>
@@ -2399,8 +2422,8 @@
         </p:nvSpPr>
         <p:spPr>
           <a:xfrm>
-            <a:off x="457200" y="274680"/>
-            <a:ext cx="8229240" cy="1142640"/>
+            <a:off x="457200" y="273600"/>
+            <a:ext cx="8229240" cy="1144800"/>
           </a:xfrm>
           <a:prstGeom prst="rect">
             <a:avLst/>
@@ -2411,18 +2434,16 @@
             <a:noAutofit/>
           </a:bodyPr>
           <a:p>
-            <a:endParaRPr b="0" lang="en-US" sz="1800" spc="-1" strike="noStrike">
-              <a:solidFill>
-                <a:srgbClr val="000000"/>
-              </a:solidFill>
-              <a:latin typeface="Calibri"/>
-            </a:endParaRPr>
-          </a:p>
-        </p:txBody>
-      </p:sp>
-      <p:sp>
-        <p:nvSpPr>
-          <p:cNvPr id="49" name="PlaceHolder 2"/>
+            <a:pPr algn="ctr"/>
+            <a:endParaRPr b="0" lang="en-US" sz="4400" spc="-1" strike="noStrike">
+              <a:latin typeface="Arial"/>
+            </a:endParaRPr>
+          </a:p>
+        </p:txBody>
+      </p:sp>
+      <p:sp>
+        <p:nvSpPr>
+          <p:cNvPr id="43" name="PlaceHolder 2"/>
           <p:cNvSpPr>
             <a:spLocks noGrp="1"/>
           </p:cNvSpPr>
@@ -2432,8 +2453,8 @@
         </p:nvSpPr>
         <p:spPr>
           <a:xfrm>
-            <a:off x="457200" y="1600200"/>
-            <a:ext cx="8229240" cy="4525560"/>
+            <a:off x="457200" y="1604520"/>
+            <a:ext cx="8229240" cy="3977280"/>
           </a:xfrm>
           <a:prstGeom prst="rect">
             <a:avLst/>
@@ -2445,10 +2466,7 @@
           </a:bodyPr>
           <a:p>
             <a:endParaRPr b="0" lang="en-US" sz="3200" spc="-1" strike="noStrike">
-              <a:solidFill>
-                <a:srgbClr val="000000"/>
-              </a:solidFill>
-              <a:latin typeface="Calibri"/>
+              <a:latin typeface="Arial"/>
             </a:endParaRPr>
           </a:p>
         </p:txBody>
@@ -2477,7 +2495,7 @@
       </p:grpSpPr>
       <p:sp>
         <p:nvSpPr>
-          <p:cNvPr id="50" name="PlaceHolder 1"/>
+          <p:cNvPr id="44" name="PlaceHolder 1"/>
           <p:cNvSpPr>
             <a:spLocks noGrp="1"/>
           </p:cNvSpPr>
@@ -2487,8 +2505,8 @@
         </p:nvSpPr>
         <p:spPr>
           <a:xfrm>
-            <a:off x="457200" y="274680"/>
-            <a:ext cx="8229240" cy="1142640"/>
+            <a:off x="457200" y="273600"/>
+            <a:ext cx="8229240" cy="1144800"/>
           </a:xfrm>
           <a:prstGeom prst="rect">
             <a:avLst/>
@@ -2499,18 +2517,16 @@
             <a:noAutofit/>
           </a:bodyPr>
           <a:p>
-            <a:endParaRPr b="0" lang="en-US" sz="1800" spc="-1" strike="noStrike">
-              <a:solidFill>
-                <a:srgbClr val="000000"/>
-              </a:solidFill>
-              <a:latin typeface="Calibri"/>
-            </a:endParaRPr>
-          </a:p>
-        </p:txBody>
-      </p:sp>
-      <p:sp>
-        <p:nvSpPr>
-          <p:cNvPr id="51" name="PlaceHolder 2"/>
+            <a:pPr algn="ctr"/>
+            <a:endParaRPr b="0" lang="en-US" sz="4400" spc="-1" strike="noStrike">
+              <a:latin typeface="Arial"/>
+            </a:endParaRPr>
+          </a:p>
+        </p:txBody>
+      </p:sp>
+      <p:sp>
+        <p:nvSpPr>
+          <p:cNvPr id="45" name="PlaceHolder 2"/>
           <p:cNvSpPr>
             <a:spLocks noGrp="1"/>
           </p:cNvSpPr>
@@ -2520,8 +2536,8 @@
         </p:nvSpPr>
         <p:spPr>
           <a:xfrm>
-            <a:off x="457200" y="1600200"/>
-            <a:ext cx="4015800" cy="4525560"/>
+            <a:off x="457200" y="1604520"/>
+            <a:ext cx="4015800" cy="3977280"/>
           </a:xfrm>
           <a:prstGeom prst="rect">
             <a:avLst/>
@@ -2533,17 +2549,14 @@
           </a:bodyPr>
           <a:p>
             <a:endParaRPr b="0" lang="en-US" sz="3200" spc="-1" strike="noStrike">
-              <a:solidFill>
-                <a:srgbClr val="000000"/>
-              </a:solidFill>
-              <a:latin typeface="Calibri"/>
-            </a:endParaRPr>
-          </a:p>
-        </p:txBody>
-      </p:sp>
-      <p:sp>
-        <p:nvSpPr>
-          <p:cNvPr id="52" name="PlaceHolder 3"/>
+              <a:latin typeface="Arial"/>
+            </a:endParaRPr>
+          </a:p>
+        </p:txBody>
+      </p:sp>
+      <p:sp>
+        <p:nvSpPr>
+          <p:cNvPr id="46" name="PlaceHolder 3"/>
           <p:cNvSpPr>
             <a:spLocks noGrp="1"/>
           </p:cNvSpPr>
@@ -2553,8 +2566,8 @@
         </p:nvSpPr>
         <p:spPr>
           <a:xfrm>
-            <a:off x="4674240" y="1600200"/>
-            <a:ext cx="4015800" cy="4525560"/>
+            <a:off x="4674240" y="1604520"/>
+            <a:ext cx="4015800" cy="3977280"/>
           </a:xfrm>
           <a:prstGeom prst="rect">
             <a:avLst/>
@@ -2566,10 +2579,7 @@
           </a:bodyPr>
           <a:p>
             <a:endParaRPr b="0" lang="en-US" sz="3200" spc="-1" strike="noStrike">
-              <a:solidFill>
-                <a:srgbClr val="000000"/>
-              </a:solidFill>
-              <a:latin typeface="Calibri"/>
+              <a:latin typeface="Arial"/>
             </a:endParaRPr>
           </a:p>
         </p:txBody>
@@ -2598,7 +2608,7 @@
       </p:grpSpPr>
       <p:sp>
         <p:nvSpPr>
-          <p:cNvPr id="53" name="PlaceHolder 1"/>
+          <p:cNvPr id="47" name="PlaceHolder 1"/>
           <p:cNvSpPr>
             <a:spLocks noGrp="1"/>
           </p:cNvSpPr>
@@ -2608,8 +2618,8 @@
         </p:nvSpPr>
         <p:spPr>
           <a:xfrm>
-            <a:off x="457200" y="274680"/>
-            <a:ext cx="8229240" cy="1142640"/>
+            <a:off x="457200" y="273600"/>
+            <a:ext cx="8229240" cy="1144800"/>
           </a:xfrm>
           <a:prstGeom prst="rect">
             <a:avLst/>
@@ -2620,11 +2630,9 @@
             <a:noAutofit/>
           </a:bodyPr>
           <a:p>
-            <a:endParaRPr b="0" lang="en-US" sz="1800" spc="-1" strike="noStrike">
-              <a:solidFill>
-                <a:srgbClr val="000000"/>
-              </a:solidFill>
-              <a:latin typeface="Calibri"/>
+            <a:pPr algn="ctr"/>
+            <a:endParaRPr b="0" lang="en-US" sz="4400" spc="-1" strike="noStrike">
+              <a:latin typeface="Arial"/>
             </a:endParaRPr>
           </a:p>
         </p:txBody>
@@ -2653,7 +2661,7 @@
       </p:grpSpPr>
       <p:sp>
         <p:nvSpPr>
-          <p:cNvPr id="54" name="PlaceHolder 1"/>
+          <p:cNvPr id="48" name="PlaceHolder 1"/>
           <p:cNvSpPr>
             <a:spLocks noGrp="1"/>
           </p:cNvSpPr>
@@ -2663,8 +2671,8 @@
         </p:nvSpPr>
         <p:spPr>
           <a:xfrm>
-            <a:off x="457200" y="274680"/>
-            <a:ext cx="8229240" cy="5297760"/>
+            <a:off x="457200" y="273600"/>
+            <a:ext cx="8229240" cy="5307840"/>
           </a:xfrm>
           <a:prstGeom prst="rect">
             <a:avLst/>
@@ -2706,7 +2714,7 @@
       </p:grpSpPr>
       <p:sp>
         <p:nvSpPr>
-          <p:cNvPr id="55" name="PlaceHolder 1"/>
+          <p:cNvPr id="49" name="PlaceHolder 1"/>
           <p:cNvSpPr>
             <a:spLocks noGrp="1"/>
           </p:cNvSpPr>
@@ -2716,8 +2724,8 @@
         </p:nvSpPr>
         <p:spPr>
           <a:xfrm>
-            <a:off x="457200" y="274680"/>
-            <a:ext cx="8229240" cy="1142640"/>
+            <a:off x="457200" y="273600"/>
+            <a:ext cx="8229240" cy="1144800"/>
           </a:xfrm>
           <a:prstGeom prst="rect">
             <a:avLst/>
@@ -2728,18 +2736,16 @@
             <a:noAutofit/>
           </a:bodyPr>
           <a:p>
-            <a:endParaRPr b="0" lang="en-US" sz="1800" spc="-1" strike="noStrike">
-              <a:solidFill>
-                <a:srgbClr val="000000"/>
-              </a:solidFill>
-              <a:latin typeface="Calibri"/>
-            </a:endParaRPr>
-          </a:p>
-        </p:txBody>
-      </p:sp>
-      <p:sp>
-        <p:nvSpPr>
-          <p:cNvPr id="56" name="PlaceHolder 2"/>
+            <a:pPr algn="ctr"/>
+            <a:endParaRPr b="0" lang="en-US" sz="4400" spc="-1" strike="noStrike">
+              <a:latin typeface="Arial"/>
+            </a:endParaRPr>
+          </a:p>
+        </p:txBody>
+      </p:sp>
+      <p:sp>
+        <p:nvSpPr>
+          <p:cNvPr id="50" name="PlaceHolder 2"/>
           <p:cNvSpPr>
             <a:spLocks noGrp="1"/>
           </p:cNvSpPr>
@@ -2749,8 +2755,8 @@
         </p:nvSpPr>
         <p:spPr>
           <a:xfrm>
-            <a:off x="457200" y="1600200"/>
-            <a:ext cx="4015800" cy="2158560"/>
+            <a:off x="457200" y="1604520"/>
+            <a:ext cx="4015800" cy="1896840"/>
           </a:xfrm>
           <a:prstGeom prst="rect">
             <a:avLst/>
@@ -2762,17 +2768,14 @@
           </a:bodyPr>
           <a:p>
             <a:endParaRPr b="0" lang="en-US" sz="3200" spc="-1" strike="noStrike">
-              <a:solidFill>
-                <a:srgbClr val="000000"/>
-              </a:solidFill>
-              <a:latin typeface="Calibri"/>
-            </a:endParaRPr>
-          </a:p>
-        </p:txBody>
-      </p:sp>
-      <p:sp>
-        <p:nvSpPr>
-          <p:cNvPr id="57" name="PlaceHolder 3"/>
+              <a:latin typeface="Arial"/>
+            </a:endParaRPr>
+          </a:p>
+        </p:txBody>
+      </p:sp>
+      <p:sp>
+        <p:nvSpPr>
+          <p:cNvPr id="51" name="PlaceHolder 3"/>
           <p:cNvSpPr>
             <a:spLocks noGrp="1"/>
           </p:cNvSpPr>
@@ -2782,8 +2785,8 @@
         </p:nvSpPr>
         <p:spPr>
           <a:xfrm>
-            <a:off x="4674240" y="1600200"/>
-            <a:ext cx="4015800" cy="4525560"/>
+            <a:off x="4674240" y="1604520"/>
+            <a:ext cx="4015800" cy="3977280"/>
           </a:xfrm>
           <a:prstGeom prst="rect">
             <a:avLst/>
@@ -2795,17 +2798,14 @@
           </a:bodyPr>
           <a:p>
             <a:endParaRPr b="0" lang="en-US" sz="3200" spc="-1" strike="noStrike">
-              <a:solidFill>
-                <a:srgbClr val="000000"/>
-              </a:solidFill>
-              <a:latin typeface="Calibri"/>
-            </a:endParaRPr>
-          </a:p>
-        </p:txBody>
-      </p:sp>
-      <p:sp>
-        <p:nvSpPr>
-          <p:cNvPr id="58" name="PlaceHolder 4"/>
+              <a:latin typeface="Arial"/>
+            </a:endParaRPr>
+          </a:p>
+        </p:txBody>
+      </p:sp>
+      <p:sp>
+        <p:nvSpPr>
+          <p:cNvPr id="52" name="PlaceHolder 4"/>
           <p:cNvSpPr>
             <a:spLocks noGrp="1"/>
           </p:cNvSpPr>
@@ -2815,8 +2815,8 @@
         </p:nvSpPr>
         <p:spPr>
           <a:xfrm>
-            <a:off x="457200" y="3964320"/>
-            <a:ext cx="4015800" cy="2158560"/>
+            <a:off x="457200" y="3682080"/>
+            <a:ext cx="4015800" cy="1896840"/>
           </a:xfrm>
           <a:prstGeom prst="rect">
             <a:avLst/>
@@ -2828,10 +2828,7 @@
           </a:bodyPr>
           <a:p>
             <a:endParaRPr b="0" lang="en-US" sz="3200" spc="-1" strike="noStrike">
-              <a:solidFill>
-                <a:srgbClr val="000000"/>
-              </a:solidFill>
-              <a:latin typeface="Calibri"/>
+              <a:latin typeface="Arial"/>
             </a:endParaRPr>
           </a:p>
         </p:txBody>
@@ -2860,7 +2857,7 @@
       </p:grpSpPr>
       <p:sp>
         <p:nvSpPr>
-          <p:cNvPr id="5" name="PlaceHolder 1"/>
+          <p:cNvPr id="2" name="PlaceHolder 1"/>
           <p:cNvSpPr>
             <a:spLocks noGrp="1"/>
           </p:cNvSpPr>
@@ -2870,8 +2867,8 @@
         </p:nvSpPr>
         <p:spPr>
           <a:xfrm>
-            <a:off x="457200" y="274680"/>
-            <a:ext cx="8229240" cy="1142640"/>
+            <a:off x="457200" y="273600"/>
+            <a:ext cx="8229240" cy="1144800"/>
           </a:xfrm>
           <a:prstGeom prst="rect">
             <a:avLst/>
@@ -2882,18 +2879,16 @@
             <a:noAutofit/>
           </a:bodyPr>
           <a:p>
-            <a:endParaRPr b="0" lang="en-US" sz="1800" spc="-1" strike="noStrike">
-              <a:solidFill>
-                <a:srgbClr val="000000"/>
-              </a:solidFill>
-              <a:latin typeface="Calibri"/>
-            </a:endParaRPr>
-          </a:p>
-        </p:txBody>
-      </p:sp>
-      <p:sp>
-        <p:nvSpPr>
-          <p:cNvPr id="6" name="PlaceHolder 2"/>
+            <a:pPr algn="ctr"/>
+            <a:endParaRPr b="0" lang="en-US" sz="4400" spc="-1" strike="noStrike">
+              <a:latin typeface="Arial"/>
+            </a:endParaRPr>
+          </a:p>
+        </p:txBody>
+      </p:sp>
+      <p:sp>
+        <p:nvSpPr>
+          <p:cNvPr id="3" name="PlaceHolder 2"/>
           <p:cNvSpPr>
             <a:spLocks noGrp="1"/>
           </p:cNvSpPr>
@@ -2903,8 +2898,8 @@
         </p:nvSpPr>
         <p:spPr>
           <a:xfrm>
-            <a:off x="457200" y="1600200"/>
-            <a:ext cx="8229240" cy="4525560"/>
+            <a:off x="457200" y="1604520"/>
+            <a:ext cx="8229240" cy="3977280"/>
           </a:xfrm>
           <a:prstGeom prst="rect">
             <a:avLst/>
@@ -2946,7 +2941,7 @@
       </p:grpSpPr>
       <p:sp>
         <p:nvSpPr>
-          <p:cNvPr id="59" name="PlaceHolder 1"/>
+          <p:cNvPr id="53" name="PlaceHolder 1"/>
           <p:cNvSpPr>
             <a:spLocks noGrp="1"/>
           </p:cNvSpPr>
@@ -2956,8 +2951,8 @@
         </p:nvSpPr>
         <p:spPr>
           <a:xfrm>
-            <a:off x="457200" y="274680"/>
-            <a:ext cx="8229240" cy="1142640"/>
+            <a:off x="457200" y="273600"/>
+            <a:ext cx="8229240" cy="1144800"/>
           </a:xfrm>
           <a:prstGeom prst="rect">
             <a:avLst/>
@@ -2968,18 +2963,16 @@
             <a:noAutofit/>
           </a:bodyPr>
           <a:p>
-            <a:endParaRPr b="0" lang="en-US" sz="1800" spc="-1" strike="noStrike">
-              <a:solidFill>
-                <a:srgbClr val="000000"/>
-              </a:solidFill>
-              <a:latin typeface="Calibri"/>
-            </a:endParaRPr>
-          </a:p>
-        </p:txBody>
-      </p:sp>
-      <p:sp>
-        <p:nvSpPr>
-          <p:cNvPr id="60" name="PlaceHolder 2"/>
+            <a:pPr algn="ctr"/>
+            <a:endParaRPr b="0" lang="en-US" sz="4400" spc="-1" strike="noStrike">
+              <a:latin typeface="Arial"/>
+            </a:endParaRPr>
+          </a:p>
+        </p:txBody>
+      </p:sp>
+      <p:sp>
+        <p:nvSpPr>
+          <p:cNvPr id="54" name="PlaceHolder 2"/>
           <p:cNvSpPr>
             <a:spLocks noGrp="1"/>
           </p:cNvSpPr>
@@ -2989,8 +2982,8 @@
         </p:nvSpPr>
         <p:spPr>
           <a:xfrm>
-            <a:off x="457200" y="1600200"/>
-            <a:ext cx="4015800" cy="4525560"/>
+            <a:off x="457200" y="1604520"/>
+            <a:ext cx="4015800" cy="3977280"/>
           </a:xfrm>
           <a:prstGeom prst="rect">
             <a:avLst/>
@@ -3002,17 +2995,14 @@
           </a:bodyPr>
           <a:p>
             <a:endParaRPr b="0" lang="en-US" sz="3200" spc="-1" strike="noStrike">
-              <a:solidFill>
-                <a:srgbClr val="000000"/>
-              </a:solidFill>
-              <a:latin typeface="Calibri"/>
-            </a:endParaRPr>
-          </a:p>
-        </p:txBody>
-      </p:sp>
-      <p:sp>
-        <p:nvSpPr>
-          <p:cNvPr id="61" name="PlaceHolder 3"/>
+              <a:latin typeface="Arial"/>
+            </a:endParaRPr>
+          </a:p>
+        </p:txBody>
+      </p:sp>
+      <p:sp>
+        <p:nvSpPr>
+          <p:cNvPr id="55" name="PlaceHolder 3"/>
           <p:cNvSpPr>
             <a:spLocks noGrp="1"/>
           </p:cNvSpPr>
@@ -3022,8 +3012,8 @@
         </p:nvSpPr>
         <p:spPr>
           <a:xfrm>
-            <a:off x="4674240" y="1600200"/>
-            <a:ext cx="4015800" cy="2158560"/>
+            <a:off x="4674240" y="1604520"/>
+            <a:ext cx="4015800" cy="1896840"/>
           </a:xfrm>
           <a:prstGeom prst="rect">
             <a:avLst/>
@@ -3035,17 +3025,14 @@
           </a:bodyPr>
           <a:p>
             <a:endParaRPr b="0" lang="en-US" sz="3200" spc="-1" strike="noStrike">
-              <a:solidFill>
-                <a:srgbClr val="000000"/>
-              </a:solidFill>
-              <a:latin typeface="Calibri"/>
-            </a:endParaRPr>
-          </a:p>
-        </p:txBody>
-      </p:sp>
-      <p:sp>
-        <p:nvSpPr>
-          <p:cNvPr id="62" name="PlaceHolder 4"/>
+              <a:latin typeface="Arial"/>
+            </a:endParaRPr>
+          </a:p>
+        </p:txBody>
+      </p:sp>
+      <p:sp>
+        <p:nvSpPr>
+          <p:cNvPr id="56" name="PlaceHolder 4"/>
           <p:cNvSpPr>
             <a:spLocks noGrp="1"/>
           </p:cNvSpPr>
@@ -3055,8 +3042,8 @@
         </p:nvSpPr>
         <p:spPr>
           <a:xfrm>
-            <a:off x="4674240" y="3964320"/>
-            <a:ext cx="4015800" cy="2158560"/>
+            <a:off x="4674240" y="3682080"/>
+            <a:ext cx="4015800" cy="1896840"/>
           </a:xfrm>
           <a:prstGeom prst="rect">
             <a:avLst/>
@@ -3068,10 +3055,7 @@
           </a:bodyPr>
           <a:p>
             <a:endParaRPr b="0" lang="en-US" sz="3200" spc="-1" strike="noStrike">
-              <a:solidFill>
-                <a:srgbClr val="000000"/>
-              </a:solidFill>
-              <a:latin typeface="Calibri"/>
+              <a:latin typeface="Arial"/>
             </a:endParaRPr>
           </a:p>
         </p:txBody>
@@ -3100,7 +3084,7 @@
       </p:grpSpPr>
       <p:sp>
         <p:nvSpPr>
-          <p:cNvPr id="63" name="PlaceHolder 1"/>
+          <p:cNvPr id="57" name="PlaceHolder 1"/>
           <p:cNvSpPr>
             <a:spLocks noGrp="1"/>
           </p:cNvSpPr>
@@ -3110,8 +3094,8 @@
         </p:nvSpPr>
         <p:spPr>
           <a:xfrm>
-            <a:off x="457200" y="274680"/>
-            <a:ext cx="8229240" cy="1142640"/>
+            <a:off x="457200" y="273600"/>
+            <a:ext cx="8229240" cy="1144800"/>
           </a:xfrm>
           <a:prstGeom prst="rect">
             <a:avLst/>
@@ -3122,18 +3106,16 @@
             <a:noAutofit/>
           </a:bodyPr>
           <a:p>
-            <a:endParaRPr b="0" lang="en-US" sz="1800" spc="-1" strike="noStrike">
-              <a:solidFill>
-                <a:srgbClr val="000000"/>
-              </a:solidFill>
-              <a:latin typeface="Calibri"/>
-            </a:endParaRPr>
-          </a:p>
-        </p:txBody>
-      </p:sp>
-      <p:sp>
-        <p:nvSpPr>
-          <p:cNvPr id="64" name="PlaceHolder 2"/>
+            <a:pPr algn="ctr"/>
+            <a:endParaRPr b="0" lang="en-US" sz="4400" spc="-1" strike="noStrike">
+              <a:latin typeface="Arial"/>
+            </a:endParaRPr>
+          </a:p>
+        </p:txBody>
+      </p:sp>
+      <p:sp>
+        <p:nvSpPr>
+          <p:cNvPr id="58" name="PlaceHolder 2"/>
           <p:cNvSpPr>
             <a:spLocks noGrp="1"/>
           </p:cNvSpPr>
@@ -3143,8 +3125,8 @@
         </p:nvSpPr>
         <p:spPr>
           <a:xfrm>
-            <a:off x="457200" y="1600200"/>
-            <a:ext cx="4015800" cy="2158560"/>
+            <a:off x="457200" y="1604520"/>
+            <a:ext cx="4015800" cy="1896840"/>
           </a:xfrm>
           <a:prstGeom prst="rect">
             <a:avLst/>
@@ -3156,17 +3138,14 @@
           </a:bodyPr>
           <a:p>
             <a:endParaRPr b="0" lang="en-US" sz="3200" spc="-1" strike="noStrike">
-              <a:solidFill>
-                <a:srgbClr val="000000"/>
-              </a:solidFill>
-              <a:latin typeface="Calibri"/>
-            </a:endParaRPr>
-          </a:p>
-        </p:txBody>
-      </p:sp>
-      <p:sp>
-        <p:nvSpPr>
-          <p:cNvPr id="65" name="PlaceHolder 3"/>
+              <a:latin typeface="Arial"/>
+            </a:endParaRPr>
+          </a:p>
+        </p:txBody>
+      </p:sp>
+      <p:sp>
+        <p:nvSpPr>
+          <p:cNvPr id="59" name="PlaceHolder 3"/>
           <p:cNvSpPr>
             <a:spLocks noGrp="1"/>
           </p:cNvSpPr>
@@ -3176,8 +3155,8 @@
         </p:nvSpPr>
         <p:spPr>
           <a:xfrm>
-            <a:off x="4674240" y="1600200"/>
-            <a:ext cx="4015800" cy="2158560"/>
+            <a:off x="4674240" y="1604520"/>
+            <a:ext cx="4015800" cy="1896840"/>
           </a:xfrm>
           <a:prstGeom prst="rect">
             <a:avLst/>
@@ -3189,17 +3168,14 @@
           </a:bodyPr>
           <a:p>
             <a:endParaRPr b="0" lang="en-US" sz="3200" spc="-1" strike="noStrike">
-              <a:solidFill>
-                <a:srgbClr val="000000"/>
-              </a:solidFill>
-              <a:latin typeface="Calibri"/>
-            </a:endParaRPr>
-          </a:p>
-        </p:txBody>
-      </p:sp>
-      <p:sp>
-        <p:nvSpPr>
-          <p:cNvPr id="66" name="PlaceHolder 4"/>
+              <a:latin typeface="Arial"/>
+            </a:endParaRPr>
+          </a:p>
+        </p:txBody>
+      </p:sp>
+      <p:sp>
+        <p:nvSpPr>
+          <p:cNvPr id="60" name="PlaceHolder 4"/>
           <p:cNvSpPr>
             <a:spLocks noGrp="1"/>
           </p:cNvSpPr>
@@ -3209,8 +3185,8 @@
         </p:nvSpPr>
         <p:spPr>
           <a:xfrm>
-            <a:off x="457200" y="3964320"/>
-            <a:ext cx="8229240" cy="2158560"/>
+            <a:off x="457200" y="3682080"/>
+            <a:ext cx="8229240" cy="1896840"/>
           </a:xfrm>
           <a:prstGeom prst="rect">
             <a:avLst/>
@@ -3222,10 +3198,7 @@
           </a:bodyPr>
           <a:p>
             <a:endParaRPr b="0" lang="en-US" sz="3200" spc="-1" strike="noStrike">
-              <a:solidFill>
-                <a:srgbClr val="000000"/>
-              </a:solidFill>
-              <a:latin typeface="Calibri"/>
+              <a:latin typeface="Arial"/>
             </a:endParaRPr>
           </a:p>
         </p:txBody>
@@ -3254,7 +3227,7 @@
       </p:grpSpPr>
       <p:sp>
         <p:nvSpPr>
-          <p:cNvPr id="67" name="PlaceHolder 1"/>
+          <p:cNvPr id="61" name="PlaceHolder 1"/>
           <p:cNvSpPr>
             <a:spLocks noGrp="1"/>
           </p:cNvSpPr>
@@ -3264,8 +3237,8 @@
         </p:nvSpPr>
         <p:spPr>
           <a:xfrm>
-            <a:off x="457200" y="274680"/>
-            <a:ext cx="8229240" cy="1142640"/>
+            <a:off x="457200" y="273600"/>
+            <a:ext cx="8229240" cy="1144800"/>
           </a:xfrm>
           <a:prstGeom prst="rect">
             <a:avLst/>
@@ -3276,18 +3249,16 @@
             <a:noAutofit/>
           </a:bodyPr>
           <a:p>
-            <a:endParaRPr b="0" lang="en-US" sz="1800" spc="-1" strike="noStrike">
-              <a:solidFill>
-                <a:srgbClr val="000000"/>
-              </a:solidFill>
-              <a:latin typeface="Calibri"/>
-            </a:endParaRPr>
-          </a:p>
-        </p:txBody>
-      </p:sp>
-      <p:sp>
-        <p:nvSpPr>
-          <p:cNvPr id="68" name="PlaceHolder 2"/>
+            <a:pPr algn="ctr"/>
+            <a:endParaRPr b="0" lang="en-US" sz="4400" spc="-1" strike="noStrike">
+              <a:latin typeface="Arial"/>
+            </a:endParaRPr>
+          </a:p>
+        </p:txBody>
+      </p:sp>
+      <p:sp>
+        <p:nvSpPr>
+          <p:cNvPr id="62" name="PlaceHolder 2"/>
           <p:cNvSpPr>
             <a:spLocks noGrp="1"/>
           </p:cNvSpPr>
@@ -3297,8 +3268,8 @@
         </p:nvSpPr>
         <p:spPr>
           <a:xfrm>
-            <a:off x="457200" y="1600200"/>
-            <a:ext cx="8229240" cy="2158560"/>
+            <a:off x="457200" y="1604520"/>
+            <a:ext cx="8229240" cy="1896840"/>
           </a:xfrm>
           <a:prstGeom prst="rect">
             <a:avLst/>
@@ -3310,17 +3281,14 @@
           </a:bodyPr>
           <a:p>
             <a:endParaRPr b="0" lang="en-US" sz="3200" spc="-1" strike="noStrike">
-              <a:solidFill>
-                <a:srgbClr val="000000"/>
-              </a:solidFill>
-              <a:latin typeface="Calibri"/>
-            </a:endParaRPr>
-          </a:p>
-        </p:txBody>
-      </p:sp>
-      <p:sp>
-        <p:nvSpPr>
-          <p:cNvPr id="69" name="PlaceHolder 3"/>
+              <a:latin typeface="Arial"/>
+            </a:endParaRPr>
+          </a:p>
+        </p:txBody>
+      </p:sp>
+      <p:sp>
+        <p:nvSpPr>
+          <p:cNvPr id="63" name="PlaceHolder 3"/>
           <p:cNvSpPr>
             <a:spLocks noGrp="1"/>
           </p:cNvSpPr>
@@ -3330,8 +3298,8 @@
         </p:nvSpPr>
         <p:spPr>
           <a:xfrm>
-            <a:off x="457200" y="3964320"/>
-            <a:ext cx="8229240" cy="2158560"/>
+            <a:off x="457200" y="3682080"/>
+            <a:ext cx="8229240" cy="1896840"/>
           </a:xfrm>
           <a:prstGeom prst="rect">
             <a:avLst/>
@@ -3343,10 +3311,7 @@
           </a:bodyPr>
           <a:p>
             <a:endParaRPr b="0" lang="en-US" sz="3200" spc="-1" strike="noStrike">
-              <a:solidFill>
-                <a:srgbClr val="000000"/>
-              </a:solidFill>
-              <a:latin typeface="Calibri"/>
+              <a:latin typeface="Arial"/>
             </a:endParaRPr>
           </a:p>
         </p:txBody>
@@ -3375,7 +3340,7 @@
       </p:grpSpPr>
       <p:sp>
         <p:nvSpPr>
-          <p:cNvPr id="70" name="PlaceHolder 1"/>
+          <p:cNvPr id="64" name="PlaceHolder 1"/>
           <p:cNvSpPr>
             <a:spLocks noGrp="1"/>
           </p:cNvSpPr>
@@ -3385,8 +3350,8 @@
         </p:nvSpPr>
         <p:spPr>
           <a:xfrm>
-            <a:off x="457200" y="274680"/>
-            <a:ext cx="8229240" cy="1142640"/>
+            <a:off x="457200" y="273600"/>
+            <a:ext cx="8229240" cy="1144800"/>
           </a:xfrm>
           <a:prstGeom prst="rect">
             <a:avLst/>
@@ -3397,18 +3362,16 @@
             <a:noAutofit/>
           </a:bodyPr>
           <a:p>
-            <a:endParaRPr b="0" lang="en-US" sz="1800" spc="-1" strike="noStrike">
-              <a:solidFill>
-                <a:srgbClr val="000000"/>
-              </a:solidFill>
-              <a:latin typeface="Calibri"/>
-            </a:endParaRPr>
-          </a:p>
-        </p:txBody>
-      </p:sp>
-      <p:sp>
-        <p:nvSpPr>
-          <p:cNvPr id="71" name="PlaceHolder 2"/>
+            <a:pPr algn="ctr"/>
+            <a:endParaRPr b="0" lang="en-US" sz="4400" spc="-1" strike="noStrike">
+              <a:latin typeface="Arial"/>
+            </a:endParaRPr>
+          </a:p>
+        </p:txBody>
+      </p:sp>
+      <p:sp>
+        <p:nvSpPr>
+          <p:cNvPr id="65" name="PlaceHolder 2"/>
           <p:cNvSpPr>
             <a:spLocks noGrp="1"/>
           </p:cNvSpPr>
@@ -3418,8 +3381,8 @@
         </p:nvSpPr>
         <p:spPr>
           <a:xfrm>
-            <a:off x="457200" y="1600200"/>
-            <a:ext cx="4015800" cy="2158560"/>
+            <a:off x="457200" y="1604520"/>
+            <a:ext cx="4015800" cy="1896840"/>
           </a:xfrm>
           <a:prstGeom prst="rect">
             <a:avLst/>
@@ -3431,17 +3394,14 @@
           </a:bodyPr>
           <a:p>
             <a:endParaRPr b="0" lang="en-US" sz="3200" spc="-1" strike="noStrike">
-              <a:solidFill>
-                <a:srgbClr val="000000"/>
-              </a:solidFill>
-              <a:latin typeface="Calibri"/>
-            </a:endParaRPr>
-          </a:p>
-        </p:txBody>
-      </p:sp>
-      <p:sp>
-        <p:nvSpPr>
-          <p:cNvPr id="72" name="PlaceHolder 3"/>
+              <a:latin typeface="Arial"/>
+            </a:endParaRPr>
+          </a:p>
+        </p:txBody>
+      </p:sp>
+      <p:sp>
+        <p:nvSpPr>
+          <p:cNvPr id="66" name="PlaceHolder 3"/>
           <p:cNvSpPr>
             <a:spLocks noGrp="1"/>
           </p:cNvSpPr>
@@ -3451,8 +3411,8 @@
         </p:nvSpPr>
         <p:spPr>
           <a:xfrm>
-            <a:off x="4674240" y="1600200"/>
-            <a:ext cx="4015800" cy="2158560"/>
+            <a:off x="4674240" y="1604520"/>
+            <a:ext cx="4015800" cy="1896840"/>
           </a:xfrm>
           <a:prstGeom prst="rect">
             <a:avLst/>
@@ -3464,17 +3424,14 @@
           </a:bodyPr>
           <a:p>
             <a:endParaRPr b="0" lang="en-US" sz="3200" spc="-1" strike="noStrike">
-              <a:solidFill>
-                <a:srgbClr val="000000"/>
-              </a:solidFill>
-              <a:latin typeface="Calibri"/>
-            </a:endParaRPr>
-          </a:p>
-        </p:txBody>
-      </p:sp>
-      <p:sp>
-        <p:nvSpPr>
-          <p:cNvPr id="73" name="PlaceHolder 4"/>
+              <a:latin typeface="Arial"/>
+            </a:endParaRPr>
+          </a:p>
+        </p:txBody>
+      </p:sp>
+      <p:sp>
+        <p:nvSpPr>
+          <p:cNvPr id="67" name="PlaceHolder 4"/>
           <p:cNvSpPr>
             <a:spLocks noGrp="1"/>
           </p:cNvSpPr>
@@ -3484,8 +3441,8 @@
         </p:nvSpPr>
         <p:spPr>
           <a:xfrm>
-            <a:off x="457200" y="3964320"/>
-            <a:ext cx="4015800" cy="2158560"/>
+            <a:off x="457200" y="3682080"/>
+            <a:ext cx="4015800" cy="1896840"/>
           </a:xfrm>
           <a:prstGeom prst="rect">
             <a:avLst/>
@@ -3497,17 +3454,14 @@
           </a:bodyPr>
           <a:p>
             <a:endParaRPr b="0" lang="en-US" sz="3200" spc="-1" strike="noStrike">
-              <a:solidFill>
-                <a:srgbClr val="000000"/>
-              </a:solidFill>
-              <a:latin typeface="Calibri"/>
-            </a:endParaRPr>
-          </a:p>
-        </p:txBody>
-      </p:sp>
-      <p:sp>
-        <p:nvSpPr>
-          <p:cNvPr id="74" name="PlaceHolder 5"/>
+              <a:latin typeface="Arial"/>
+            </a:endParaRPr>
+          </a:p>
+        </p:txBody>
+      </p:sp>
+      <p:sp>
+        <p:nvSpPr>
+          <p:cNvPr id="68" name="PlaceHolder 5"/>
           <p:cNvSpPr>
             <a:spLocks noGrp="1"/>
           </p:cNvSpPr>
@@ -3517,8 +3471,8 @@
         </p:nvSpPr>
         <p:spPr>
           <a:xfrm>
-            <a:off x="4674240" y="3964320"/>
-            <a:ext cx="4015800" cy="2158560"/>
+            <a:off x="4674240" y="3682080"/>
+            <a:ext cx="4015800" cy="1896840"/>
           </a:xfrm>
           <a:prstGeom prst="rect">
             <a:avLst/>
@@ -3530,10 +3484,7 @@
           </a:bodyPr>
           <a:p>
             <a:endParaRPr b="0" lang="en-US" sz="3200" spc="-1" strike="noStrike">
-              <a:solidFill>
-                <a:srgbClr val="000000"/>
-              </a:solidFill>
-              <a:latin typeface="Calibri"/>
+              <a:latin typeface="Arial"/>
             </a:endParaRPr>
           </a:p>
         </p:txBody>
@@ -3562,7 +3513,7 @@
       </p:grpSpPr>
       <p:sp>
         <p:nvSpPr>
-          <p:cNvPr id="75" name="PlaceHolder 1"/>
+          <p:cNvPr id="69" name="PlaceHolder 1"/>
           <p:cNvSpPr>
             <a:spLocks noGrp="1"/>
           </p:cNvSpPr>
@@ -3572,8 +3523,8 @@
         </p:nvSpPr>
         <p:spPr>
           <a:xfrm>
-            <a:off x="457200" y="274680"/>
-            <a:ext cx="8229240" cy="1142640"/>
+            <a:off x="457200" y="273600"/>
+            <a:ext cx="8229240" cy="1144800"/>
           </a:xfrm>
           <a:prstGeom prst="rect">
             <a:avLst/>
@@ -3584,18 +3535,16 @@
             <a:noAutofit/>
           </a:bodyPr>
           <a:p>
-            <a:endParaRPr b="0" lang="en-US" sz="1800" spc="-1" strike="noStrike">
-              <a:solidFill>
-                <a:srgbClr val="000000"/>
-              </a:solidFill>
-              <a:latin typeface="Calibri"/>
-            </a:endParaRPr>
-          </a:p>
-        </p:txBody>
-      </p:sp>
-      <p:sp>
-        <p:nvSpPr>
-          <p:cNvPr id="76" name="PlaceHolder 2"/>
+            <a:pPr algn="ctr"/>
+            <a:endParaRPr b="0" lang="en-US" sz="4400" spc="-1" strike="noStrike">
+              <a:latin typeface="Arial"/>
+            </a:endParaRPr>
+          </a:p>
+        </p:txBody>
+      </p:sp>
+      <p:sp>
+        <p:nvSpPr>
+          <p:cNvPr id="70" name="PlaceHolder 2"/>
           <p:cNvSpPr>
             <a:spLocks noGrp="1"/>
           </p:cNvSpPr>
@@ -3605,8 +3554,8 @@
         </p:nvSpPr>
         <p:spPr>
           <a:xfrm>
-            <a:off x="457200" y="1600200"/>
-            <a:ext cx="2649600" cy="2158560"/>
+            <a:off x="457200" y="1604520"/>
+            <a:ext cx="2649600" cy="1896840"/>
           </a:xfrm>
           <a:prstGeom prst="rect">
             <a:avLst/>
@@ -3618,17 +3567,14 @@
           </a:bodyPr>
           <a:p>
             <a:endParaRPr b="0" lang="en-US" sz="3200" spc="-1" strike="noStrike">
-              <a:solidFill>
-                <a:srgbClr val="000000"/>
-              </a:solidFill>
-              <a:latin typeface="Calibri"/>
-            </a:endParaRPr>
-          </a:p>
-        </p:txBody>
-      </p:sp>
-      <p:sp>
-        <p:nvSpPr>
-          <p:cNvPr id="77" name="PlaceHolder 3"/>
+              <a:latin typeface="Arial"/>
+            </a:endParaRPr>
+          </a:p>
+        </p:txBody>
+      </p:sp>
+      <p:sp>
+        <p:nvSpPr>
+          <p:cNvPr id="71" name="PlaceHolder 3"/>
           <p:cNvSpPr>
             <a:spLocks noGrp="1"/>
           </p:cNvSpPr>
@@ -3638,8 +3584,8 @@
         </p:nvSpPr>
         <p:spPr>
           <a:xfrm>
-            <a:off x="3239640" y="1600200"/>
-            <a:ext cx="2649600" cy="2158560"/>
+            <a:off x="3239640" y="1604520"/>
+            <a:ext cx="2649600" cy="1896840"/>
           </a:xfrm>
           <a:prstGeom prst="rect">
             <a:avLst/>
@@ -3651,17 +3597,14 @@
           </a:bodyPr>
           <a:p>
             <a:endParaRPr b="0" lang="en-US" sz="3200" spc="-1" strike="noStrike">
-              <a:solidFill>
-                <a:srgbClr val="000000"/>
-              </a:solidFill>
-              <a:latin typeface="Calibri"/>
-            </a:endParaRPr>
-          </a:p>
-        </p:txBody>
-      </p:sp>
-      <p:sp>
-        <p:nvSpPr>
-          <p:cNvPr id="78" name="PlaceHolder 4"/>
+              <a:latin typeface="Arial"/>
+            </a:endParaRPr>
+          </a:p>
+        </p:txBody>
+      </p:sp>
+      <p:sp>
+        <p:nvSpPr>
+          <p:cNvPr id="72" name="PlaceHolder 4"/>
           <p:cNvSpPr>
             <a:spLocks noGrp="1"/>
           </p:cNvSpPr>
@@ -3671,8 +3614,8 @@
         </p:nvSpPr>
         <p:spPr>
           <a:xfrm>
-            <a:off x="6022080" y="1600200"/>
-            <a:ext cx="2649600" cy="2158560"/>
+            <a:off x="6022080" y="1604520"/>
+            <a:ext cx="2649600" cy="1896840"/>
           </a:xfrm>
           <a:prstGeom prst="rect">
             <a:avLst/>
@@ -3684,17 +3627,14 @@
           </a:bodyPr>
           <a:p>
             <a:endParaRPr b="0" lang="en-US" sz="3200" spc="-1" strike="noStrike">
-              <a:solidFill>
-                <a:srgbClr val="000000"/>
-              </a:solidFill>
-              <a:latin typeface="Calibri"/>
-            </a:endParaRPr>
-          </a:p>
-        </p:txBody>
-      </p:sp>
-      <p:sp>
-        <p:nvSpPr>
-          <p:cNvPr id="79" name="PlaceHolder 5"/>
+              <a:latin typeface="Arial"/>
+            </a:endParaRPr>
+          </a:p>
+        </p:txBody>
+      </p:sp>
+      <p:sp>
+        <p:nvSpPr>
+          <p:cNvPr id="73" name="PlaceHolder 5"/>
           <p:cNvSpPr>
             <a:spLocks noGrp="1"/>
           </p:cNvSpPr>
@@ -3704,8 +3644,8 @@
         </p:nvSpPr>
         <p:spPr>
           <a:xfrm>
-            <a:off x="457200" y="3964320"/>
-            <a:ext cx="2649600" cy="2158560"/>
+            <a:off x="457200" y="3682080"/>
+            <a:ext cx="2649600" cy="1896840"/>
           </a:xfrm>
           <a:prstGeom prst="rect">
             <a:avLst/>
@@ -3717,17 +3657,14 @@
           </a:bodyPr>
           <a:p>
             <a:endParaRPr b="0" lang="en-US" sz="3200" spc="-1" strike="noStrike">
-              <a:solidFill>
-                <a:srgbClr val="000000"/>
-              </a:solidFill>
-              <a:latin typeface="Calibri"/>
-            </a:endParaRPr>
-          </a:p>
-        </p:txBody>
-      </p:sp>
-      <p:sp>
-        <p:nvSpPr>
-          <p:cNvPr id="80" name="PlaceHolder 6"/>
+              <a:latin typeface="Arial"/>
+            </a:endParaRPr>
+          </a:p>
+        </p:txBody>
+      </p:sp>
+      <p:sp>
+        <p:nvSpPr>
+          <p:cNvPr id="74" name="PlaceHolder 6"/>
           <p:cNvSpPr>
             <a:spLocks noGrp="1"/>
           </p:cNvSpPr>
@@ -3737,8 +3674,8 @@
         </p:nvSpPr>
         <p:spPr>
           <a:xfrm>
-            <a:off x="3239640" y="3964320"/>
-            <a:ext cx="2649600" cy="2158560"/>
+            <a:off x="3239640" y="3682080"/>
+            <a:ext cx="2649600" cy="1896840"/>
           </a:xfrm>
           <a:prstGeom prst="rect">
             <a:avLst/>
@@ -3750,17 +3687,14 @@
           </a:bodyPr>
           <a:p>
             <a:endParaRPr b="0" lang="en-US" sz="3200" spc="-1" strike="noStrike">
-              <a:solidFill>
-                <a:srgbClr val="000000"/>
-              </a:solidFill>
-              <a:latin typeface="Calibri"/>
-            </a:endParaRPr>
-          </a:p>
-        </p:txBody>
-      </p:sp>
-      <p:sp>
-        <p:nvSpPr>
-          <p:cNvPr id="81" name="PlaceHolder 7"/>
+              <a:latin typeface="Arial"/>
+            </a:endParaRPr>
+          </a:p>
+        </p:txBody>
+      </p:sp>
+      <p:sp>
+        <p:nvSpPr>
+          <p:cNvPr id="75" name="PlaceHolder 7"/>
           <p:cNvSpPr>
             <a:spLocks noGrp="1"/>
           </p:cNvSpPr>
@@ -3770,8 +3704,8 @@
         </p:nvSpPr>
         <p:spPr>
           <a:xfrm>
-            <a:off x="6022080" y="3964320"/>
-            <a:ext cx="2649600" cy="2158560"/>
+            <a:off x="6022080" y="3682080"/>
+            <a:ext cx="2649600" cy="1896840"/>
           </a:xfrm>
           <a:prstGeom prst="rect">
             <a:avLst/>
@@ -3783,10 +3717,7 @@
           </a:bodyPr>
           <a:p>
             <a:endParaRPr b="0" lang="en-US" sz="3200" spc="-1" strike="noStrike">
-              <a:solidFill>
-                <a:srgbClr val="000000"/>
-              </a:solidFill>
-              <a:latin typeface="Calibri"/>
+              <a:latin typeface="Arial"/>
             </a:endParaRPr>
           </a:p>
         </p:txBody>
@@ -3815,7 +3746,7 @@
       </p:grpSpPr>
       <p:sp>
         <p:nvSpPr>
-          <p:cNvPr id="7" name="PlaceHolder 1"/>
+          <p:cNvPr id="4" name="PlaceHolder 1"/>
           <p:cNvSpPr>
             <a:spLocks noGrp="1"/>
           </p:cNvSpPr>
@@ -3825,8 +3756,8 @@
         </p:nvSpPr>
         <p:spPr>
           <a:xfrm>
-            <a:off x="457200" y="274680"/>
-            <a:ext cx="8229240" cy="1142640"/>
+            <a:off x="457200" y="273600"/>
+            <a:ext cx="8229240" cy="1144800"/>
           </a:xfrm>
           <a:prstGeom prst="rect">
             <a:avLst/>
@@ -3837,18 +3768,16 @@
             <a:noAutofit/>
           </a:bodyPr>
           <a:p>
-            <a:endParaRPr b="0" lang="en-US" sz="1800" spc="-1" strike="noStrike">
-              <a:solidFill>
-                <a:srgbClr val="000000"/>
-              </a:solidFill>
-              <a:latin typeface="Calibri"/>
-            </a:endParaRPr>
-          </a:p>
-        </p:txBody>
-      </p:sp>
-      <p:sp>
-        <p:nvSpPr>
-          <p:cNvPr id="8" name="PlaceHolder 2"/>
+            <a:pPr algn="ctr"/>
+            <a:endParaRPr b="0" lang="en-US" sz="4400" spc="-1" strike="noStrike">
+              <a:latin typeface="Arial"/>
+            </a:endParaRPr>
+          </a:p>
+        </p:txBody>
+      </p:sp>
+      <p:sp>
+        <p:nvSpPr>
+          <p:cNvPr id="5" name="PlaceHolder 2"/>
           <p:cNvSpPr>
             <a:spLocks noGrp="1"/>
           </p:cNvSpPr>
@@ -3858,8 +3787,8 @@
         </p:nvSpPr>
         <p:spPr>
           <a:xfrm>
-            <a:off x="457200" y="1600200"/>
-            <a:ext cx="8229240" cy="4525560"/>
+            <a:off x="457200" y="1604520"/>
+            <a:ext cx="8229240" cy="3977280"/>
           </a:xfrm>
           <a:prstGeom prst="rect">
             <a:avLst/>
@@ -3871,10 +3800,7 @@
           </a:bodyPr>
           <a:p>
             <a:endParaRPr b="0" lang="en-US" sz="3200" spc="-1" strike="noStrike">
-              <a:solidFill>
-                <a:srgbClr val="000000"/>
-              </a:solidFill>
-              <a:latin typeface="Calibri"/>
+              <a:latin typeface="Arial"/>
             </a:endParaRPr>
           </a:p>
         </p:txBody>
@@ -3903,7 +3829,7 @@
       </p:grpSpPr>
       <p:sp>
         <p:nvSpPr>
-          <p:cNvPr id="9" name="PlaceHolder 1"/>
+          <p:cNvPr id="6" name="PlaceHolder 1"/>
           <p:cNvSpPr>
             <a:spLocks noGrp="1"/>
           </p:cNvSpPr>
@@ -3913,8 +3839,8 @@
         </p:nvSpPr>
         <p:spPr>
           <a:xfrm>
-            <a:off x="457200" y="274680"/>
-            <a:ext cx="8229240" cy="1142640"/>
+            <a:off x="457200" y="273600"/>
+            <a:ext cx="8229240" cy="1144800"/>
           </a:xfrm>
           <a:prstGeom prst="rect">
             <a:avLst/>
@@ -3925,18 +3851,16 @@
             <a:noAutofit/>
           </a:bodyPr>
           <a:p>
-            <a:endParaRPr b="0" lang="en-US" sz="1800" spc="-1" strike="noStrike">
-              <a:solidFill>
-                <a:srgbClr val="000000"/>
-              </a:solidFill>
-              <a:latin typeface="Calibri"/>
-            </a:endParaRPr>
-          </a:p>
-        </p:txBody>
-      </p:sp>
-      <p:sp>
-        <p:nvSpPr>
-          <p:cNvPr id="10" name="PlaceHolder 2"/>
+            <a:pPr algn="ctr"/>
+            <a:endParaRPr b="0" lang="en-US" sz="4400" spc="-1" strike="noStrike">
+              <a:latin typeface="Arial"/>
+            </a:endParaRPr>
+          </a:p>
+        </p:txBody>
+      </p:sp>
+      <p:sp>
+        <p:nvSpPr>
+          <p:cNvPr id="7" name="PlaceHolder 2"/>
           <p:cNvSpPr>
             <a:spLocks noGrp="1"/>
           </p:cNvSpPr>
@@ -3946,8 +3870,8 @@
         </p:nvSpPr>
         <p:spPr>
           <a:xfrm>
-            <a:off x="457200" y="1600200"/>
-            <a:ext cx="4015800" cy="4525560"/>
+            <a:off x="457200" y="1604520"/>
+            <a:ext cx="4015800" cy="3977280"/>
           </a:xfrm>
           <a:prstGeom prst="rect">
             <a:avLst/>
@@ -3959,17 +3883,14 @@
           </a:bodyPr>
           <a:p>
             <a:endParaRPr b="0" lang="en-US" sz="3200" spc="-1" strike="noStrike">
-              <a:solidFill>
-                <a:srgbClr val="000000"/>
-              </a:solidFill>
-              <a:latin typeface="Calibri"/>
-            </a:endParaRPr>
-          </a:p>
-        </p:txBody>
-      </p:sp>
-      <p:sp>
-        <p:nvSpPr>
-          <p:cNvPr id="11" name="PlaceHolder 3"/>
+              <a:latin typeface="Arial"/>
+            </a:endParaRPr>
+          </a:p>
+        </p:txBody>
+      </p:sp>
+      <p:sp>
+        <p:nvSpPr>
+          <p:cNvPr id="8" name="PlaceHolder 3"/>
           <p:cNvSpPr>
             <a:spLocks noGrp="1"/>
           </p:cNvSpPr>
@@ -3979,8 +3900,8 @@
         </p:nvSpPr>
         <p:spPr>
           <a:xfrm>
-            <a:off x="4674240" y="1600200"/>
-            <a:ext cx="4015800" cy="4525560"/>
+            <a:off x="4674240" y="1604520"/>
+            <a:ext cx="4015800" cy="3977280"/>
           </a:xfrm>
           <a:prstGeom prst="rect">
             <a:avLst/>
@@ -3992,10 +3913,7 @@
           </a:bodyPr>
           <a:p>
             <a:endParaRPr b="0" lang="en-US" sz="3200" spc="-1" strike="noStrike">
-              <a:solidFill>
-                <a:srgbClr val="000000"/>
-              </a:solidFill>
-              <a:latin typeface="Calibri"/>
+              <a:latin typeface="Arial"/>
             </a:endParaRPr>
           </a:p>
         </p:txBody>
@@ -4024,7 +3942,7 @@
       </p:grpSpPr>
       <p:sp>
         <p:nvSpPr>
-          <p:cNvPr id="12" name="PlaceHolder 1"/>
+          <p:cNvPr id="9" name="PlaceHolder 1"/>
           <p:cNvSpPr>
             <a:spLocks noGrp="1"/>
           </p:cNvSpPr>
@@ -4034,8 +3952,8 @@
         </p:nvSpPr>
         <p:spPr>
           <a:xfrm>
-            <a:off x="457200" y="274680"/>
-            <a:ext cx="8229240" cy="1142640"/>
+            <a:off x="457200" y="273600"/>
+            <a:ext cx="8229240" cy="1144800"/>
           </a:xfrm>
           <a:prstGeom prst="rect">
             <a:avLst/>
@@ -4046,11 +3964,9 @@
             <a:noAutofit/>
           </a:bodyPr>
           <a:p>
-            <a:endParaRPr b="0" lang="en-US" sz="1800" spc="-1" strike="noStrike">
-              <a:solidFill>
-                <a:srgbClr val="000000"/>
-              </a:solidFill>
-              <a:latin typeface="Calibri"/>
+            <a:pPr algn="ctr"/>
+            <a:endParaRPr b="0" lang="en-US" sz="4400" spc="-1" strike="noStrike">
+              <a:latin typeface="Arial"/>
             </a:endParaRPr>
           </a:p>
         </p:txBody>
@@ -4079,7 +3995,7 @@
       </p:grpSpPr>
       <p:sp>
         <p:nvSpPr>
-          <p:cNvPr id="13" name="PlaceHolder 1"/>
+          <p:cNvPr id="10" name="PlaceHolder 1"/>
           <p:cNvSpPr>
             <a:spLocks noGrp="1"/>
           </p:cNvSpPr>
@@ -4089,8 +4005,8 @@
         </p:nvSpPr>
         <p:spPr>
           <a:xfrm>
-            <a:off x="457200" y="274680"/>
-            <a:ext cx="8229240" cy="5297760"/>
+            <a:off x="457200" y="273600"/>
+            <a:ext cx="8229240" cy="5307840"/>
           </a:xfrm>
           <a:prstGeom prst="rect">
             <a:avLst/>
@@ -4132,7 +4048,7 @@
       </p:grpSpPr>
       <p:sp>
         <p:nvSpPr>
-          <p:cNvPr id="14" name="PlaceHolder 1"/>
+          <p:cNvPr id="11" name="PlaceHolder 1"/>
           <p:cNvSpPr>
             <a:spLocks noGrp="1"/>
           </p:cNvSpPr>
@@ -4142,8 +4058,8 @@
         </p:nvSpPr>
         <p:spPr>
           <a:xfrm>
-            <a:off x="457200" y="274680"/>
-            <a:ext cx="8229240" cy="1142640"/>
+            <a:off x="457200" y="273600"/>
+            <a:ext cx="8229240" cy="1144800"/>
           </a:xfrm>
           <a:prstGeom prst="rect">
             <a:avLst/>
@@ -4154,18 +4070,16 @@
             <a:noAutofit/>
           </a:bodyPr>
           <a:p>
-            <a:endParaRPr b="0" lang="en-US" sz="1800" spc="-1" strike="noStrike">
-              <a:solidFill>
-                <a:srgbClr val="000000"/>
-              </a:solidFill>
-              <a:latin typeface="Calibri"/>
-            </a:endParaRPr>
-          </a:p>
-        </p:txBody>
-      </p:sp>
-      <p:sp>
-        <p:nvSpPr>
-          <p:cNvPr id="15" name="PlaceHolder 2"/>
+            <a:pPr algn="ctr"/>
+            <a:endParaRPr b="0" lang="en-US" sz="4400" spc="-1" strike="noStrike">
+              <a:latin typeface="Arial"/>
+            </a:endParaRPr>
+          </a:p>
+        </p:txBody>
+      </p:sp>
+      <p:sp>
+        <p:nvSpPr>
+          <p:cNvPr id="12" name="PlaceHolder 2"/>
           <p:cNvSpPr>
             <a:spLocks noGrp="1"/>
           </p:cNvSpPr>
@@ -4175,8 +4089,8 @@
         </p:nvSpPr>
         <p:spPr>
           <a:xfrm>
-            <a:off x="457200" y="1600200"/>
-            <a:ext cx="4015800" cy="2158560"/>
+            <a:off x="457200" y="1604520"/>
+            <a:ext cx="4015800" cy="1896840"/>
           </a:xfrm>
           <a:prstGeom prst="rect">
             <a:avLst/>
@@ -4188,17 +4102,14 @@
           </a:bodyPr>
           <a:p>
             <a:endParaRPr b="0" lang="en-US" sz="3200" spc="-1" strike="noStrike">
-              <a:solidFill>
-                <a:srgbClr val="000000"/>
-              </a:solidFill>
-              <a:latin typeface="Calibri"/>
-            </a:endParaRPr>
-          </a:p>
-        </p:txBody>
-      </p:sp>
-      <p:sp>
-        <p:nvSpPr>
-          <p:cNvPr id="16" name="PlaceHolder 3"/>
+              <a:latin typeface="Arial"/>
+            </a:endParaRPr>
+          </a:p>
+        </p:txBody>
+      </p:sp>
+      <p:sp>
+        <p:nvSpPr>
+          <p:cNvPr id="13" name="PlaceHolder 3"/>
           <p:cNvSpPr>
             <a:spLocks noGrp="1"/>
           </p:cNvSpPr>
@@ -4208,8 +4119,8 @@
         </p:nvSpPr>
         <p:spPr>
           <a:xfrm>
-            <a:off x="4674240" y="1600200"/>
-            <a:ext cx="4015800" cy="4525560"/>
+            <a:off x="4674240" y="1604520"/>
+            <a:ext cx="4015800" cy="3977280"/>
           </a:xfrm>
           <a:prstGeom prst="rect">
             <a:avLst/>
@@ -4221,17 +4132,14 @@
           </a:bodyPr>
           <a:p>
             <a:endParaRPr b="0" lang="en-US" sz="3200" spc="-1" strike="noStrike">
-              <a:solidFill>
-                <a:srgbClr val="000000"/>
-              </a:solidFill>
-              <a:latin typeface="Calibri"/>
-            </a:endParaRPr>
-          </a:p>
-        </p:txBody>
-      </p:sp>
-      <p:sp>
-        <p:nvSpPr>
-          <p:cNvPr id="17" name="PlaceHolder 4"/>
+              <a:latin typeface="Arial"/>
+            </a:endParaRPr>
+          </a:p>
+        </p:txBody>
+      </p:sp>
+      <p:sp>
+        <p:nvSpPr>
+          <p:cNvPr id="14" name="PlaceHolder 4"/>
           <p:cNvSpPr>
             <a:spLocks noGrp="1"/>
           </p:cNvSpPr>
@@ -4241,8 +4149,8 @@
         </p:nvSpPr>
         <p:spPr>
           <a:xfrm>
-            <a:off x="457200" y="3964320"/>
-            <a:ext cx="4015800" cy="2158560"/>
+            <a:off x="457200" y="3682080"/>
+            <a:ext cx="4015800" cy="1896840"/>
           </a:xfrm>
           <a:prstGeom prst="rect">
             <a:avLst/>
@@ -4254,10 +4162,7 @@
           </a:bodyPr>
           <a:p>
             <a:endParaRPr b="0" lang="en-US" sz="3200" spc="-1" strike="noStrike">
-              <a:solidFill>
-                <a:srgbClr val="000000"/>
-              </a:solidFill>
-              <a:latin typeface="Calibri"/>
+              <a:latin typeface="Arial"/>
             </a:endParaRPr>
           </a:p>
         </p:txBody>
@@ -4286,7 +4191,7 @@
       </p:grpSpPr>
       <p:sp>
         <p:nvSpPr>
-          <p:cNvPr id="18" name="PlaceHolder 1"/>
+          <p:cNvPr id="15" name="PlaceHolder 1"/>
           <p:cNvSpPr>
             <a:spLocks noGrp="1"/>
           </p:cNvSpPr>
@@ -4296,8 +4201,8 @@
         </p:nvSpPr>
         <p:spPr>
           <a:xfrm>
-            <a:off x="457200" y="274680"/>
-            <a:ext cx="8229240" cy="1142640"/>
+            <a:off x="457200" y="273600"/>
+            <a:ext cx="8229240" cy="1144800"/>
           </a:xfrm>
           <a:prstGeom prst="rect">
             <a:avLst/>
@@ -4308,18 +4213,16 @@
             <a:noAutofit/>
           </a:bodyPr>
           <a:p>
-            <a:endParaRPr b="0" lang="en-US" sz="1800" spc="-1" strike="noStrike">
-              <a:solidFill>
-                <a:srgbClr val="000000"/>
-              </a:solidFill>
-              <a:latin typeface="Calibri"/>
-            </a:endParaRPr>
-          </a:p>
-        </p:txBody>
-      </p:sp>
-      <p:sp>
-        <p:nvSpPr>
-          <p:cNvPr id="19" name="PlaceHolder 2"/>
+            <a:pPr algn="ctr"/>
+            <a:endParaRPr b="0" lang="en-US" sz="4400" spc="-1" strike="noStrike">
+              <a:latin typeface="Arial"/>
+            </a:endParaRPr>
+          </a:p>
+        </p:txBody>
+      </p:sp>
+      <p:sp>
+        <p:nvSpPr>
+          <p:cNvPr id="16" name="PlaceHolder 2"/>
           <p:cNvSpPr>
             <a:spLocks noGrp="1"/>
           </p:cNvSpPr>
@@ -4329,8 +4232,8 @@
         </p:nvSpPr>
         <p:spPr>
           <a:xfrm>
-            <a:off x="457200" y="1600200"/>
-            <a:ext cx="4015800" cy="4525560"/>
+            <a:off x="457200" y="1604520"/>
+            <a:ext cx="4015800" cy="3977280"/>
           </a:xfrm>
           <a:prstGeom prst="rect">
             <a:avLst/>
@@ -4342,17 +4245,14 @@
           </a:bodyPr>
           <a:p>
             <a:endParaRPr b="0" lang="en-US" sz="3200" spc="-1" strike="noStrike">
-              <a:solidFill>
-                <a:srgbClr val="000000"/>
-              </a:solidFill>
-              <a:latin typeface="Calibri"/>
-            </a:endParaRPr>
-          </a:p>
-        </p:txBody>
-      </p:sp>
-      <p:sp>
-        <p:nvSpPr>
-          <p:cNvPr id="20" name="PlaceHolder 3"/>
+              <a:latin typeface="Arial"/>
+            </a:endParaRPr>
+          </a:p>
+        </p:txBody>
+      </p:sp>
+      <p:sp>
+        <p:nvSpPr>
+          <p:cNvPr id="17" name="PlaceHolder 3"/>
           <p:cNvSpPr>
             <a:spLocks noGrp="1"/>
           </p:cNvSpPr>
@@ -4362,8 +4262,8 @@
         </p:nvSpPr>
         <p:spPr>
           <a:xfrm>
-            <a:off x="4674240" y="1600200"/>
-            <a:ext cx="4015800" cy="2158560"/>
+            <a:off x="4674240" y="1604520"/>
+            <a:ext cx="4015800" cy="1896840"/>
           </a:xfrm>
           <a:prstGeom prst="rect">
             <a:avLst/>
@@ -4375,17 +4275,14 @@
           </a:bodyPr>
           <a:p>
             <a:endParaRPr b="0" lang="en-US" sz="3200" spc="-1" strike="noStrike">
-              <a:solidFill>
-                <a:srgbClr val="000000"/>
-              </a:solidFill>
-              <a:latin typeface="Calibri"/>
-            </a:endParaRPr>
-          </a:p>
-        </p:txBody>
-      </p:sp>
-      <p:sp>
-        <p:nvSpPr>
-          <p:cNvPr id="21" name="PlaceHolder 4"/>
+              <a:latin typeface="Arial"/>
+            </a:endParaRPr>
+          </a:p>
+        </p:txBody>
+      </p:sp>
+      <p:sp>
+        <p:nvSpPr>
+          <p:cNvPr id="18" name="PlaceHolder 4"/>
           <p:cNvSpPr>
             <a:spLocks noGrp="1"/>
           </p:cNvSpPr>
@@ -4395,8 +4292,8 @@
         </p:nvSpPr>
         <p:spPr>
           <a:xfrm>
-            <a:off x="4674240" y="3964320"/>
-            <a:ext cx="4015800" cy="2158560"/>
+            <a:off x="4674240" y="3682080"/>
+            <a:ext cx="4015800" cy="1896840"/>
           </a:xfrm>
           <a:prstGeom prst="rect">
             <a:avLst/>
@@ -4408,10 +4305,7 @@
           </a:bodyPr>
           <a:p>
             <a:endParaRPr b="0" lang="en-US" sz="3200" spc="-1" strike="noStrike">
-              <a:solidFill>
-                <a:srgbClr val="000000"/>
-              </a:solidFill>
-              <a:latin typeface="Calibri"/>
+              <a:latin typeface="Arial"/>
             </a:endParaRPr>
           </a:p>
         </p:txBody>
@@ -4440,7 +4334,7 @@
       </p:grpSpPr>
       <p:sp>
         <p:nvSpPr>
-          <p:cNvPr id="22" name="PlaceHolder 1"/>
+          <p:cNvPr id="19" name="PlaceHolder 1"/>
           <p:cNvSpPr>
             <a:spLocks noGrp="1"/>
           </p:cNvSpPr>
@@ -4450,8 +4344,8 @@
         </p:nvSpPr>
         <p:spPr>
           <a:xfrm>
-            <a:off x="457200" y="274680"/>
-            <a:ext cx="8229240" cy="1142640"/>
+            <a:off x="457200" y="273600"/>
+            <a:ext cx="8229240" cy="1144800"/>
           </a:xfrm>
           <a:prstGeom prst="rect">
             <a:avLst/>
@@ -4462,18 +4356,16 @@
             <a:noAutofit/>
           </a:bodyPr>
           <a:p>
-            <a:endParaRPr b="0" lang="en-US" sz="1800" spc="-1" strike="noStrike">
-              <a:solidFill>
-                <a:srgbClr val="000000"/>
-              </a:solidFill>
-              <a:latin typeface="Calibri"/>
-            </a:endParaRPr>
-          </a:p>
-        </p:txBody>
-      </p:sp>
-      <p:sp>
-        <p:nvSpPr>
-          <p:cNvPr id="23" name="PlaceHolder 2"/>
+            <a:pPr algn="ctr"/>
+            <a:endParaRPr b="0" lang="en-US" sz="4400" spc="-1" strike="noStrike">
+              <a:latin typeface="Arial"/>
+            </a:endParaRPr>
+          </a:p>
+        </p:txBody>
+      </p:sp>
+      <p:sp>
+        <p:nvSpPr>
+          <p:cNvPr id="20" name="PlaceHolder 2"/>
           <p:cNvSpPr>
             <a:spLocks noGrp="1"/>
           </p:cNvSpPr>
@@ -4483,8 +4375,8 @@
         </p:nvSpPr>
         <p:spPr>
           <a:xfrm>
-            <a:off x="457200" y="1600200"/>
-            <a:ext cx="4015800" cy="2158560"/>
+            <a:off x="457200" y="1604520"/>
+            <a:ext cx="4015800" cy="1896840"/>
           </a:xfrm>
           <a:prstGeom prst="rect">
             <a:avLst/>
@@ -4496,17 +4388,14 @@
           </a:bodyPr>
           <a:p>
             <a:endParaRPr b="0" lang="en-US" sz="3200" spc="-1" strike="noStrike">
-              <a:solidFill>
-                <a:srgbClr val="000000"/>
-              </a:solidFill>
-              <a:latin typeface="Calibri"/>
-            </a:endParaRPr>
-          </a:p>
-        </p:txBody>
-      </p:sp>
-      <p:sp>
-        <p:nvSpPr>
-          <p:cNvPr id="24" name="PlaceHolder 3"/>
+              <a:latin typeface="Arial"/>
+            </a:endParaRPr>
+          </a:p>
+        </p:txBody>
+      </p:sp>
+      <p:sp>
+        <p:nvSpPr>
+          <p:cNvPr id="21" name="PlaceHolder 3"/>
           <p:cNvSpPr>
             <a:spLocks noGrp="1"/>
           </p:cNvSpPr>
@@ -4516,8 +4405,8 @@
         </p:nvSpPr>
         <p:spPr>
           <a:xfrm>
-            <a:off x="4674240" y="1600200"/>
-            <a:ext cx="4015800" cy="2158560"/>
+            <a:off x="4674240" y="1604520"/>
+            <a:ext cx="4015800" cy="1896840"/>
           </a:xfrm>
           <a:prstGeom prst="rect">
             <a:avLst/>
@@ -4529,17 +4418,14 @@
           </a:bodyPr>
           <a:p>
             <a:endParaRPr b="0" lang="en-US" sz="3200" spc="-1" strike="noStrike">
-              <a:solidFill>
-                <a:srgbClr val="000000"/>
-              </a:solidFill>
-              <a:latin typeface="Calibri"/>
-            </a:endParaRPr>
-          </a:p>
-        </p:txBody>
-      </p:sp>
-      <p:sp>
-        <p:nvSpPr>
-          <p:cNvPr id="25" name="PlaceHolder 4"/>
+              <a:latin typeface="Arial"/>
+            </a:endParaRPr>
+          </a:p>
+        </p:txBody>
+      </p:sp>
+      <p:sp>
+        <p:nvSpPr>
+          <p:cNvPr id="22" name="PlaceHolder 4"/>
           <p:cNvSpPr>
             <a:spLocks noGrp="1"/>
           </p:cNvSpPr>
@@ -4549,8 +4435,8 @@
         </p:nvSpPr>
         <p:spPr>
           <a:xfrm>
-            <a:off x="457200" y="3964320"/>
-            <a:ext cx="8229240" cy="2158560"/>
+            <a:off x="457200" y="3682080"/>
+            <a:ext cx="8229240" cy="1896840"/>
           </a:xfrm>
           <a:prstGeom prst="rect">
             <a:avLst/>
@@ -4562,10 +4448,7 @@
           </a:bodyPr>
           <a:p>
             <a:endParaRPr b="0" lang="en-US" sz="3200" spc="-1" strike="noStrike">
-              <a:solidFill>
-                <a:srgbClr val="000000"/>
-              </a:solidFill>
-              <a:latin typeface="Calibri"/>
+              <a:latin typeface="Arial"/>
             </a:endParaRPr>
           </a:p>
         </p:txBody>
@@ -4614,37 +4497,27 @@
         </p:nvSpPr>
         <p:spPr>
           <a:xfrm>
-            <a:off x="685800" y="2130480"/>
-            <a:ext cx="7772040" cy="1469520"/>
-          </a:xfrm>
-          <a:prstGeom prst="rect">
-            <a:avLst/>
-          </a:prstGeom>
-        </p:spPr>
-        <p:txBody>
-          <a:bodyPr anchor="ctr">
+            <a:off x="457200" y="274680"/>
+            <a:ext cx="8228880" cy="1142280"/>
+          </a:xfrm>
+          <a:prstGeom prst="rect">
+            <a:avLst/>
+          </a:prstGeom>
+        </p:spPr>
+        <p:txBody>
+          <a:bodyPr lIns="0" rIns="0" tIns="0" bIns="0" anchor="ctr">
             <a:noAutofit/>
           </a:bodyPr>
           <a:p>
-            <a:pPr algn="ctr">
-              <a:lnSpc>
-                <a:spcPct val="100000"/>
-              </a:lnSpc>
-            </a:pPr>
-            <a:r>
-              <a:rPr b="0" lang="zh-CN" sz="4400" spc="-1" strike="noStrike">
-                <a:solidFill>
-                  <a:srgbClr val="000000"/>
-                </a:solidFill>
-                <a:latin typeface="Calibri"/>
-              </a:rPr>
-              <a:t>单击此处编辑母版标题样式</a:t>
-            </a:r>
-            <a:endParaRPr b="0" lang="en-US" sz="4400" spc="-1" strike="noStrike">
-              <a:solidFill>
-                <a:srgbClr val="000000"/>
-              </a:solidFill>
-              <a:latin typeface="Calibri"/>
+            <a:pPr algn="ctr"/>
+            <a:r>
+              <a:rPr b="0" lang="zh-CN" sz="1800" spc="-1" strike="noStrike">
+                <a:latin typeface="Arial"/>
+              </a:rPr>
+              <a:t>点击鼠标编辑标题文字格式</a:t>
+            </a:r>
+            <a:endParaRPr b="0" lang="en-US" sz="1800" spc="-1" strike="noStrike">
+              <a:latin typeface="Arial"/>
             </a:endParaRPr>
           </a:p>
         </p:txBody>
@@ -4652,124 +4525,6 @@
       <p:sp>
         <p:nvSpPr>
           <p:cNvPr id="1" name="PlaceHolder 2"/>
-          <p:cNvSpPr>
-            <a:spLocks noGrp="1"/>
-          </p:cNvSpPr>
-          <p:nvPr>
-            <p:ph type="dt"/>
-          </p:nvPr>
-        </p:nvSpPr>
-        <p:spPr>
-          <a:xfrm>
-            <a:off x="457200" y="6356520"/>
-            <a:ext cx="2133360" cy="364680"/>
-          </a:xfrm>
-          <a:prstGeom prst="rect">
-            <a:avLst/>
-          </a:prstGeom>
-        </p:spPr>
-        <p:txBody>
-          <a:bodyPr anchor="ctr">
-            <a:noAutofit/>
-          </a:bodyPr>
-          <a:p>
-            <a:pPr>
-              <a:lnSpc>
-                <a:spcPct val="100000"/>
-              </a:lnSpc>
-            </a:pPr>
-            <a:fld id="{5BD8D8D9-1037-44B3-BEF9-ED48CEF32F7B}" type="datetime">
-              <a:rPr b="0" lang="en-US" sz="1200" spc="-1" strike="noStrike">
-                <a:solidFill>
-                  <a:srgbClr val="8b8b8b"/>
-                </a:solidFill>
-                <a:latin typeface="Calibri"/>
-              </a:rPr>
-              <a:t>9/15/20</a:t>
-            </a:fld>
-            <a:endParaRPr b="0" lang="en-US" sz="1200" spc="-1" strike="noStrike">
-              <a:latin typeface="Times New Roman"/>
-            </a:endParaRPr>
-          </a:p>
-        </p:txBody>
-      </p:sp>
-      <p:sp>
-        <p:nvSpPr>
-          <p:cNvPr id="2" name="PlaceHolder 3"/>
-          <p:cNvSpPr>
-            <a:spLocks noGrp="1"/>
-          </p:cNvSpPr>
-          <p:nvPr>
-            <p:ph type="ftr"/>
-          </p:nvPr>
-        </p:nvSpPr>
-        <p:spPr>
-          <a:xfrm>
-            <a:off x="3124080" y="6356520"/>
-            <a:ext cx="2895120" cy="364680"/>
-          </a:xfrm>
-          <a:prstGeom prst="rect">
-            <a:avLst/>
-          </a:prstGeom>
-        </p:spPr>
-        <p:txBody>
-          <a:bodyPr anchor="ctr">
-            <a:noAutofit/>
-          </a:bodyPr>
-          <a:p>
-            <a:endParaRPr b="0" lang="en-US" sz="2400" spc="-1" strike="noStrike">
-              <a:latin typeface="Times New Roman"/>
-            </a:endParaRPr>
-          </a:p>
-        </p:txBody>
-      </p:sp>
-      <p:sp>
-        <p:nvSpPr>
-          <p:cNvPr id="3" name="PlaceHolder 4"/>
-          <p:cNvSpPr>
-            <a:spLocks noGrp="1"/>
-          </p:cNvSpPr>
-          <p:nvPr>
-            <p:ph type="sldNum"/>
-          </p:nvPr>
-        </p:nvSpPr>
-        <p:spPr>
-          <a:xfrm>
-            <a:off x="6553080" y="6356520"/>
-            <a:ext cx="2133360" cy="364680"/>
-          </a:xfrm>
-          <a:prstGeom prst="rect">
-            <a:avLst/>
-          </a:prstGeom>
-        </p:spPr>
-        <p:txBody>
-          <a:bodyPr anchor="ctr">
-            <a:noAutofit/>
-          </a:bodyPr>
-          <a:p>
-            <a:pPr algn="r">
-              <a:lnSpc>
-                <a:spcPct val="100000"/>
-              </a:lnSpc>
-            </a:pPr>
-            <a:fld id="{0FA20663-0562-4792-AC7A-6708F8AB1A59}" type="slidenum">
-              <a:rPr b="0" lang="en-US" sz="1200" spc="-1" strike="noStrike">
-                <a:solidFill>
-                  <a:srgbClr val="8b8b8b"/>
-                </a:solidFill>
-                <a:latin typeface="Calibri"/>
-              </a:rPr>
-              <a:t>&lt;编号&gt;</a:t>
-            </a:fld>
-            <a:endParaRPr b="0" lang="en-US" sz="1200" spc="-1" strike="noStrike">
-              <a:latin typeface="Times New Roman"/>
-            </a:endParaRPr>
-          </a:p>
-        </p:txBody>
-      </p:sp>
-      <p:sp>
-        <p:nvSpPr>
-          <p:cNvPr id="4" name="PlaceHolder 5"/>
           <p:cNvSpPr>
             <a:spLocks noGrp="1"/>
           </p:cNvSpPr>
@@ -4804,18 +4559,12 @@
             </a:pPr>
             <a:r>
               <a:rPr b="0" lang="zh-CN" sz="3200" spc="-1" strike="noStrike">
-                <a:solidFill>
-                  <a:srgbClr val="000000"/>
-                </a:solidFill>
-                <a:latin typeface="Calibri"/>
+                <a:latin typeface="Arial"/>
               </a:rPr>
               <a:t>点击鼠标编辑大纲文字格式</a:t>
             </a:r>
             <a:endParaRPr b="0" lang="en-US" sz="3200" spc="-1" strike="noStrike">
-              <a:solidFill>
-                <a:srgbClr val="000000"/>
-              </a:solidFill>
-              <a:latin typeface="Calibri"/>
+              <a:latin typeface="Arial"/>
             </a:endParaRPr>
           </a:p>
           <a:p>
@@ -4831,19 +4580,13 @@
               <a:buChar char=""/>
             </a:pPr>
             <a:r>
-              <a:rPr b="0" lang="zh-CN" sz="2400" spc="-1" strike="noStrike">
-                <a:solidFill>
-                  <a:srgbClr val="000000"/>
-                </a:solidFill>
-                <a:latin typeface="Calibri"/>
+              <a:rPr b="0" lang="zh-CN" sz="2800" spc="-1" strike="noStrike">
+                <a:latin typeface="Arial"/>
               </a:rPr>
               <a:t>第二个大纲级</a:t>
             </a:r>
-            <a:endParaRPr b="0" lang="en-US" sz="2400" spc="-1" strike="noStrike">
-              <a:solidFill>
-                <a:srgbClr val="000000"/>
-              </a:solidFill>
-              <a:latin typeface="Calibri"/>
+            <a:endParaRPr b="0" lang="en-US" sz="2800" spc="-1" strike="noStrike">
+              <a:latin typeface="Arial"/>
             </a:endParaRPr>
           </a:p>
           <a:p>
@@ -4859,19 +4602,13 @@
               <a:buChar char=""/>
             </a:pPr>
             <a:r>
-              <a:rPr b="0" lang="zh-CN" sz="2000" spc="-1" strike="noStrike">
-                <a:solidFill>
-                  <a:srgbClr val="000000"/>
-                </a:solidFill>
-                <a:latin typeface="Calibri"/>
+              <a:rPr b="0" lang="zh-CN" sz="2400" spc="-1" strike="noStrike">
+                <a:latin typeface="Arial"/>
               </a:rPr>
               <a:t>第三大纲级别</a:t>
             </a:r>
-            <a:endParaRPr b="0" lang="en-US" sz="2000" spc="-1" strike="noStrike">
-              <a:solidFill>
-                <a:srgbClr val="000000"/>
-              </a:solidFill>
-              <a:latin typeface="Calibri"/>
+            <a:endParaRPr b="0" lang="en-US" sz="2400" spc="-1" strike="noStrike">
+              <a:latin typeface="Arial"/>
             </a:endParaRPr>
           </a:p>
           <a:p>
@@ -4888,18 +4625,12 @@
             </a:pPr>
             <a:r>
               <a:rPr b="0" lang="zh-CN" sz="2000" spc="-1" strike="noStrike">
-                <a:solidFill>
-                  <a:srgbClr val="000000"/>
-                </a:solidFill>
-                <a:latin typeface="Calibri"/>
+                <a:latin typeface="Arial"/>
               </a:rPr>
               <a:t>第四大纲级别</a:t>
             </a:r>
             <a:endParaRPr b="0" lang="en-US" sz="2000" spc="-1" strike="noStrike">
-              <a:solidFill>
-                <a:srgbClr val="000000"/>
-              </a:solidFill>
-              <a:latin typeface="Calibri"/>
+              <a:latin typeface="Arial"/>
             </a:endParaRPr>
           </a:p>
           <a:p>
@@ -4916,18 +4647,12 @@
             </a:pPr>
             <a:r>
               <a:rPr b="0" lang="zh-CN" sz="2000" spc="-1" strike="noStrike">
-                <a:solidFill>
-                  <a:srgbClr val="000000"/>
-                </a:solidFill>
-                <a:latin typeface="Calibri"/>
+                <a:latin typeface="Arial"/>
               </a:rPr>
               <a:t>第五大纲级别</a:t>
             </a:r>
             <a:endParaRPr b="0" lang="en-US" sz="2000" spc="-1" strike="noStrike">
-              <a:solidFill>
-                <a:srgbClr val="000000"/>
-              </a:solidFill>
-              <a:latin typeface="Calibri"/>
+              <a:latin typeface="Arial"/>
             </a:endParaRPr>
           </a:p>
           <a:p>
@@ -4944,18 +4669,12 @@
             </a:pPr>
             <a:r>
               <a:rPr b="0" lang="zh-CN" sz="2000" spc="-1" strike="noStrike">
-                <a:solidFill>
-                  <a:srgbClr val="000000"/>
-                </a:solidFill>
-                <a:latin typeface="Calibri"/>
+                <a:latin typeface="Arial"/>
               </a:rPr>
               <a:t>第六大纲级别</a:t>
             </a:r>
             <a:endParaRPr b="0" lang="en-US" sz="2000" spc="-1" strike="noStrike">
-              <a:solidFill>
-                <a:srgbClr val="000000"/>
-              </a:solidFill>
-              <a:latin typeface="Calibri"/>
+              <a:latin typeface="Arial"/>
             </a:endParaRPr>
           </a:p>
           <a:p>
@@ -4972,18 +4691,12 @@
             </a:pPr>
             <a:r>
               <a:rPr b="0" lang="zh-CN" sz="2000" spc="-1" strike="noStrike">
-                <a:solidFill>
-                  <a:srgbClr val="000000"/>
-                </a:solidFill>
-                <a:latin typeface="Calibri"/>
+                <a:latin typeface="Arial"/>
               </a:rPr>
               <a:t>第七大纲级别</a:t>
             </a:r>
             <a:endParaRPr b="0" lang="en-US" sz="2000" spc="-1" strike="noStrike">
-              <a:solidFill>
-                <a:srgbClr val="000000"/>
-              </a:solidFill>
-              <a:latin typeface="Calibri"/>
+              <a:latin typeface="Arial"/>
             </a:endParaRPr>
           </a:p>
         </p:txBody>
@@ -5037,7 +4750,7 @@
       </p:grpSpPr>
       <p:sp>
         <p:nvSpPr>
-          <p:cNvPr id="41" name="PlaceHolder 1"/>
+          <p:cNvPr id="38" name="PlaceHolder 1"/>
           <p:cNvSpPr>
             <a:spLocks noGrp="1"/>
           </p:cNvSpPr>
@@ -5047,44 +4760,34 @@
         </p:nvSpPr>
         <p:spPr>
           <a:xfrm>
-            <a:off x="457200" y="274680"/>
-            <a:ext cx="8229240" cy="1142640"/>
-          </a:xfrm>
-          <a:prstGeom prst="rect">
-            <a:avLst/>
-          </a:prstGeom>
-        </p:spPr>
-        <p:txBody>
-          <a:bodyPr anchor="ctr">
+            <a:off x="457200" y="273600"/>
+            <a:ext cx="8229240" cy="1144800"/>
+          </a:xfrm>
+          <a:prstGeom prst="rect">
+            <a:avLst/>
+          </a:prstGeom>
+        </p:spPr>
+        <p:txBody>
+          <a:bodyPr lIns="0" rIns="0" tIns="0" bIns="0" anchor="ctr">
             <a:noAutofit/>
           </a:bodyPr>
           <a:p>
-            <a:pPr algn="ctr">
-              <a:lnSpc>
-                <a:spcPct val="100000"/>
-              </a:lnSpc>
-            </a:pPr>
+            <a:pPr algn="ctr"/>
             <a:r>
               <a:rPr b="0" lang="zh-CN" sz="4400" spc="-1" strike="noStrike">
-                <a:solidFill>
-                  <a:srgbClr val="000000"/>
-                </a:solidFill>
-                <a:latin typeface="Calibri"/>
-              </a:rPr>
-              <a:t>单击此处编辑母版标题样式</a:t>
+                <a:latin typeface="Arial"/>
+              </a:rPr>
+              <a:t>点击鼠标编辑标题文字格式</a:t>
             </a:r>
             <a:endParaRPr b="0" lang="en-US" sz="4400" spc="-1" strike="noStrike">
-              <a:solidFill>
-                <a:srgbClr val="000000"/>
-              </a:solidFill>
-              <a:latin typeface="Calibri"/>
-            </a:endParaRPr>
-          </a:p>
-        </p:txBody>
-      </p:sp>
-      <p:sp>
-        <p:nvSpPr>
-          <p:cNvPr id="42" name="PlaceHolder 2"/>
+              <a:latin typeface="Arial"/>
+            </a:endParaRPr>
+          </a:p>
+        </p:txBody>
+      </p:sp>
+      <p:sp>
+        <p:nvSpPr>
+          <p:cNvPr id="39" name="PlaceHolder 2"/>
           <p:cNvSpPr>
             <a:spLocks noGrp="1"/>
           </p:cNvSpPr>
@@ -5094,283 +4797,169 @@
         </p:nvSpPr>
         <p:spPr>
           <a:xfrm>
-            <a:off x="457200" y="1600200"/>
-            <a:ext cx="8229240" cy="4525560"/>
-          </a:xfrm>
-          <a:prstGeom prst="rect">
-            <a:avLst/>
-          </a:prstGeom>
-        </p:spPr>
-        <p:txBody>
-          <a:bodyPr>
-            <a:noAutofit/>
-          </a:bodyPr>
-          <a:p>
-            <a:pPr marL="343080" indent="-342720">
-              <a:lnSpc>
-                <a:spcPct val="100000"/>
-              </a:lnSpc>
+            <a:off x="457200" y="1604520"/>
+            <a:ext cx="8229240" cy="3977280"/>
+          </a:xfrm>
+          <a:prstGeom prst="rect">
+            <a:avLst/>
+          </a:prstGeom>
+        </p:spPr>
+        <p:txBody>
+          <a:bodyPr lIns="0" rIns="0" tIns="0" bIns="0">
+            <a:normAutofit/>
+          </a:bodyPr>
+          <a:p>
+            <a:pPr marL="432000" indent="-324000">
               <a:spcBef>
-                <a:spcPts val="641"/>
+                <a:spcPts val="1417"/>
               </a:spcBef>
               <a:buClr>
                 <a:srgbClr val="000000"/>
               </a:buClr>
-              <a:buFont typeface="Arial"/>
-              <a:buChar char="•"/>
+              <a:buSzPct val="45000"/>
+              <a:buFont typeface="Wingdings" charset="2"/>
+              <a:buChar char=""/>
             </a:pPr>
             <a:r>
               <a:rPr b="0" lang="zh-CN" sz="3200" spc="-1" strike="noStrike">
-                <a:solidFill>
-                  <a:srgbClr val="000000"/>
-                </a:solidFill>
-                <a:latin typeface="Calibri"/>
-              </a:rPr>
-              <a:t>单击此处编辑母版文本样式</a:t>
+                <a:latin typeface="Arial"/>
+              </a:rPr>
+              <a:t>点击鼠标编辑大纲文字格式</a:t>
             </a:r>
             <a:endParaRPr b="0" lang="en-US" sz="3200" spc="-1" strike="noStrike">
-              <a:solidFill>
-                <a:srgbClr val="000000"/>
-              </a:solidFill>
-              <a:latin typeface="Calibri"/>
-            </a:endParaRPr>
-          </a:p>
-          <a:p>
-            <a:pPr lvl="1" marL="743040" indent="-285480">
-              <a:lnSpc>
-                <a:spcPct val="100000"/>
-              </a:lnSpc>
+              <a:latin typeface="Arial"/>
+            </a:endParaRPr>
+          </a:p>
+          <a:p>
+            <a:pPr lvl="1" marL="864000" indent="-324000">
               <a:spcBef>
-                <a:spcPts val="561"/>
+                <a:spcPts val="1134"/>
               </a:spcBef>
               <a:buClr>
                 <a:srgbClr val="000000"/>
               </a:buClr>
-              <a:buFont typeface="Arial"/>
-              <a:buChar char="–"/>
+              <a:buSzPct val="75000"/>
+              <a:buFont typeface="Symbol" charset="2"/>
+              <a:buChar char=""/>
             </a:pPr>
             <a:r>
               <a:rPr b="0" lang="zh-CN" sz="2800" spc="-1" strike="noStrike">
-                <a:solidFill>
-                  <a:srgbClr val="000000"/>
-                </a:solidFill>
-                <a:latin typeface="Calibri"/>
-              </a:rPr>
-              <a:t>第二级</a:t>
+                <a:latin typeface="Arial"/>
+              </a:rPr>
+              <a:t>第二个大纲级</a:t>
             </a:r>
             <a:endParaRPr b="0" lang="en-US" sz="2800" spc="-1" strike="noStrike">
-              <a:solidFill>
-                <a:srgbClr val="000000"/>
-              </a:solidFill>
-              <a:latin typeface="Calibri"/>
-            </a:endParaRPr>
-          </a:p>
-          <a:p>
-            <a:pPr lvl="2" marL="1143000" indent="-228240">
-              <a:lnSpc>
-                <a:spcPct val="100000"/>
-              </a:lnSpc>
+              <a:latin typeface="Arial"/>
+            </a:endParaRPr>
+          </a:p>
+          <a:p>
+            <a:pPr lvl="2" marL="1296000" indent="-288000">
               <a:spcBef>
-                <a:spcPts val="479"/>
+                <a:spcPts val="850"/>
               </a:spcBef>
               <a:buClr>
                 <a:srgbClr val="000000"/>
               </a:buClr>
-              <a:buFont typeface="Arial"/>
-              <a:buChar char="•"/>
+              <a:buSzPct val="45000"/>
+              <a:buFont typeface="Wingdings" charset="2"/>
+              <a:buChar char=""/>
             </a:pPr>
             <a:r>
               <a:rPr b="0" lang="zh-CN" sz="2400" spc="-1" strike="noStrike">
-                <a:solidFill>
-                  <a:srgbClr val="000000"/>
-                </a:solidFill>
-                <a:latin typeface="Calibri"/>
-              </a:rPr>
-              <a:t>第三级</a:t>
+                <a:latin typeface="Arial"/>
+              </a:rPr>
+              <a:t>第三大纲级别</a:t>
             </a:r>
             <a:endParaRPr b="0" lang="en-US" sz="2400" spc="-1" strike="noStrike">
-              <a:solidFill>
-                <a:srgbClr val="000000"/>
-              </a:solidFill>
-              <a:latin typeface="Calibri"/>
-            </a:endParaRPr>
-          </a:p>
-          <a:p>
-            <a:pPr lvl="3" marL="1600200" indent="-228240">
-              <a:lnSpc>
-                <a:spcPct val="100000"/>
-              </a:lnSpc>
+              <a:latin typeface="Arial"/>
+            </a:endParaRPr>
+          </a:p>
+          <a:p>
+            <a:pPr lvl="3" marL="1728000" indent="-216000">
               <a:spcBef>
-                <a:spcPts val="400"/>
+                <a:spcPts val="567"/>
               </a:spcBef>
               <a:buClr>
                 <a:srgbClr val="000000"/>
               </a:buClr>
-              <a:buFont typeface="Arial"/>
-              <a:buChar char="–"/>
+              <a:buSzPct val="75000"/>
+              <a:buFont typeface="Symbol" charset="2"/>
+              <a:buChar char=""/>
             </a:pPr>
             <a:r>
               <a:rPr b="0" lang="zh-CN" sz="2000" spc="-1" strike="noStrike">
-                <a:solidFill>
-                  <a:srgbClr val="000000"/>
-                </a:solidFill>
-                <a:latin typeface="Calibri"/>
-              </a:rPr>
-              <a:t>第四级</a:t>
+                <a:latin typeface="Arial"/>
+              </a:rPr>
+              <a:t>第四大纲级别</a:t>
             </a:r>
             <a:endParaRPr b="0" lang="en-US" sz="2000" spc="-1" strike="noStrike">
-              <a:solidFill>
-                <a:srgbClr val="000000"/>
-              </a:solidFill>
-              <a:latin typeface="Calibri"/>
-            </a:endParaRPr>
-          </a:p>
-          <a:p>
-            <a:pPr lvl="4" marL="2057400" indent="-228240">
-              <a:lnSpc>
-                <a:spcPct val="100000"/>
-              </a:lnSpc>
+              <a:latin typeface="Arial"/>
+            </a:endParaRPr>
+          </a:p>
+          <a:p>
+            <a:pPr lvl="4" marL="2160000" indent="-216000">
               <a:spcBef>
-                <a:spcPts val="400"/>
+                <a:spcPts val="283"/>
               </a:spcBef>
               <a:buClr>
                 <a:srgbClr val="000000"/>
               </a:buClr>
-              <a:buFont typeface="Arial"/>
-              <a:buChar char="»"/>
+              <a:buSzPct val="45000"/>
+              <a:buFont typeface="Wingdings" charset="2"/>
+              <a:buChar char=""/>
             </a:pPr>
             <a:r>
               <a:rPr b="0" lang="zh-CN" sz="2000" spc="-1" strike="noStrike">
-                <a:solidFill>
-                  <a:srgbClr val="000000"/>
-                </a:solidFill>
-                <a:latin typeface="Calibri"/>
-              </a:rPr>
-              <a:t>第五级</a:t>
+                <a:latin typeface="Arial"/>
+              </a:rPr>
+              <a:t>第五大纲级别</a:t>
             </a:r>
             <a:endParaRPr b="0" lang="en-US" sz="2000" spc="-1" strike="noStrike">
-              <a:solidFill>
+              <a:latin typeface="Arial"/>
+            </a:endParaRPr>
+          </a:p>
+          <a:p>
+            <a:pPr lvl="5" marL="2592000" indent="-216000">
+              <a:spcBef>
+                <a:spcPts val="283"/>
+              </a:spcBef>
+              <a:buClr>
                 <a:srgbClr val="000000"/>
-              </a:solidFill>
-              <a:latin typeface="Calibri"/>
-            </a:endParaRPr>
-          </a:p>
-        </p:txBody>
-      </p:sp>
-      <p:sp>
-        <p:nvSpPr>
-          <p:cNvPr id="43" name="PlaceHolder 3"/>
-          <p:cNvSpPr>
-            <a:spLocks noGrp="1"/>
-          </p:cNvSpPr>
-          <p:nvPr>
-            <p:ph type="dt"/>
-          </p:nvPr>
-        </p:nvSpPr>
-        <p:spPr>
-          <a:xfrm>
-            <a:off x="457200" y="6356520"/>
-            <a:ext cx="2133360" cy="364680"/>
-          </a:xfrm>
-          <a:prstGeom prst="rect">
-            <a:avLst/>
-          </a:prstGeom>
-        </p:spPr>
-        <p:txBody>
-          <a:bodyPr anchor="ctr">
-            <a:noAutofit/>
-          </a:bodyPr>
-          <a:p>
-            <a:pPr>
-              <a:lnSpc>
-                <a:spcPct val="100000"/>
-              </a:lnSpc>
-            </a:pPr>
-            <a:fld id="{033A07D0-B5D9-4B25-8EE3-FA04F67C60DB}" type="datetime">
-              <a:rPr b="0" lang="en-US" sz="1200" spc="-1" strike="noStrike">
-                <a:solidFill>
-                  <a:srgbClr val="8b8b8b"/>
-                </a:solidFill>
-                <a:latin typeface="Calibri"/>
-              </a:rPr>
-              <a:t>9/15/20</a:t>
-            </a:fld>
-            <a:endParaRPr b="0" lang="en-US" sz="1200" spc="-1" strike="noStrike">
-              <a:latin typeface="Times New Roman"/>
-            </a:endParaRPr>
-          </a:p>
-        </p:txBody>
-      </p:sp>
-      <p:sp>
-        <p:nvSpPr>
-          <p:cNvPr id="44" name="PlaceHolder 4"/>
-          <p:cNvSpPr>
-            <a:spLocks noGrp="1"/>
-          </p:cNvSpPr>
-          <p:nvPr>
-            <p:ph type="ftr"/>
-          </p:nvPr>
-        </p:nvSpPr>
-        <p:spPr>
-          <a:xfrm>
-            <a:off x="3124080" y="6356520"/>
-            <a:ext cx="2895120" cy="364680"/>
-          </a:xfrm>
-          <a:prstGeom prst="rect">
-            <a:avLst/>
-          </a:prstGeom>
-        </p:spPr>
-        <p:txBody>
-          <a:bodyPr anchor="ctr">
-            <a:noAutofit/>
-          </a:bodyPr>
-          <a:p>
-            <a:endParaRPr b="0" lang="en-US" sz="2400" spc="-1" strike="noStrike">
-              <a:latin typeface="Times New Roman"/>
-            </a:endParaRPr>
-          </a:p>
-        </p:txBody>
-      </p:sp>
-      <p:sp>
-        <p:nvSpPr>
-          <p:cNvPr id="45" name="PlaceHolder 5"/>
-          <p:cNvSpPr>
-            <a:spLocks noGrp="1"/>
-          </p:cNvSpPr>
-          <p:nvPr>
-            <p:ph type="sldNum"/>
-          </p:nvPr>
-        </p:nvSpPr>
-        <p:spPr>
-          <a:xfrm>
-            <a:off x="6553080" y="6356520"/>
-            <a:ext cx="2133360" cy="364680"/>
-          </a:xfrm>
-          <a:prstGeom prst="rect">
-            <a:avLst/>
-          </a:prstGeom>
-        </p:spPr>
-        <p:txBody>
-          <a:bodyPr anchor="ctr">
-            <a:noAutofit/>
-          </a:bodyPr>
-          <a:p>
-            <a:pPr algn="r">
-              <a:lnSpc>
-                <a:spcPct val="100000"/>
-              </a:lnSpc>
-            </a:pPr>
-            <a:fld id="{45AB4F22-B688-4661-A7D9-FB4AF6171CE9}" type="slidenum">
-              <a:rPr b="0" lang="en-US" sz="1200" spc="-1" strike="noStrike">
-                <a:solidFill>
-                  <a:srgbClr val="8b8b8b"/>
-                </a:solidFill>
-                <a:latin typeface="Calibri"/>
-              </a:rPr>
-              <a:t>&lt;编号&gt;</a:t>
-            </a:fld>
-            <a:endParaRPr b="0" lang="en-US" sz="1200" spc="-1" strike="noStrike">
-              <a:latin typeface="Times New Roman"/>
+              </a:buClr>
+              <a:buSzPct val="45000"/>
+              <a:buFont typeface="Wingdings" charset="2"/>
+              <a:buChar char=""/>
+            </a:pPr>
+            <a:r>
+              <a:rPr b="0" lang="zh-CN" sz="2000" spc="-1" strike="noStrike">
+                <a:latin typeface="Arial"/>
+              </a:rPr>
+              <a:t>第六大纲级别</a:t>
+            </a:r>
+            <a:endParaRPr b="0" lang="en-US" sz="2000" spc="-1" strike="noStrike">
+              <a:latin typeface="Arial"/>
+            </a:endParaRPr>
+          </a:p>
+          <a:p>
+            <a:pPr lvl="6" marL="3024000" indent="-216000">
+              <a:spcBef>
+                <a:spcPts val="283"/>
+              </a:spcBef>
+              <a:buClr>
+                <a:srgbClr val="000000"/>
+              </a:buClr>
+              <a:buSzPct val="45000"/>
+              <a:buFont typeface="Wingdings" charset="2"/>
+              <a:buChar char=""/>
+            </a:pPr>
+            <a:r>
+              <a:rPr b="0" lang="zh-CN" sz="2000" spc="-1" strike="noStrike">
+                <a:latin typeface="Arial"/>
+              </a:rPr>
+              <a:t>第七大纲级别</a:t>
+            </a:r>
+            <a:endParaRPr b="0" lang="en-US" sz="2000" spc="-1" strike="noStrike">
+              <a:latin typeface="Arial"/>
             </a:endParaRPr>
           </a:p>
         </p:txBody>
@@ -5414,14 +5003,14 @@
       </p:grpSpPr>
       <p:sp>
         <p:nvSpPr>
-          <p:cNvPr id="88" name="CustomShape 1"/>
+          <p:cNvPr id="82" name="CustomShape 1"/>
           <p:cNvSpPr/>
           <p:nvPr/>
         </p:nvSpPr>
         <p:spPr>
           <a:xfrm>
             <a:off x="323640" y="5589360"/>
-            <a:ext cx="3332880" cy="649440"/>
+            <a:ext cx="3332520" cy="649080"/>
           </a:xfrm>
           <a:prstGeom prst="rect">
             <a:avLst/>
@@ -5440,82 +5029,14 @@
       </p:sp>
       <p:sp>
         <p:nvSpPr>
-          <p:cNvPr id="89" name="TextShape 2"/>
-          <p:cNvSpPr txBox="1"/>
-          <p:nvPr/>
-        </p:nvSpPr>
-        <p:spPr>
-          <a:xfrm>
-            <a:off x="685800" y="1628640"/>
-            <a:ext cx="7772040" cy="2043360"/>
-          </a:xfrm>
-          <a:prstGeom prst="rect">
-            <a:avLst/>
-          </a:prstGeom>
-          <a:noFill/>
-          <a:ln>
-            <a:noFill/>
-          </a:ln>
-        </p:spPr>
-        <p:txBody>
-          <a:bodyPr anchor="ctr">
-            <a:noAutofit/>
-          </a:bodyPr>
-          <a:p>
-            <a:pPr algn="ctr">
-              <a:lnSpc>
-                <a:spcPct val="150000"/>
-              </a:lnSpc>
-            </a:pPr>
-            <a:r>
-              <a:rPr b="0" lang="en-US" sz="4400" spc="-1" strike="noStrike">
-                <a:solidFill>
-                  <a:srgbClr val="595959"/>
-                </a:solidFill>
-                <a:latin typeface="微软雅黑"/>
-                <a:ea typeface="微软雅黑"/>
-              </a:rPr>
-              <a:t>Flink</a:t>
-            </a:r>
-            <a:r>
-              <a:rPr b="0" lang="en-US" sz="4400" spc="-1" strike="noStrike">
-                <a:solidFill>
-                  <a:srgbClr val="595959"/>
-                </a:solidFill>
-                <a:latin typeface="微软雅黑"/>
-                <a:ea typeface="微软雅黑"/>
-              </a:rPr>
-              <a:t> </a:t>
-            </a:r>
-            <a:r>
-              <a:rPr b="0" lang="zh-CN" sz="4400" spc="-1" strike="noStrike">
-                <a:solidFill>
-                  <a:srgbClr val="595959"/>
-                </a:solidFill>
-                <a:latin typeface="微软雅黑"/>
-                <a:ea typeface="微软雅黑"/>
-              </a:rPr>
-              <a:t>状态管理</a:t>
-            </a:r>
-            <a:endParaRPr b="0" lang="en-US" sz="4400" spc="-1" strike="noStrike">
-              <a:solidFill>
-                <a:srgbClr val="000000"/>
-              </a:solidFill>
-              <a:latin typeface="Calibri"/>
-            </a:endParaRPr>
-          </a:p>
-        </p:txBody>
-      </p:sp>
-      <p:sp>
-        <p:nvSpPr>
-          <p:cNvPr id="90" name="CustomShape 3"/>
+          <p:cNvPr id="83" name="CustomShape 2"/>
           <p:cNvSpPr/>
           <p:nvPr/>
         </p:nvSpPr>
         <p:spPr>
           <a:xfrm>
-            <a:off x="4428000" y="4005000"/>
-            <a:ext cx="3528000" cy="1037520"/>
+            <a:off x="685800" y="1628640"/>
+            <a:ext cx="7771680" cy="2043000"/>
           </a:xfrm>
           <a:prstGeom prst="rect">
             <a:avLst/>
@@ -5532,7 +5053,68 @@
           <a:fontRef idx="minor"/>
         </p:style>
         <p:txBody>
-          <a:bodyPr anchor="ctr">
+          <a:bodyPr lIns="90000" rIns="90000" tIns="45000" bIns="45000" anchor="ctr">
+            <a:noAutofit/>
+          </a:bodyPr>
+          <a:p>
+            <a:pPr algn="ctr">
+              <a:lnSpc>
+                <a:spcPct val="150000"/>
+              </a:lnSpc>
+            </a:pPr>
+            <a:r>
+              <a:rPr b="0" lang="en-US" sz="4400" spc="-1" strike="noStrike">
+                <a:solidFill>
+                  <a:srgbClr val="595959"/>
+                </a:solidFill>
+                <a:latin typeface="微软雅黑"/>
+                <a:ea typeface="微软雅黑"/>
+              </a:rPr>
+              <a:t>Flink </a:t>
+            </a:r>
+            <a:r>
+              <a:rPr b="0" lang="zh-CN" sz="4400" spc="-1" strike="noStrike">
+                <a:solidFill>
+                  <a:srgbClr val="595959"/>
+                </a:solidFill>
+                <a:latin typeface="微软雅黑"/>
+                <a:ea typeface="微软雅黑"/>
+              </a:rPr>
+              <a:t>状态管理</a:t>
+            </a:r>
+            <a:endParaRPr b="0" lang="en-US" sz="4400" spc="-1" strike="noStrike">
+              <a:latin typeface="Arial"/>
+            </a:endParaRPr>
+          </a:p>
+        </p:txBody>
+      </p:sp>
+      <p:sp>
+        <p:nvSpPr>
+          <p:cNvPr id="84" name="CustomShape 3"/>
+          <p:cNvSpPr/>
+          <p:nvPr/>
+        </p:nvSpPr>
+        <p:spPr>
+          <a:xfrm>
+            <a:off x="4428000" y="4005000"/>
+            <a:ext cx="3527640" cy="1037160"/>
+          </a:xfrm>
+          <a:prstGeom prst="rect">
+            <a:avLst/>
+          </a:prstGeom>
+          <a:noFill/>
+          <a:ln>
+            <a:noFill/>
+          </a:ln>
+        </p:spPr>
+        <p:style>
+          <a:lnRef idx="0"/>
+          <a:fillRef idx="0"/>
+          <a:effectRef idx="0"/>
+          <a:fontRef idx="minor"/>
+        </p:style>
+        <p:txBody>
+          <a:bodyPr lIns="90000" rIns="90000" tIns="45000" bIns="45000" anchor="ctr">
             <a:normAutofit/>
           </a:bodyPr>
           <a:p>
@@ -5589,14 +5171,14 @@
       </p:grpSpPr>
       <p:sp>
         <p:nvSpPr>
-          <p:cNvPr id="109" name="CustomShape 1"/>
+          <p:cNvPr id="103" name="CustomShape 1"/>
           <p:cNvSpPr/>
           <p:nvPr/>
         </p:nvSpPr>
         <p:spPr>
           <a:xfrm>
             <a:off x="457200" y="620640"/>
-            <a:ext cx="8229240" cy="1142640"/>
+            <a:ext cx="8228880" cy="1142280"/>
           </a:xfrm>
           <a:prstGeom prst="rect">
             <a:avLst/>
@@ -5613,7 +5195,7 @@
           <a:fontRef idx="minor"/>
         </p:style>
         <p:txBody>
-          <a:bodyPr anchor="ctr">
+          <a:bodyPr lIns="90000" rIns="90000" tIns="45000" bIns="45000" anchor="ctr">
             <a:normAutofit/>
           </a:bodyPr>
           <a:p>
@@ -5640,14 +5222,14 @@
       </p:sp>
       <p:sp>
         <p:nvSpPr>
-          <p:cNvPr id="110" name="CustomShape 2"/>
+          <p:cNvPr id="104" name="CustomShape 2"/>
           <p:cNvSpPr/>
           <p:nvPr/>
         </p:nvSpPr>
         <p:spPr>
           <a:xfrm>
             <a:off x="827640" y="1700640"/>
-            <a:ext cx="7416360" cy="719640"/>
+            <a:ext cx="7416000" cy="719280"/>
           </a:xfrm>
           <a:prstGeom prst="rect">
             <a:avLst/>
@@ -5668,7 +5250,7 @@
             <a:noAutofit/>
           </a:bodyPr>
           <a:p>
-            <a:pPr marL="343080" indent="-342720">
+            <a:pPr marL="343080" indent="-342360">
               <a:lnSpc>
                 <a:spcPct val="200000"/>
               </a:lnSpc>
@@ -5696,7 +5278,7 @@
       </p:sp>
       <p:pic>
         <p:nvPicPr>
-          <p:cNvPr id="111" name="Picture 2" descr=""/>
+          <p:cNvPr id="105" name="Picture 2" descr=""/>
           <p:cNvPicPr/>
           <p:nvPr/>
         </p:nvPicPr>
@@ -5707,7 +5289,7 @@
         <p:spPr>
           <a:xfrm>
             <a:off x="1073880" y="2421000"/>
-            <a:ext cx="6923880" cy="1253160"/>
+            <a:ext cx="6923520" cy="1252800"/>
           </a:xfrm>
           <a:prstGeom prst="rect">
             <a:avLst/>
@@ -5719,14 +5301,14 @@
       </p:pic>
       <p:sp>
         <p:nvSpPr>
-          <p:cNvPr id="112" name="CustomShape 3"/>
+          <p:cNvPr id="106" name="CustomShape 3"/>
           <p:cNvSpPr/>
           <p:nvPr/>
         </p:nvSpPr>
         <p:spPr>
           <a:xfrm>
             <a:off x="827640" y="3789000"/>
-            <a:ext cx="7416360" cy="719640"/>
+            <a:ext cx="7416000" cy="719280"/>
           </a:xfrm>
           <a:prstGeom prst="rect">
             <a:avLst/>
@@ -5747,7 +5329,7 @@
             <a:noAutofit/>
           </a:bodyPr>
           <a:p>
-            <a:pPr marL="343080" indent="-342720">
+            <a:pPr marL="343080" indent="-342360">
               <a:lnSpc>
                 <a:spcPct val="200000"/>
               </a:lnSpc>
@@ -5775,14 +5357,14 @@
       </p:sp>
       <p:sp>
         <p:nvSpPr>
-          <p:cNvPr id="113" name="CustomShape 4"/>
+          <p:cNvPr id="107" name="CustomShape 4"/>
           <p:cNvSpPr/>
           <p:nvPr/>
         </p:nvSpPr>
         <p:spPr>
           <a:xfrm>
             <a:off x="827640" y="4869000"/>
-            <a:ext cx="7416360" cy="719640"/>
+            <a:ext cx="7416000" cy="719280"/>
           </a:xfrm>
           <a:prstGeom prst="rect">
             <a:avLst/>
@@ -5803,7 +5385,7 @@
             <a:noAutofit/>
           </a:bodyPr>
           <a:p>
-            <a:pPr marL="343080" indent="-342720">
+            <a:pPr marL="343080" indent="-342360">
               <a:lnSpc>
                 <a:spcPct val="200000"/>
               </a:lnSpc>
@@ -5831,7 +5413,7 @@
       </p:sp>
       <p:pic>
         <p:nvPicPr>
-          <p:cNvPr id="114" name="Picture 3" descr=""/>
+          <p:cNvPr id="108" name="Picture 3" descr=""/>
           <p:cNvPicPr/>
           <p:nvPr/>
         </p:nvPicPr>
@@ -5842,7 +5424,7 @@
         <p:spPr>
           <a:xfrm>
             <a:off x="2417760" y="4470480"/>
-            <a:ext cx="3312000" cy="391680"/>
+            <a:ext cx="3311640" cy="391320"/>
           </a:xfrm>
           <a:prstGeom prst="rect">
             <a:avLst/>
@@ -5854,7 +5436,7 @@
       </p:pic>
       <p:pic>
         <p:nvPicPr>
-          <p:cNvPr id="115" name="Picture 4" descr=""/>
+          <p:cNvPr id="109" name="Picture 4" descr=""/>
           <p:cNvPicPr/>
           <p:nvPr/>
         </p:nvPicPr>
@@ -5865,7 +5447,7 @@
         <p:spPr>
           <a:xfrm>
             <a:off x="2386800" y="5589360"/>
-            <a:ext cx="3702960" cy="315720"/>
+            <a:ext cx="3702600" cy="315360"/>
           </a:xfrm>
           <a:prstGeom prst="rect">
             <a:avLst/>
@@ -5907,14 +5489,14 @@
       </p:grpSpPr>
       <p:sp>
         <p:nvSpPr>
-          <p:cNvPr id="116" name="CustomShape 1"/>
+          <p:cNvPr id="110" name="CustomShape 1"/>
           <p:cNvSpPr/>
           <p:nvPr/>
         </p:nvSpPr>
         <p:spPr>
           <a:xfrm>
             <a:off x="457200" y="620640"/>
-            <a:ext cx="8229240" cy="1142640"/>
+            <a:ext cx="8228880" cy="1142280"/>
           </a:xfrm>
           <a:prstGeom prst="rect">
             <a:avLst/>
@@ -5931,7 +5513,7 @@
           <a:fontRef idx="minor"/>
         </p:style>
         <p:txBody>
-          <a:bodyPr anchor="ctr">
+          <a:bodyPr lIns="90000" rIns="90000" tIns="45000" bIns="45000" anchor="ctr">
             <a:normAutofit/>
           </a:bodyPr>
           <a:p>
@@ -5978,14 +5560,14 @@
       </p:sp>
       <p:sp>
         <p:nvSpPr>
-          <p:cNvPr id="117" name="CustomShape 2"/>
+          <p:cNvPr id="111" name="CustomShape 2"/>
           <p:cNvSpPr/>
           <p:nvPr/>
         </p:nvSpPr>
         <p:spPr>
           <a:xfrm>
             <a:off x="827640" y="1763640"/>
-            <a:ext cx="7416360" cy="4689360"/>
+            <a:ext cx="7416000" cy="4689000"/>
           </a:xfrm>
           <a:prstGeom prst="rect">
             <a:avLst/>
@@ -6006,7 +5588,7 @@
             <a:noAutofit/>
           </a:bodyPr>
           <a:p>
-            <a:pPr marL="343080" indent="-342720">
+            <a:pPr marL="343080" indent="-342360">
               <a:lnSpc>
                 <a:spcPct val="200000"/>
               </a:lnSpc>
@@ -6031,7 +5613,7 @@
             </a:endParaRPr>
           </a:p>
           <a:p>
-            <a:pPr marL="343080" indent="-342720">
+            <a:pPr marL="343080" indent="-342360">
               <a:lnSpc>
                 <a:spcPct val="200000"/>
               </a:lnSpc>
@@ -6056,7 +5638,7 @@
             </a:endParaRPr>
           </a:p>
           <a:p>
-            <a:pPr marL="343080" indent="-342720">
+            <a:pPr marL="343080" indent="-342360">
               <a:lnSpc>
                 <a:spcPct val="200000"/>
               </a:lnSpc>
@@ -6121,7 +5703,7 @@
             </a:endParaRPr>
           </a:p>
           <a:p>
-            <a:pPr marL="343080" indent="-342720">
+            <a:pPr marL="343080" indent="-342360">
               <a:lnSpc>
                 <a:spcPct val="200000"/>
               </a:lnSpc>
@@ -6199,14 +5781,14 @@
       </p:grpSpPr>
       <p:sp>
         <p:nvSpPr>
-          <p:cNvPr id="118" name="CustomShape 1"/>
+          <p:cNvPr id="112" name="CustomShape 1"/>
           <p:cNvSpPr/>
           <p:nvPr/>
         </p:nvSpPr>
         <p:spPr>
           <a:xfrm>
             <a:off x="457200" y="620640"/>
-            <a:ext cx="8229240" cy="1142640"/>
+            <a:ext cx="8228880" cy="1142280"/>
           </a:xfrm>
           <a:prstGeom prst="rect">
             <a:avLst/>
@@ -6223,7 +5805,7 @@
           <a:fontRef idx="minor"/>
         </p:style>
         <p:txBody>
-          <a:bodyPr anchor="ctr">
+          <a:bodyPr lIns="90000" rIns="90000" tIns="45000" bIns="45000" anchor="ctr">
             <a:normAutofit/>
           </a:bodyPr>
           <a:p>
@@ -6250,14 +5832,14 @@
       </p:sp>
       <p:sp>
         <p:nvSpPr>
-          <p:cNvPr id="119" name="CustomShape 2"/>
+          <p:cNvPr id="113" name="CustomShape 2"/>
           <p:cNvSpPr/>
           <p:nvPr/>
         </p:nvSpPr>
         <p:spPr>
           <a:xfrm>
             <a:off x="827640" y="1556640"/>
-            <a:ext cx="7416360" cy="4689360"/>
+            <a:ext cx="7416000" cy="4689000"/>
           </a:xfrm>
           <a:prstGeom prst="rect">
             <a:avLst/>
@@ -6278,7 +5860,7 @@
             <a:noAutofit/>
           </a:bodyPr>
           <a:p>
-            <a:pPr marL="285840" indent="-285480">
+            <a:pPr marL="285840" indent="-285120">
               <a:lnSpc>
                 <a:spcPct val="200000"/>
               </a:lnSpc>
@@ -6303,7 +5885,7 @@
             </a:endParaRPr>
           </a:p>
           <a:p>
-            <a:pPr marL="285840" indent="-285480">
+            <a:pPr marL="285840" indent="-285120">
               <a:lnSpc>
                 <a:spcPct val="180000"/>
               </a:lnSpc>
@@ -6408,7 +5990,7 @@
             </a:endParaRPr>
           </a:p>
           <a:p>
-            <a:pPr marL="285840" indent="-285480">
+            <a:pPr marL="285840" indent="-285120">
               <a:lnSpc>
                 <a:spcPct val="180000"/>
               </a:lnSpc>
@@ -6433,7 +6015,7 @@
             </a:endParaRPr>
           </a:p>
           <a:p>
-            <a:pPr marL="285840" indent="-285480">
+            <a:pPr marL="285840" indent="-285120">
               <a:lnSpc>
                 <a:spcPct val="200000"/>
               </a:lnSpc>
@@ -6458,7 +6040,7 @@
             </a:endParaRPr>
           </a:p>
           <a:p>
-            <a:pPr marL="285840" indent="-285480">
+            <a:pPr marL="285840" indent="-285120">
               <a:lnSpc>
                 <a:spcPct val="180000"/>
               </a:lnSpc>
@@ -6583,7 +6165,7 @@
             </a:endParaRPr>
           </a:p>
           <a:p>
-            <a:pPr marL="285840" indent="-285480">
+            <a:pPr marL="285840" indent="-285120">
               <a:lnSpc>
                 <a:spcPct val="180000"/>
               </a:lnSpc>
@@ -6608,7 +6190,7 @@
             </a:endParaRPr>
           </a:p>
           <a:p>
-            <a:pPr marL="285840" indent="-285480">
+            <a:pPr marL="285840" indent="-285120">
               <a:lnSpc>
                 <a:spcPct val="200000"/>
               </a:lnSpc>
@@ -6633,7 +6215,7 @@
             </a:endParaRPr>
           </a:p>
           <a:p>
-            <a:pPr marL="285840" indent="-285480">
+            <a:pPr marL="285840" indent="-285120">
               <a:lnSpc>
                 <a:spcPct val="180000"/>
               </a:lnSpc>
@@ -6721,14 +6303,14 @@
       </p:grpSpPr>
       <p:sp>
         <p:nvSpPr>
-          <p:cNvPr id="120" name="CustomShape 1"/>
+          <p:cNvPr id="114" name="CustomShape 1"/>
           <p:cNvSpPr/>
           <p:nvPr/>
         </p:nvSpPr>
         <p:spPr>
           <a:xfrm>
             <a:off x="3132000" y="2565000"/>
-            <a:ext cx="2808000" cy="1309320"/>
+            <a:ext cx="2807640" cy="1308960"/>
           </a:xfrm>
           <a:prstGeom prst="rect">
             <a:avLst/>
@@ -6760,6 +6342,7 @@
                   <a:srgbClr val="000000"/>
                 </a:solidFill>
                 <a:latin typeface="Calibri"/>
+                <a:ea typeface="DejaVu Sans"/>
               </a:rPr>
               <a:t>Q &amp; A</a:t>
             </a:r>
@@ -6801,14 +6384,14 @@
       </p:grpSpPr>
       <p:sp>
         <p:nvSpPr>
-          <p:cNvPr id="91" name="CustomShape 1"/>
+          <p:cNvPr id="85" name="CustomShape 1"/>
           <p:cNvSpPr/>
           <p:nvPr/>
         </p:nvSpPr>
         <p:spPr>
           <a:xfrm>
             <a:off x="457200" y="620640"/>
-            <a:ext cx="8229240" cy="1142640"/>
+            <a:ext cx="8228880" cy="1142280"/>
           </a:xfrm>
           <a:prstGeom prst="rect">
             <a:avLst/>
@@ -6825,7 +6408,7 @@
           <a:fontRef idx="minor"/>
         </p:style>
         <p:txBody>
-          <a:bodyPr anchor="ctr">
+          <a:bodyPr lIns="90000" rIns="90000" tIns="45000" bIns="45000" anchor="ctr">
             <a:normAutofit/>
           </a:bodyPr>
           <a:p>
@@ -6852,14 +6435,14 @@
       </p:sp>
       <p:sp>
         <p:nvSpPr>
-          <p:cNvPr id="92" name="CustomShape 2"/>
+          <p:cNvPr id="86" name="CustomShape 2"/>
           <p:cNvSpPr/>
           <p:nvPr/>
         </p:nvSpPr>
         <p:spPr>
           <a:xfrm>
             <a:off x="827640" y="1845000"/>
-            <a:ext cx="7416360" cy="3888000"/>
+            <a:ext cx="7416000" cy="3887640"/>
           </a:xfrm>
           <a:prstGeom prst="rect">
             <a:avLst/>
@@ -6880,7 +6463,7 @@
             <a:noAutofit/>
           </a:bodyPr>
           <a:p>
-            <a:pPr marL="343080" indent="-342720">
+            <a:pPr marL="343080" indent="-342360">
               <a:lnSpc>
                 <a:spcPct val="200000"/>
               </a:lnSpc>
@@ -6915,7 +6498,7 @@
             </a:endParaRPr>
           </a:p>
           <a:p>
-            <a:pPr marL="343080" indent="-342720">
+            <a:pPr marL="343080" indent="-342360">
               <a:lnSpc>
                 <a:spcPct val="200000"/>
               </a:lnSpc>
@@ -6960,7 +6543,7 @@
             </a:endParaRPr>
           </a:p>
           <a:p>
-            <a:pPr marL="343080" indent="-342720">
+            <a:pPr marL="343080" indent="-342360">
               <a:lnSpc>
                 <a:spcPct val="200000"/>
               </a:lnSpc>
@@ -7005,7 +6588,7 @@
             </a:endParaRPr>
           </a:p>
           <a:p>
-            <a:pPr marL="343080" indent="-342720">
+            <a:pPr marL="343080" indent="-342360">
               <a:lnSpc>
                 <a:spcPct val="200000"/>
               </a:lnSpc>
@@ -7083,14 +6666,14 @@
       </p:grpSpPr>
       <p:sp>
         <p:nvSpPr>
-          <p:cNvPr id="93" name="TextShape 1"/>
-          <p:cNvSpPr txBox="1"/>
+          <p:cNvPr id="87" name="CustomShape 1"/>
+          <p:cNvSpPr/>
           <p:nvPr/>
         </p:nvSpPr>
         <p:spPr>
           <a:xfrm>
             <a:off x="1224000" y="1656000"/>
-            <a:ext cx="7191000" cy="3174120"/>
+            <a:ext cx="7190640" cy="3173760"/>
           </a:xfrm>
           <a:prstGeom prst="rect">
             <a:avLst/>
@@ -7100,11 +6683,22 @@
             <a:noFill/>
           </a:ln>
         </p:spPr>
+        <p:style>
+          <a:lnRef idx="0"/>
+          <a:fillRef idx="0"/>
+          <a:effectRef idx="0"/>
+          <a:fontRef idx="minor"/>
+        </p:style>
         <p:txBody>
           <a:bodyPr lIns="90000" rIns="90000" tIns="45000" bIns="45000">
             <a:noAutofit/>
           </a:bodyPr>
           <a:p>
+            <a:pPr>
+              <a:lnSpc>
+                <a:spcPct val="100000"/>
+              </a:lnSpc>
+            </a:pPr>
             <a:r>
               <a:rPr b="0" lang="en-US" sz="1800" spc="-1" strike="noStrike">
                 <a:latin typeface="Arial"/>
@@ -7128,11 +6722,21 @@
             </a:endParaRPr>
           </a:p>
           <a:p>
+            <a:pPr>
+              <a:lnSpc>
+                <a:spcPct val="100000"/>
+              </a:lnSpc>
+            </a:pPr>
             <a:endParaRPr b="0" lang="en-US" sz="1800" spc="-1" strike="noStrike">
               <a:latin typeface="Arial"/>
             </a:endParaRPr>
           </a:p>
           <a:p>
+            <a:pPr>
+              <a:lnSpc>
+                <a:spcPct val="100000"/>
+              </a:lnSpc>
+            </a:pPr>
             <a:r>
               <a:rPr b="0" lang="en-US" sz="1800" spc="-1" strike="noStrike">
                 <a:latin typeface="Arial"/>
@@ -7156,11 +6760,21 @@
             </a:endParaRPr>
           </a:p>
           <a:p>
+            <a:pPr>
+              <a:lnSpc>
+                <a:spcPct val="100000"/>
+              </a:lnSpc>
+            </a:pPr>
             <a:endParaRPr b="0" lang="en-US" sz="1800" spc="-1" strike="noStrike">
               <a:latin typeface="Arial"/>
             </a:endParaRPr>
           </a:p>
           <a:p>
+            <a:pPr>
+              <a:lnSpc>
+                <a:spcPct val="100000"/>
+              </a:lnSpc>
+            </a:pPr>
             <a:r>
               <a:rPr b="0" lang="en-US" sz="1800" spc="-1" strike="noStrike">
                 <a:latin typeface="Arial"/>
@@ -7178,6 +6792,11 @@
             </a:endParaRPr>
           </a:p>
           <a:p>
+            <a:pPr>
+              <a:lnSpc>
+                <a:spcPct val="100000"/>
+              </a:lnSpc>
+            </a:pPr>
             <a:r>
               <a:rPr b="0" lang="en-US" sz="1800" spc="-1" strike="noStrike">
                 <a:latin typeface="Arial"/>
@@ -7195,6 +6814,11 @@
             </a:endParaRPr>
           </a:p>
           <a:p>
+            <a:pPr>
+              <a:lnSpc>
+                <a:spcPct val="100000"/>
+              </a:lnSpc>
+            </a:pPr>
             <a:r>
               <a:rPr b="0" lang="en-US" sz="1800" spc="-1" strike="noStrike">
                 <a:latin typeface="Arial"/>
@@ -7212,6 +6836,11 @@
             </a:endParaRPr>
           </a:p>
           <a:p>
+            <a:pPr>
+              <a:lnSpc>
+                <a:spcPct val="100000"/>
+              </a:lnSpc>
+            </a:pPr>
             <a:r>
               <a:rPr b="0" lang="en-US" sz="1800" spc="-1" strike="noStrike">
                 <a:latin typeface="Arial"/>
@@ -7229,11 +6858,21 @@
             </a:endParaRPr>
           </a:p>
           <a:p>
+            <a:pPr>
+              <a:lnSpc>
+                <a:spcPct val="100000"/>
+              </a:lnSpc>
+            </a:pPr>
             <a:endParaRPr b="0" lang="en-US" sz="1800" spc="-1" strike="noStrike">
               <a:latin typeface="Arial"/>
             </a:endParaRPr>
           </a:p>
           <a:p>
+            <a:pPr>
+              <a:lnSpc>
+                <a:spcPct val="100000"/>
+              </a:lnSpc>
+            </a:pPr>
             <a:r>
               <a:rPr b="0" lang="en-US" sz="1800" spc="-1" strike="noStrike">
                 <a:latin typeface="Arial"/>
@@ -7290,14 +6929,14 @@
       </p:grpSpPr>
       <p:sp>
         <p:nvSpPr>
-          <p:cNvPr id="94" name="CustomShape 1"/>
+          <p:cNvPr id="88" name="CustomShape 1"/>
           <p:cNvSpPr/>
           <p:nvPr/>
         </p:nvSpPr>
         <p:spPr>
           <a:xfrm>
             <a:off x="457200" y="620640"/>
-            <a:ext cx="8229240" cy="1142640"/>
+            <a:ext cx="8228880" cy="1142280"/>
           </a:xfrm>
           <a:prstGeom prst="rect">
             <a:avLst/>
@@ -7314,7 +6953,7 @@
           <a:fontRef idx="minor"/>
         </p:style>
         <p:txBody>
-          <a:bodyPr anchor="ctr">
+          <a:bodyPr lIns="90000" rIns="90000" tIns="45000" bIns="45000" anchor="ctr">
             <a:normAutofit/>
           </a:bodyPr>
           <a:p>
@@ -7351,14 +6990,14 @@
       </p:sp>
       <p:sp>
         <p:nvSpPr>
-          <p:cNvPr id="95" name="CustomShape 2"/>
+          <p:cNvPr id="89" name="CustomShape 2"/>
           <p:cNvSpPr/>
           <p:nvPr/>
         </p:nvSpPr>
         <p:spPr>
           <a:xfrm>
             <a:off x="827640" y="4005000"/>
-            <a:ext cx="7416360" cy="2304000"/>
+            <a:ext cx="7416000" cy="2303640"/>
           </a:xfrm>
           <a:prstGeom prst="rect">
             <a:avLst/>
@@ -7379,7 +7018,7 @@
             <a:noAutofit/>
           </a:bodyPr>
           <a:p>
-            <a:pPr marL="343080" indent="-342720">
+            <a:pPr marL="343080" indent="-342360">
               <a:lnSpc>
                 <a:spcPct val="180000"/>
               </a:lnSpc>
@@ -7404,7 +7043,7 @@
             </a:endParaRPr>
           </a:p>
           <a:p>
-            <a:pPr marL="343080" indent="-342720">
+            <a:pPr marL="343080" indent="-342360">
               <a:lnSpc>
                 <a:spcPct val="180000"/>
               </a:lnSpc>
@@ -7429,7 +7068,7 @@
             </a:endParaRPr>
           </a:p>
           <a:p>
-            <a:pPr marL="343080" indent="-342720">
+            <a:pPr marL="343080" indent="-342360">
               <a:lnSpc>
                 <a:spcPct val="180000"/>
               </a:lnSpc>
@@ -7467,7 +7106,7 @@
       </p:sp>
       <p:pic>
         <p:nvPicPr>
-          <p:cNvPr id="96" name="图片 6" descr=""/>
+          <p:cNvPr id="90" name="图片 6" descr=""/>
           <p:cNvPicPr/>
           <p:nvPr/>
         </p:nvPicPr>
@@ -7478,7 +7117,7 @@
         <p:spPr>
           <a:xfrm>
             <a:off x="2051640" y="1700640"/>
-            <a:ext cx="4968360" cy="2037240"/>
+            <a:ext cx="4968000" cy="2036880"/>
           </a:xfrm>
           <a:prstGeom prst="rect">
             <a:avLst/>
@@ -7520,14 +7159,14 @@
       </p:grpSpPr>
       <p:sp>
         <p:nvSpPr>
-          <p:cNvPr id="97" name="CustomShape 1"/>
+          <p:cNvPr id="91" name="CustomShape 1"/>
           <p:cNvSpPr/>
           <p:nvPr/>
         </p:nvSpPr>
         <p:spPr>
           <a:xfrm>
             <a:off x="457200" y="620640"/>
-            <a:ext cx="8229240" cy="1142640"/>
+            <a:ext cx="8228880" cy="1142280"/>
           </a:xfrm>
           <a:prstGeom prst="rect">
             <a:avLst/>
@@ -7544,7 +7183,7 @@
           <a:fontRef idx="minor"/>
         </p:style>
         <p:txBody>
-          <a:bodyPr anchor="ctr">
+          <a:bodyPr lIns="90000" rIns="90000" tIns="45000" bIns="45000" anchor="ctr">
             <a:normAutofit/>
           </a:bodyPr>
           <a:p>
@@ -7581,14 +7220,14 @@
       </p:sp>
       <p:sp>
         <p:nvSpPr>
-          <p:cNvPr id="98" name="CustomShape 2"/>
+          <p:cNvPr id="92" name="CustomShape 2"/>
           <p:cNvSpPr/>
           <p:nvPr/>
         </p:nvSpPr>
         <p:spPr>
           <a:xfrm>
             <a:off x="827640" y="1763640"/>
-            <a:ext cx="7416360" cy="4689360"/>
+            <a:ext cx="7416000" cy="4689000"/>
           </a:xfrm>
           <a:prstGeom prst="rect">
             <a:avLst/>
@@ -7609,7 +7248,7 @@
             <a:noAutofit/>
           </a:bodyPr>
           <a:p>
-            <a:pPr marL="343080" indent="-342720">
+            <a:pPr marL="343080" indent="-342360">
               <a:lnSpc>
                 <a:spcPct val="200000"/>
               </a:lnSpc>
@@ -7664,7 +7303,7 @@
             </a:endParaRPr>
           </a:p>
           <a:p>
-            <a:pPr marL="343080" indent="-342720">
+            <a:pPr marL="343080" indent="-342360">
               <a:lnSpc>
                 <a:spcPct val="200000"/>
               </a:lnSpc>
@@ -7709,7 +7348,7 @@
             </a:endParaRPr>
           </a:p>
           <a:p>
-            <a:pPr marL="285840" indent="-285480">
+            <a:pPr marL="285840" indent="-285120">
               <a:lnSpc>
                 <a:spcPct val="200000"/>
               </a:lnSpc>
@@ -7737,7 +7376,7 @@
             </a:endParaRPr>
           </a:p>
           <a:p>
-            <a:pPr marL="343080" indent="-342720">
+            <a:pPr marL="343080" indent="-342360">
               <a:lnSpc>
                 <a:spcPct val="200000"/>
               </a:lnSpc>
@@ -7782,7 +7421,7 @@
             </a:endParaRPr>
           </a:p>
           <a:p>
-            <a:pPr lvl="1" marL="800280" indent="-342720">
+            <a:pPr lvl="1" marL="800280" indent="-342360">
               <a:lnSpc>
                 <a:spcPct val="200000"/>
               </a:lnSpc>
@@ -7807,7 +7446,7 @@
             </a:endParaRPr>
           </a:p>
           <a:p>
-            <a:pPr marL="343080" indent="-342720">
+            <a:pPr marL="343080" indent="-342360">
               <a:lnSpc>
                 <a:spcPct val="200000"/>
               </a:lnSpc>
@@ -7852,7 +7491,7 @@
             </a:endParaRPr>
           </a:p>
           <a:p>
-            <a:pPr lvl="1" marL="800280" indent="-342720">
+            <a:pPr lvl="1" marL="800280" indent="-342360">
               <a:lnSpc>
                 <a:spcPct val="200000"/>
               </a:lnSpc>
@@ -7930,14 +7569,14 @@
       </p:grpSpPr>
       <p:sp>
         <p:nvSpPr>
-          <p:cNvPr id="99" name="CustomShape 1"/>
+          <p:cNvPr id="93" name="CustomShape 1"/>
           <p:cNvSpPr/>
           <p:nvPr/>
         </p:nvSpPr>
         <p:spPr>
           <a:xfrm>
             <a:off x="457200" y="620640"/>
-            <a:ext cx="8229240" cy="1142640"/>
+            <a:ext cx="8228880" cy="1142280"/>
           </a:xfrm>
           <a:prstGeom prst="rect">
             <a:avLst/>
@@ -7954,7 +7593,7 @@
           <a:fontRef idx="minor"/>
         </p:style>
         <p:txBody>
-          <a:bodyPr anchor="ctr">
+          <a:bodyPr lIns="90000" rIns="90000" tIns="45000" bIns="45000" anchor="ctr">
             <a:normAutofit/>
           </a:bodyPr>
           <a:p>
@@ -8001,14 +7640,14 @@
       </p:sp>
       <p:sp>
         <p:nvSpPr>
-          <p:cNvPr id="100" name="CustomShape 2"/>
+          <p:cNvPr id="94" name="CustomShape 2"/>
           <p:cNvSpPr/>
           <p:nvPr/>
         </p:nvSpPr>
         <p:spPr>
           <a:xfrm>
             <a:off x="827640" y="4581000"/>
-            <a:ext cx="7416360" cy="1671840"/>
+            <a:ext cx="7416000" cy="1671480"/>
           </a:xfrm>
           <a:prstGeom prst="rect">
             <a:avLst/>
@@ -8029,7 +7668,7 @@
             <a:noAutofit/>
           </a:bodyPr>
           <a:p>
-            <a:pPr marL="343080" indent="-342720">
+            <a:pPr marL="343080" indent="-342360">
               <a:lnSpc>
                 <a:spcPct val="180000"/>
               </a:lnSpc>
@@ -8054,7 +7693,7 @@
             </a:endParaRPr>
           </a:p>
           <a:p>
-            <a:pPr marL="343080" indent="-342720">
+            <a:pPr marL="343080" indent="-342360">
               <a:lnSpc>
                 <a:spcPct val="180000"/>
               </a:lnSpc>
@@ -8079,7 +7718,7 @@
             </a:endParaRPr>
           </a:p>
           <a:p>
-            <a:pPr marL="343080" indent="-342720">
+            <a:pPr marL="343080" indent="-342360">
               <a:lnSpc>
                 <a:spcPct val="180000"/>
               </a:lnSpc>
@@ -8107,7 +7746,7 @@
       </p:sp>
       <p:pic>
         <p:nvPicPr>
-          <p:cNvPr id="101" name="图片 3" descr=""/>
+          <p:cNvPr id="95" name="图片 3" descr=""/>
           <p:cNvPicPr/>
           <p:nvPr/>
         </p:nvPicPr>
@@ -8118,7 +7757,7 @@
         <p:spPr>
           <a:xfrm>
             <a:off x="2555640" y="1556640"/>
-            <a:ext cx="3778560" cy="3008160"/>
+            <a:ext cx="3778200" cy="3007800"/>
           </a:xfrm>
           <a:prstGeom prst="rect">
             <a:avLst/>
@@ -8160,14 +7799,14 @@
       </p:grpSpPr>
       <p:sp>
         <p:nvSpPr>
-          <p:cNvPr id="102" name="CustomShape 1"/>
+          <p:cNvPr id="96" name="CustomShape 1"/>
           <p:cNvSpPr/>
           <p:nvPr/>
         </p:nvSpPr>
         <p:spPr>
           <a:xfrm>
             <a:off x="457200" y="620640"/>
-            <a:ext cx="8229240" cy="1142640"/>
+            <a:ext cx="8228880" cy="1142280"/>
           </a:xfrm>
           <a:prstGeom prst="rect">
             <a:avLst/>
@@ -8184,7 +7823,7 @@
           <a:fontRef idx="minor"/>
         </p:style>
         <p:txBody>
-          <a:bodyPr anchor="ctr">
+          <a:bodyPr lIns="90000" rIns="90000" tIns="45000" bIns="45000" anchor="ctr">
             <a:normAutofit/>
           </a:bodyPr>
           <a:p>
@@ -8211,14 +7850,14 @@
       </p:sp>
       <p:sp>
         <p:nvSpPr>
-          <p:cNvPr id="103" name="CustomShape 2"/>
+          <p:cNvPr id="97" name="CustomShape 2"/>
           <p:cNvSpPr/>
           <p:nvPr/>
         </p:nvSpPr>
         <p:spPr>
           <a:xfrm>
             <a:off x="827640" y="1700640"/>
-            <a:ext cx="7416360" cy="4536000"/>
+            <a:ext cx="7416000" cy="4535640"/>
           </a:xfrm>
           <a:prstGeom prst="rect">
             <a:avLst/>
@@ -8239,7 +7878,7 @@
             <a:noAutofit/>
           </a:bodyPr>
           <a:p>
-            <a:pPr marL="285840" indent="-285480">
+            <a:pPr marL="285840" indent="-285120">
               <a:lnSpc>
                 <a:spcPct val="200000"/>
               </a:lnSpc>
@@ -8284,7 +7923,7 @@
             </a:endParaRPr>
           </a:p>
           <a:p>
-            <a:pPr lvl="1" marL="800280" indent="-342720">
+            <a:pPr lvl="1" marL="800280" indent="-342360">
               <a:lnSpc>
                 <a:spcPct val="200000"/>
               </a:lnSpc>
@@ -8309,7 +7948,7 @@
             </a:endParaRPr>
           </a:p>
           <a:p>
-            <a:pPr marL="285840" indent="-285480">
+            <a:pPr marL="285840" indent="-285120">
               <a:lnSpc>
                 <a:spcPct val="200000"/>
               </a:lnSpc>
@@ -8354,7 +7993,7 @@
             </a:endParaRPr>
           </a:p>
           <a:p>
-            <a:pPr lvl="1" marL="800280" indent="-342720">
+            <a:pPr lvl="1" marL="800280" indent="-342360">
               <a:lnSpc>
                 <a:spcPct val="200000"/>
               </a:lnSpc>
@@ -8399,7 +8038,7 @@
             </a:endParaRPr>
           </a:p>
           <a:p>
-            <a:pPr marL="285840" indent="-285480">
+            <a:pPr marL="285840" indent="-285120">
               <a:lnSpc>
                 <a:spcPct val="200000"/>
               </a:lnSpc>
@@ -8444,7 +8083,7 @@
             </a:endParaRPr>
           </a:p>
           <a:p>
-            <a:pPr lvl="1" marL="800280" indent="-342720">
+            <a:pPr lvl="1" marL="800280" indent="-342360">
               <a:lnSpc>
                 <a:spcPct val="200000"/>
               </a:lnSpc>
@@ -8512,14 +8151,14 @@
       </p:grpSpPr>
       <p:sp>
         <p:nvSpPr>
-          <p:cNvPr id="104" name="CustomShape 1"/>
+          <p:cNvPr id="98" name="CustomShape 1"/>
           <p:cNvSpPr/>
           <p:nvPr/>
         </p:nvSpPr>
         <p:spPr>
           <a:xfrm>
             <a:off x="457200" y="620640"/>
-            <a:ext cx="8229240" cy="1142640"/>
+            <a:ext cx="8228880" cy="1142280"/>
           </a:xfrm>
           <a:prstGeom prst="rect">
             <a:avLst/>
@@ -8536,7 +8175,7 @@
           <a:fontRef idx="minor"/>
         </p:style>
         <p:txBody>
-          <a:bodyPr anchor="ctr">
+          <a:bodyPr lIns="90000" rIns="90000" tIns="45000" bIns="45000" anchor="ctr">
             <a:normAutofit/>
           </a:bodyPr>
           <a:p>
@@ -8583,14 +8222,14 @@
       </p:sp>
       <p:sp>
         <p:nvSpPr>
-          <p:cNvPr id="105" name="CustomShape 2"/>
+          <p:cNvPr id="99" name="CustomShape 2"/>
           <p:cNvSpPr/>
           <p:nvPr/>
         </p:nvSpPr>
         <p:spPr>
           <a:xfrm>
             <a:off x="827640" y="4437000"/>
-            <a:ext cx="7416360" cy="1671840"/>
+            <a:ext cx="7416000" cy="1671480"/>
           </a:xfrm>
           <a:prstGeom prst="rect">
             <a:avLst/>
@@ -8611,7 +8250,7 @@
             <a:noAutofit/>
           </a:bodyPr>
           <a:p>
-            <a:pPr marL="343080" indent="-342720">
+            <a:pPr marL="343080" indent="-342360">
               <a:lnSpc>
                 <a:spcPct val="180000"/>
               </a:lnSpc>
@@ -8656,7 +8295,7 @@
             </a:endParaRPr>
           </a:p>
           <a:p>
-            <a:pPr marL="343080" indent="-342720">
+            <a:pPr marL="343080" indent="-342360">
               <a:lnSpc>
                 <a:spcPct val="180000"/>
               </a:lnSpc>
@@ -8731,7 +8370,7 @@
             </a:endParaRPr>
           </a:p>
           <a:p>
-            <a:pPr marL="343080" indent="-342720">
+            <a:pPr marL="343080" indent="-342360">
               <a:lnSpc>
                 <a:spcPct val="180000"/>
               </a:lnSpc>
@@ -8769,7 +8408,7 @@
       </p:sp>
       <p:pic>
         <p:nvPicPr>
-          <p:cNvPr id="106" name="图片 4" descr=""/>
+          <p:cNvPr id="100" name="图片 4" descr=""/>
           <p:cNvPicPr/>
           <p:nvPr/>
         </p:nvPicPr>
@@ -8780,7 +8419,7 @@
         <p:spPr>
           <a:xfrm>
             <a:off x="2555640" y="1628640"/>
-            <a:ext cx="3672000" cy="2808000"/>
+            <a:ext cx="3671640" cy="2807640"/>
           </a:xfrm>
           <a:prstGeom prst="rect">
             <a:avLst/>
@@ -8822,14 +8461,14 @@
       </p:grpSpPr>
       <p:sp>
         <p:nvSpPr>
-          <p:cNvPr id="107" name="CustomShape 1"/>
+          <p:cNvPr id="101" name="CustomShape 1"/>
           <p:cNvSpPr/>
           <p:nvPr/>
         </p:nvSpPr>
         <p:spPr>
           <a:xfrm>
             <a:off x="457200" y="620640"/>
-            <a:ext cx="8229240" cy="1142640"/>
+            <a:ext cx="8228880" cy="1142280"/>
           </a:xfrm>
           <a:prstGeom prst="rect">
             <a:avLst/>
@@ -8846,7 +8485,7 @@
           <a:fontRef idx="minor"/>
         </p:style>
         <p:txBody>
-          <a:bodyPr anchor="ctr">
+          <a:bodyPr lIns="90000" rIns="90000" tIns="45000" bIns="45000" anchor="ctr">
             <a:normAutofit/>
           </a:bodyPr>
           <a:p>
@@ -8873,14 +8512,14 @@
       </p:sp>
       <p:sp>
         <p:nvSpPr>
-          <p:cNvPr id="108" name="CustomShape 2"/>
+          <p:cNvPr id="102" name="CustomShape 2"/>
           <p:cNvSpPr/>
           <p:nvPr/>
         </p:nvSpPr>
         <p:spPr>
           <a:xfrm>
             <a:off x="827640" y="1700640"/>
-            <a:ext cx="7416360" cy="4536000"/>
+            <a:ext cx="7416000" cy="4535640"/>
           </a:xfrm>
           <a:prstGeom prst="rect">
             <a:avLst/>
@@ -8901,7 +8540,7 @@
             <a:noAutofit/>
           </a:bodyPr>
           <a:p>
-            <a:pPr marL="285840" indent="-285480">
+            <a:pPr marL="285840" indent="-285120">
               <a:lnSpc>
                 <a:spcPct val="200000"/>
               </a:lnSpc>
@@ -8946,7 +8585,7 @@
             </a:endParaRPr>
           </a:p>
           <a:p>
-            <a:pPr lvl="1" marL="800280" indent="-342720">
+            <a:pPr lvl="1" marL="800280" indent="-342360">
               <a:lnSpc>
                 <a:spcPct val="200000"/>
               </a:lnSpc>
@@ -8971,7 +8610,7 @@
             </a:endParaRPr>
           </a:p>
           <a:p>
-            <a:pPr marL="285840" indent="-285480">
+            <a:pPr marL="285840" indent="-285120">
               <a:lnSpc>
                 <a:spcPct val="200000"/>
               </a:lnSpc>
@@ -9016,7 +8655,7 @@
             </a:endParaRPr>
           </a:p>
           <a:p>
-            <a:pPr lvl="1" marL="800280" indent="-342720">
+            <a:pPr lvl="1" marL="800280" indent="-342360">
               <a:lnSpc>
                 <a:spcPct val="200000"/>
               </a:lnSpc>
@@ -9041,7 +8680,7 @@
             </a:endParaRPr>
           </a:p>
           <a:p>
-            <a:pPr marL="285840" indent="-285480">
+            <a:pPr marL="285840" indent="-285120">
               <a:lnSpc>
                 <a:spcPct val="200000"/>
               </a:lnSpc>
@@ -9086,7 +8725,7 @@
             </a:endParaRPr>
           </a:p>
           <a:p>
-            <a:pPr lvl="1" marL="800280" indent="-342720">
+            <a:pPr lvl="1" marL="800280" indent="-342360">
               <a:lnSpc>
                 <a:spcPct val="200000"/>
               </a:lnSpc>
@@ -9131,7 +8770,7 @@
             </a:endParaRPr>
           </a:p>
           <a:p>
-            <a:pPr marL="285840" indent="-285480">
+            <a:pPr marL="285840" indent="-285120">
               <a:lnSpc>
                 <a:spcPct val="200000"/>
               </a:lnSpc>
@@ -9176,7 +8815,7 @@
             </a:endParaRPr>
           </a:p>
           <a:p>
-            <a:pPr lvl="1" marL="800280" indent="-342720">
+            <a:pPr lvl="1" marL="800280" indent="-342360">
               <a:lnSpc>
                 <a:spcPct val="200000"/>
               </a:lnSpc>

--- a/slides/5_Flink的状态管理.pptx
+++ b/slides/5_Flink的状态管理.pptx
@@ -22,6 +22,7 @@
     <p:sldId id="266" r:id="rId15"/>
     <p:sldId id="267" r:id="rId16"/>
     <p:sldId id="268" r:id="rId17"/>
+    <p:sldId id="269" r:id="rId18"/>
   </p:sldIdLst>
   <p:sldSz cx="9144000" cy="6858000"/>
   <p:notesSz cx="7105650" cy="10236200"/>
@@ -252,7 +253,7 @@
           </a:bodyPr>
           <a:p>
             <a:pPr algn="r"/>
-            <a:fld id="{1B6A3177-598F-47AE-B125-5CB5780D7CC1}" type="slidenum">
+            <a:fld id="{37EDE9C7-680F-4EA0-B848-EF848D63AA42}" type="slidenum">
               <a:rPr b="0" lang="en-US" sz="1400" spc="-1" strike="noStrike">
                 <a:latin typeface="Times New Roman"/>
               </a:rPr>
@@ -289,7 +290,7 @@
       </p:grpSpPr>
       <p:sp>
         <p:nvSpPr>
-          <p:cNvPr id="115" name="PlaceHolder 1"/>
+          <p:cNvPr id="116" name="PlaceHolder 1"/>
           <p:cNvSpPr>
             <a:spLocks noGrp="1"/>
           </p:cNvSpPr>
@@ -300,16 +301,16 @@
         <p:spPr>
           <a:xfrm>
             <a:off x="993600" y="768240"/>
-            <a:ext cx="5117400" cy="3837960"/>
-          </a:xfrm>
-          <a:prstGeom prst="rect">
-            <a:avLst/>
-          </a:prstGeom>
-        </p:spPr>
-      </p:sp>
-      <p:sp>
-        <p:nvSpPr>
-          <p:cNvPr id="116" name="PlaceHolder 2"/>
+            <a:ext cx="5117040" cy="3837600"/>
+          </a:xfrm>
+          <a:prstGeom prst="rect">
+            <a:avLst/>
+          </a:prstGeom>
+        </p:spPr>
+      </p:sp>
+      <p:sp>
+        <p:nvSpPr>
+          <p:cNvPr id="117" name="PlaceHolder 2"/>
           <p:cNvSpPr>
             <a:spLocks noGrp="1"/>
           </p:cNvSpPr>
@@ -320,7 +321,7 @@
         <p:spPr>
           <a:xfrm>
             <a:off x="710640" y="4862160"/>
-            <a:ext cx="5683680" cy="4605480"/>
+            <a:ext cx="5683320" cy="4605120"/>
           </a:xfrm>
           <a:prstGeom prst="rect">
             <a:avLst/>
@@ -339,14 +340,14 @@
       </p:sp>
       <p:sp>
         <p:nvSpPr>
-          <p:cNvPr id="117" name="CustomShape 3"/>
+          <p:cNvPr id="118" name="CustomShape 3"/>
           <p:cNvSpPr/>
           <p:nvPr/>
         </p:nvSpPr>
         <p:spPr>
           <a:xfrm>
             <a:off x="4024800" y="9722520"/>
-            <a:ext cx="3078360" cy="511200"/>
+            <a:ext cx="3078000" cy="510840"/>
           </a:xfrm>
           <a:prstGeom prst="rect">
             <a:avLst/>
@@ -372,7 +373,7 @@
                 <a:spcPct val="100000"/>
               </a:lnSpc>
             </a:pPr>
-            <a:fld id="{E32271A2-45E7-428C-918E-BBE688170D88}" type="slidenum">
+            <a:fld id="{9A0CB41D-1B55-4496-8343-71FAB57F4047}" type="slidenum">
               <a:rPr b="0" lang="en-US" sz="1300" spc="-1" strike="noStrike">
                 <a:solidFill>
                   <a:srgbClr val="000000"/>
@@ -380,7 +381,7 @@
                 <a:latin typeface="+mn-lt"/>
                 <a:ea typeface="+mn-ea"/>
               </a:rPr>
-              <a:t>12</a:t>
+              <a:t>&lt;编号&gt;</a:t>
             </a:fld>
             <a:endParaRPr b="0" lang="en-US" sz="1300" spc="-1" strike="noStrike">
               <a:latin typeface="Arial"/>
@@ -412,7 +413,7 @@
       </p:grpSpPr>
       <p:sp>
         <p:nvSpPr>
-          <p:cNvPr id="139" name="PlaceHolder 1"/>
+          <p:cNvPr id="140" name="PlaceHolder 1"/>
           <p:cNvSpPr>
             <a:spLocks noGrp="1"/>
           </p:cNvSpPr>
@@ -423,16 +424,16 @@
         <p:spPr>
           <a:xfrm>
             <a:off x="993600" y="768240"/>
-            <a:ext cx="5117400" cy="3837960"/>
-          </a:xfrm>
-          <a:prstGeom prst="rect">
-            <a:avLst/>
-          </a:prstGeom>
-        </p:spPr>
-      </p:sp>
-      <p:sp>
-        <p:nvSpPr>
-          <p:cNvPr id="140" name="PlaceHolder 2"/>
+            <a:ext cx="5117040" cy="3837600"/>
+          </a:xfrm>
+          <a:prstGeom prst="rect">
+            <a:avLst/>
+          </a:prstGeom>
+        </p:spPr>
+      </p:sp>
+      <p:sp>
+        <p:nvSpPr>
+          <p:cNvPr id="141" name="PlaceHolder 2"/>
           <p:cNvSpPr>
             <a:spLocks noGrp="1"/>
           </p:cNvSpPr>
@@ -443,7 +444,7 @@
         <p:spPr>
           <a:xfrm>
             <a:off x="710640" y="4862160"/>
-            <a:ext cx="5683680" cy="4605480"/>
+            <a:ext cx="5683320" cy="4605120"/>
           </a:xfrm>
           <a:prstGeom prst="rect">
             <a:avLst/>
@@ -462,14 +463,14 @@
       </p:sp>
       <p:sp>
         <p:nvSpPr>
-          <p:cNvPr id="141" name="CustomShape 3"/>
+          <p:cNvPr id="142" name="CustomShape 3"/>
           <p:cNvSpPr/>
           <p:nvPr/>
         </p:nvSpPr>
         <p:spPr>
           <a:xfrm>
             <a:off x="4024800" y="9722520"/>
-            <a:ext cx="3078360" cy="511200"/>
+            <a:ext cx="3078000" cy="510840"/>
           </a:xfrm>
           <a:prstGeom prst="rect">
             <a:avLst/>
@@ -495,130 +496,7 @@
                 <a:spcPct val="100000"/>
               </a:lnSpc>
             </a:pPr>
-            <a:fld id="{5B068E9C-1C34-4699-AE7B-1250D617898D}" type="slidenum">
-              <a:rPr b="0" lang="en-US" sz="1300" spc="-1" strike="noStrike">
-                <a:solidFill>
-                  <a:srgbClr val="000000"/>
-                </a:solidFill>
-                <a:latin typeface="+mn-lt"/>
-                <a:ea typeface="+mn-ea"/>
-              </a:rPr>
-              <a:t>12</a:t>
-            </a:fld>
-            <a:endParaRPr b="0" lang="en-US" sz="1300" spc="-1" strike="noStrike">
-              <a:latin typeface="Arial"/>
-            </a:endParaRPr>
-          </a:p>
-        </p:txBody>
-      </p:sp>
-    </p:spTree>
-  </p:cSld>
-</p:notes>
-</file>
-
-<file path=ppt/notesSlides/notesSlide11.xml><?xml version="1.0" encoding="utf-8"?>
-<p:notes xmlns:a="http://schemas.openxmlformats.org/drawingml/2006/main" xmlns:p="http://schemas.openxmlformats.org/presentationml/2006/main" xmlns:r="http://schemas.openxmlformats.org/officeDocument/2006/relationships" xmlns:p14="http://schemas.microsoft.com/office/powerpoint/2010/main" xmlns:p15="http://schemas.microsoft.com/office/powerpoint/2012/main" xmlns:mc="http://schemas.openxmlformats.org/markup-compatibility/2006">
-  <p:cSld>
-    <p:spTree>
-      <p:nvGrpSpPr>
-        <p:cNvPr id="1" name=""/>
-        <p:cNvGrpSpPr/>
-        <p:nvPr/>
-      </p:nvGrpSpPr>
-      <p:grpSpPr>
-        <a:xfrm>
-          <a:off x="0" y="0"/>
-          <a:ext cx="0" cy="0"/>
-          <a:chOff x="0" y="0"/>
-          <a:chExt cx="0" cy="0"/>
-        </a:xfrm>
-      </p:grpSpPr>
-      <p:sp>
-        <p:nvSpPr>
-          <p:cNvPr id="142" name="PlaceHolder 1"/>
-          <p:cNvSpPr>
-            <a:spLocks noGrp="1"/>
-          </p:cNvSpPr>
-          <p:nvPr>
-            <p:ph type="sldImg"/>
-          </p:nvPr>
-        </p:nvSpPr>
-        <p:spPr>
-          <a:xfrm>
-            <a:off x="993600" y="768240"/>
-            <a:ext cx="5117400" cy="3837960"/>
-          </a:xfrm>
-          <a:prstGeom prst="rect">
-            <a:avLst/>
-          </a:prstGeom>
-        </p:spPr>
-      </p:sp>
-      <p:sp>
-        <p:nvSpPr>
-          <p:cNvPr id="143" name="PlaceHolder 2"/>
-          <p:cNvSpPr>
-            <a:spLocks noGrp="1"/>
-          </p:cNvSpPr>
-          <p:nvPr>
-            <p:ph type="body"/>
-          </p:nvPr>
-        </p:nvSpPr>
-        <p:spPr>
-          <a:xfrm>
-            <a:off x="710640" y="4862160"/>
-            <a:ext cx="5683680" cy="4605480"/>
-          </a:xfrm>
-          <a:prstGeom prst="rect">
-            <a:avLst/>
-          </a:prstGeom>
-        </p:spPr>
-        <p:txBody>
-          <a:bodyPr lIns="99000" rIns="99000" tIns="49680" bIns="49680">
-            <a:noAutofit/>
-          </a:bodyPr>
-          <a:p>
-            <a:endParaRPr b="0" lang="en-US" sz="2000" spc="-1" strike="noStrike">
-              <a:latin typeface="Arial"/>
-            </a:endParaRPr>
-          </a:p>
-        </p:txBody>
-      </p:sp>
-      <p:sp>
-        <p:nvSpPr>
-          <p:cNvPr id="144" name="CustomShape 3"/>
-          <p:cNvSpPr/>
-          <p:nvPr/>
-        </p:nvSpPr>
-        <p:spPr>
-          <a:xfrm>
-            <a:off x="4024800" y="9722520"/>
-            <a:ext cx="3078360" cy="511200"/>
-          </a:xfrm>
-          <a:prstGeom prst="rect">
-            <a:avLst/>
-          </a:prstGeom>
-          <a:noFill/>
-          <a:ln>
-            <a:noFill/>
-          </a:ln>
-        </p:spPr>
-        <p:style>
-          <a:lnRef idx="0"/>
-          <a:fillRef idx="0"/>
-          <a:effectRef idx="0"/>
-          <a:fontRef idx="minor"/>
-        </p:style>
-        <p:txBody>
-          <a:bodyPr lIns="99000" rIns="99000" tIns="49680" bIns="49680" anchor="b">
-            <a:noAutofit/>
-          </a:bodyPr>
-          <a:p>
-            <a:pPr algn="r">
-              <a:lnSpc>
-                <a:spcPct val="100000"/>
-              </a:lnSpc>
-            </a:pPr>
-            <a:fld id="{B3E3C601-0C19-44C6-9BFA-D4822A5F7D10}" type="slidenum">
+            <a:fld id="{A244DD9A-C344-4519-B7C7-4F9CCCAB6ABE}" type="slidenum">
               <a:rPr b="0" lang="en-US" sz="1300" spc="-1" strike="noStrike">
                 <a:solidFill>
                   <a:srgbClr val="000000"/>
@@ -658,7 +536,7 @@
       </p:grpSpPr>
       <p:sp>
         <p:nvSpPr>
-          <p:cNvPr id="145" name="PlaceHolder 1"/>
+          <p:cNvPr id="143" name="PlaceHolder 1"/>
           <p:cNvSpPr>
             <a:spLocks noGrp="1"/>
           </p:cNvSpPr>
@@ -669,16 +547,16 @@
         <p:spPr>
           <a:xfrm>
             <a:off x="993600" y="768240"/>
-            <a:ext cx="5117400" cy="3837960"/>
-          </a:xfrm>
-          <a:prstGeom prst="rect">
-            <a:avLst/>
-          </a:prstGeom>
-        </p:spPr>
-      </p:sp>
-      <p:sp>
-        <p:nvSpPr>
-          <p:cNvPr id="146" name="PlaceHolder 2"/>
+            <a:ext cx="5117040" cy="3837600"/>
+          </a:xfrm>
+          <a:prstGeom prst="rect">
+            <a:avLst/>
+          </a:prstGeom>
+        </p:spPr>
+      </p:sp>
+      <p:sp>
+        <p:nvSpPr>
+          <p:cNvPr id="144" name="PlaceHolder 2"/>
           <p:cNvSpPr>
             <a:spLocks noGrp="1"/>
           </p:cNvSpPr>
@@ -689,7 +567,7 @@
         <p:spPr>
           <a:xfrm>
             <a:off x="710640" y="4862160"/>
-            <a:ext cx="5683680" cy="4605480"/>
+            <a:ext cx="5683320" cy="4605120"/>
           </a:xfrm>
           <a:prstGeom prst="rect">
             <a:avLst/>
@@ -708,14 +586,14 @@
       </p:sp>
       <p:sp>
         <p:nvSpPr>
-          <p:cNvPr id="147" name="CustomShape 3"/>
+          <p:cNvPr id="145" name="CustomShape 3"/>
           <p:cNvSpPr/>
           <p:nvPr/>
         </p:nvSpPr>
         <p:spPr>
           <a:xfrm>
             <a:off x="4024800" y="9722520"/>
-            <a:ext cx="3078360" cy="511200"/>
+            <a:ext cx="3078000" cy="510840"/>
           </a:xfrm>
           <a:prstGeom prst="rect">
             <a:avLst/>
@@ -741,7 +619,7 @@
                 <a:spcPct val="100000"/>
               </a:lnSpc>
             </a:pPr>
-            <a:fld id="{A9BAC5A6-8AB4-44BA-9E56-C078736B62FA}" type="slidenum">
+            <a:fld id="{337B1606-D1E6-4AE1-BCA5-5139B9BC6A22}" type="slidenum">
               <a:rPr b="0" lang="en-US" sz="1300" spc="-1" strike="noStrike">
                 <a:solidFill>
                   <a:srgbClr val="000000"/>
@@ -781,7 +659,7 @@
       </p:grpSpPr>
       <p:sp>
         <p:nvSpPr>
-          <p:cNvPr id="148" name="PlaceHolder 1"/>
+          <p:cNvPr id="146" name="PlaceHolder 1"/>
           <p:cNvSpPr>
             <a:spLocks noGrp="1"/>
           </p:cNvSpPr>
@@ -791,17 +669,17 @@
         </p:nvSpPr>
         <p:spPr>
           <a:xfrm>
-            <a:off x="1421280" y="1279440"/>
-            <a:ext cx="4262760" cy="3453840"/>
-          </a:xfrm>
-          <a:prstGeom prst="rect">
-            <a:avLst/>
-          </a:prstGeom>
-        </p:spPr>
-      </p:sp>
-      <p:sp>
-        <p:nvSpPr>
-          <p:cNvPr id="149" name="PlaceHolder 2"/>
+            <a:off x="993600" y="768240"/>
+            <a:ext cx="5117040" cy="3837600"/>
+          </a:xfrm>
+          <a:prstGeom prst="rect">
+            <a:avLst/>
+          </a:prstGeom>
+        </p:spPr>
+      </p:sp>
+      <p:sp>
+        <p:nvSpPr>
+          <p:cNvPr id="147" name="PlaceHolder 2"/>
           <p:cNvSpPr>
             <a:spLocks noGrp="1"/>
           </p:cNvSpPr>
@@ -812,7 +690,7 @@
         <p:spPr>
           <a:xfrm>
             <a:off x="710640" y="4862160"/>
-            <a:ext cx="5683680" cy="4605480"/>
+            <a:ext cx="5683320" cy="4605120"/>
           </a:xfrm>
           <a:prstGeom prst="rect">
             <a:avLst/>
@@ -831,14 +709,14 @@
       </p:sp>
       <p:sp>
         <p:nvSpPr>
-          <p:cNvPr id="150" name="CustomShape 3"/>
+          <p:cNvPr id="148" name="CustomShape 3"/>
           <p:cNvSpPr/>
           <p:nvPr/>
         </p:nvSpPr>
         <p:spPr>
           <a:xfrm>
             <a:off x="4024800" y="9722520"/>
-            <a:ext cx="3078360" cy="511200"/>
+            <a:ext cx="3078000" cy="510840"/>
           </a:xfrm>
           <a:prstGeom prst="rect">
             <a:avLst/>
@@ -864,7 +742,130 @@
                 <a:spcPct val="100000"/>
               </a:lnSpc>
             </a:pPr>
-            <a:fld id="{E36848B4-65A6-4268-8195-FEECD3400245}" type="slidenum">
+            <a:fld id="{0AC73BB2-9765-4149-9B8A-7E392E482582}" type="slidenum">
+              <a:rPr b="0" lang="en-US" sz="1300" spc="-1" strike="noStrike">
+                <a:solidFill>
+                  <a:srgbClr val="000000"/>
+                </a:solidFill>
+                <a:latin typeface="+mn-lt"/>
+                <a:ea typeface="+mn-ea"/>
+              </a:rPr>
+              <a:t>&lt;编号&gt;</a:t>
+            </a:fld>
+            <a:endParaRPr b="0" lang="en-US" sz="1300" spc="-1" strike="noStrike">
+              <a:latin typeface="Arial"/>
+            </a:endParaRPr>
+          </a:p>
+        </p:txBody>
+      </p:sp>
+    </p:spTree>
+  </p:cSld>
+</p:notes>
+</file>
+
+<file path=ppt/notesSlides/notesSlide14.xml><?xml version="1.0" encoding="utf-8"?>
+<p:notes xmlns:a="http://schemas.openxmlformats.org/drawingml/2006/main" xmlns:p="http://schemas.openxmlformats.org/presentationml/2006/main" xmlns:r="http://schemas.openxmlformats.org/officeDocument/2006/relationships" xmlns:p14="http://schemas.microsoft.com/office/powerpoint/2010/main" xmlns:p15="http://schemas.microsoft.com/office/powerpoint/2012/main" xmlns:mc="http://schemas.openxmlformats.org/markup-compatibility/2006">
+  <p:cSld>
+    <p:spTree>
+      <p:nvGrpSpPr>
+        <p:cNvPr id="1" name=""/>
+        <p:cNvGrpSpPr/>
+        <p:nvPr/>
+      </p:nvGrpSpPr>
+      <p:grpSpPr>
+        <a:xfrm>
+          <a:off x="0" y="0"/>
+          <a:ext cx="0" cy="0"/>
+          <a:chOff x="0" y="0"/>
+          <a:chExt cx="0" cy="0"/>
+        </a:xfrm>
+      </p:grpSpPr>
+      <p:sp>
+        <p:nvSpPr>
+          <p:cNvPr id="149" name="PlaceHolder 1"/>
+          <p:cNvSpPr>
+            <a:spLocks noGrp="1"/>
+          </p:cNvSpPr>
+          <p:nvPr>
+            <p:ph type="sldImg"/>
+          </p:nvPr>
+        </p:nvSpPr>
+        <p:spPr>
+          <a:xfrm>
+            <a:off x="1421280" y="1279440"/>
+            <a:ext cx="4262400" cy="3453480"/>
+          </a:xfrm>
+          <a:prstGeom prst="rect">
+            <a:avLst/>
+          </a:prstGeom>
+        </p:spPr>
+      </p:sp>
+      <p:sp>
+        <p:nvSpPr>
+          <p:cNvPr id="150" name="PlaceHolder 2"/>
+          <p:cNvSpPr>
+            <a:spLocks noGrp="1"/>
+          </p:cNvSpPr>
+          <p:nvPr>
+            <p:ph type="body"/>
+          </p:nvPr>
+        </p:nvSpPr>
+        <p:spPr>
+          <a:xfrm>
+            <a:off x="710640" y="4862160"/>
+            <a:ext cx="5683320" cy="4605120"/>
+          </a:xfrm>
+          <a:prstGeom prst="rect">
+            <a:avLst/>
+          </a:prstGeom>
+        </p:spPr>
+        <p:txBody>
+          <a:bodyPr lIns="99000" rIns="99000" tIns="49680" bIns="49680">
+            <a:noAutofit/>
+          </a:bodyPr>
+          <a:p>
+            <a:endParaRPr b="0" lang="en-US" sz="2000" spc="-1" strike="noStrike">
+              <a:latin typeface="Arial"/>
+            </a:endParaRPr>
+          </a:p>
+        </p:txBody>
+      </p:sp>
+      <p:sp>
+        <p:nvSpPr>
+          <p:cNvPr id="151" name="CustomShape 3"/>
+          <p:cNvSpPr/>
+          <p:nvPr/>
+        </p:nvSpPr>
+        <p:spPr>
+          <a:xfrm>
+            <a:off x="4024800" y="9722520"/>
+            <a:ext cx="3078000" cy="510840"/>
+          </a:xfrm>
+          <a:prstGeom prst="rect">
+            <a:avLst/>
+          </a:prstGeom>
+          <a:noFill/>
+          <a:ln>
+            <a:noFill/>
+          </a:ln>
+        </p:spPr>
+        <p:style>
+          <a:lnRef idx="0"/>
+          <a:fillRef idx="0"/>
+          <a:effectRef idx="0"/>
+          <a:fontRef idx="minor"/>
+        </p:style>
+        <p:txBody>
+          <a:bodyPr lIns="99000" rIns="99000" tIns="49680" bIns="49680" anchor="b">
+            <a:noAutofit/>
+          </a:bodyPr>
+          <a:p>
+            <a:pPr algn="r">
+              <a:lnSpc>
+                <a:spcPct val="100000"/>
+              </a:lnSpc>
+            </a:pPr>
+            <a:fld id="{0D9FCFD8-BC8D-4AB6-9D08-8379F64783EA}" type="slidenum">
               <a:rPr b="0" lang="en-US" sz="1300" spc="-1" strike="noStrike">
                 <a:solidFill>
                   <a:srgbClr val="000000"/>
@@ -904,7 +905,7 @@
       </p:grpSpPr>
       <p:sp>
         <p:nvSpPr>
-          <p:cNvPr id="118" name="PlaceHolder 1"/>
+          <p:cNvPr id="119" name="PlaceHolder 1"/>
           <p:cNvSpPr>
             <a:spLocks noGrp="1"/>
           </p:cNvSpPr>
@@ -915,16 +916,16 @@
         <p:spPr>
           <a:xfrm>
             <a:off x="993600" y="768240"/>
-            <a:ext cx="5117400" cy="3837960"/>
-          </a:xfrm>
-          <a:prstGeom prst="rect">
-            <a:avLst/>
-          </a:prstGeom>
-        </p:spPr>
-      </p:sp>
-      <p:sp>
-        <p:nvSpPr>
-          <p:cNvPr id="119" name="PlaceHolder 2"/>
+            <a:ext cx="5117040" cy="3837600"/>
+          </a:xfrm>
+          <a:prstGeom prst="rect">
+            <a:avLst/>
+          </a:prstGeom>
+        </p:spPr>
+      </p:sp>
+      <p:sp>
+        <p:nvSpPr>
+          <p:cNvPr id="120" name="PlaceHolder 2"/>
           <p:cNvSpPr>
             <a:spLocks noGrp="1"/>
           </p:cNvSpPr>
@@ -935,7 +936,7 @@
         <p:spPr>
           <a:xfrm>
             <a:off x="710640" y="4862160"/>
-            <a:ext cx="5683680" cy="4605480"/>
+            <a:ext cx="5683320" cy="4605120"/>
           </a:xfrm>
           <a:prstGeom prst="rect">
             <a:avLst/>
@@ -954,14 +955,14 @@
       </p:sp>
       <p:sp>
         <p:nvSpPr>
-          <p:cNvPr id="120" name="CustomShape 3"/>
+          <p:cNvPr id="121" name="CustomShape 3"/>
           <p:cNvSpPr/>
           <p:nvPr/>
         </p:nvSpPr>
         <p:spPr>
           <a:xfrm>
             <a:off x="4024800" y="9722520"/>
-            <a:ext cx="3078360" cy="511200"/>
+            <a:ext cx="3078000" cy="510840"/>
           </a:xfrm>
           <a:prstGeom prst="rect">
             <a:avLst/>
@@ -987,7 +988,7 @@
                 <a:spcPct val="100000"/>
               </a:lnSpc>
             </a:pPr>
-            <a:fld id="{3D1DBBCA-5736-4247-9B7C-CE70615FFFC9}" type="slidenum">
+            <a:fld id="{DB87AF3D-6908-4875-8FD0-182516E536E4}" type="slidenum">
               <a:rPr b="0" lang="en-US" sz="1300" spc="-1" strike="noStrike">
                 <a:solidFill>
                   <a:srgbClr val="000000"/>
@@ -995,7 +996,7 @@
                 <a:latin typeface="+mn-lt"/>
                 <a:ea typeface="+mn-ea"/>
               </a:rPr>
-              <a:t>12</a:t>
+              <a:t>&lt;编号&gt;</a:t>
             </a:fld>
             <a:endParaRPr b="0" lang="en-US" sz="1300" spc="-1" strike="noStrike">
               <a:latin typeface="Arial"/>
@@ -1027,7 +1028,7 @@
       </p:grpSpPr>
       <p:sp>
         <p:nvSpPr>
-          <p:cNvPr id="121" name="PlaceHolder 1"/>
+          <p:cNvPr id="122" name="PlaceHolder 1"/>
           <p:cNvSpPr>
             <a:spLocks noGrp="1"/>
           </p:cNvSpPr>
@@ -1038,16 +1039,16 @@
         <p:spPr>
           <a:xfrm>
             <a:off x="993600" y="768240"/>
-            <a:ext cx="5117400" cy="3837960"/>
-          </a:xfrm>
-          <a:prstGeom prst="rect">
-            <a:avLst/>
-          </a:prstGeom>
-        </p:spPr>
-      </p:sp>
-      <p:sp>
-        <p:nvSpPr>
-          <p:cNvPr id="122" name="PlaceHolder 2"/>
+            <a:ext cx="5117040" cy="3837600"/>
+          </a:xfrm>
+          <a:prstGeom prst="rect">
+            <a:avLst/>
+          </a:prstGeom>
+        </p:spPr>
+      </p:sp>
+      <p:sp>
+        <p:nvSpPr>
+          <p:cNvPr id="123" name="PlaceHolder 2"/>
           <p:cNvSpPr>
             <a:spLocks noGrp="1"/>
           </p:cNvSpPr>
@@ -1058,7 +1059,7 @@
         <p:spPr>
           <a:xfrm>
             <a:off x="710640" y="4862160"/>
-            <a:ext cx="5683680" cy="4605480"/>
+            <a:ext cx="5683320" cy="4605120"/>
           </a:xfrm>
           <a:prstGeom prst="rect">
             <a:avLst/>
@@ -1077,14 +1078,14 @@
       </p:sp>
       <p:sp>
         <p:nvSpPr>
-          <p:cNvPr id="123" name="CustomShape 3"/>
+          <p:cNvPr id="124" name="CustomShape 3"/>
           <p:cNvSpPr/>
           <p:nvPr/>
         </p:nvSpPr>
         <p:spPr>
           <a:xfrm>
             <a:off x="4024800" y="9722520"/>
-            <a:ext cx="3078360" cy="511200"/>
+            <a:ext cx="3078000" cy="510840"/>
           </a:xfrm>
           <a:prstGeom prst="rect">
             <a:avLst/>
@@ -1110,7 +1111,7 @@
                 <a:spcPct val="100000"/>
               </a:lnSpc>
             </a:pPr>
-            <a:fld id="{D109525A-9794-4E23-8AC6-96D12790245D}" type="slidenum">
+            <a:fld id="{CB697BA4-2A6C-45A6-AB4B-81A1DEA19D19}" type="slidenum">
               <a:rPr b="0" lang="en-US" sz="1300" spc="-1" strike="noStrike">
                 <a:solidFill>
                   <a:srgbClr val="000000"/>
@@ -1118,7 +1119,7 @@
                 <a:latin typeface="+mn-lt"/>
                 <a:ea typeface="+mn-ea"/>
               </a:rPr>
-              <a:t>12</a:t>
+              <a:t>&lt;编号&gt;</a:t>
             </a:fld>
             <a:endParaRPr b="0" lang="en-US" sz="1300" spc="-1" strike="noStrike">
               <a:latin typeface="Arial"/>
@@ -1150,7 +1151,7 @@
       </p:grpSpPr>
       <p:sp>
         <p:nvSpPr>
-          <p:cNvPr id="124" name="PlaceHolder 1"/>
+          <p:cNvPr id="125" name="PlaceHolder 1"/>
           <p:cNvSpPr>
             <a:spLocks noGrp="1"/>
           </p:cNvSpPr>
@@ -1161,16 +1162,16 @@
         <p:spPr>
           <a:xfrm>
             <a:off x="993600" y="768240"/>
-            <a:ext cx="5117400" cy="3837960"/>
-          </a:xfrm>
-          <a:prstGeom prst="rect">
-            <a:avLst/>
-          </a:prstGeom>
-        </p:spPr>
-      </p:sp>
-      <p:sp>
-        <p:nvSpPr>
-          <p:cNvPr id="125" name="PlaceHolder 2"/>
+            <a:ext cx="5117040" cy="3837600"/>
+          </a:xfrm>
+          <a:prstGeom prst="rect">
+            <a:avLst/>
+          </a:prstGeom>
+        </p:spPr>
+      </p:sp>
+      <p:sp>
+        <p:nvSpPr>
+          <p:cNvPr id="126" name="PlaceHolder 2"/>
           <p:cNvSpPr>
             <a:spLocks noGrp="1"/>
           </p:cNvSpPr>
@@ -1181,7 +1182,7 @@
         <p:spPr>
           <a:xfrm>
             <a:off x="710640" y="4862160"/>
-            <a:ext cx="5683680" cy="4605480"/>
+            <a:ext cx="5683320" cy="4605120"/>
           </a:xfrm>
           <a:prstGeom prst="rect">
             <a:avLst/>
@@ -1200,14 +1201,14 @@
       </p:sp>
       <p:sp>
         <p:nvSpPr>
-          <p:cNvPr id="126" name="CustomShape 3"/>
+          <p:cNvPr id="127" name="CustomShape 3"/>
           <p:cNvSpPr/>
           <p:nvPr/>
         </p:nvSpPr>
         <p:spPr>
           <a:xfrm>
             <a:off x="4024800" y="9722520"/>
-            <a:ext cx="3078360" cy="511200"/>
+            <a:ext cx="3078000" cy="510840"/>
           </a:xfrm>
           <a:prstGeom prst="rect">
             <a:avLst/>
@@ -1233,7 +1234,7 @@
                 <a:spcPct val="100000"/>
               </a:lnSpc>
             </a:pPr>
-            <a:fld id="{A51C3FEE-1A44-410D-B195-F321D7332051}" type="slidenum">
+            <a:fld id="{CBB1D437-A7B1-4D09-A29A-1BF6E845C451}" type="slidenum">
               <a:rPr b="0" lang="en-US" sz="1300" spc="-1" strike="noStrike">
                 <a:solidFill>
                   <a:srgbClr val="000000"/>
@@ -1241,7 +1242,7 @@
                 <a:latin typeface="+mn-lt"/>
                 <a:ea typeface="+mn-ea"/>
               </a:rPr>
-              <a:t>12</a:t>
+              <a:t>&lt;编号&gt;</a:t>
             </a:fld>
             <a:endParaRPr b="0" lang="en-US" sz="1300" spc="-1" strike="noStrike">
               <a:latin typeface="Arial"/>
@@ -1273,7 +1274,7 @@
       </p:grpSpPr>
       <p:sp>
         <p:nvSpPr>
-          <p:cNvPr id="127" name="PlaceHolder 1"/>
+          <p:cNvPr id="128" name="PlaceHolder 1"/>
           <p:cNvSpPr>
             <a:spLocks noGrp="1"/>
           </p:cNvSpPr>
@@ -1284,16 +1285,16 @@
         <p:spPr>
           <a:xfrm>
             <a:off x="993600" y="768240"/>
-            <a:ext cx="5117400" cy="3837960"/>
-          </a:xfrm>
-          <a:prstGeom prst="rect">
-            <a:avLst/>
-          </a:prstGeom>
-        </p:spPr>
-      </p:sp>
-      <p:sp>
-        <p:nvSpPr>
-          <p:cNvPr id="128" name="PlaceHolder 2"/>
+            <a:ext cx="5117040" cy="3837600"/>
+          </a:xfrm>
+          <a:prstGeom prst="rect">
+            <a:avLst/>
+          </a:prstGeom>
+        </p:spPr>
+      </p:sp>
+      <p:sp>
+        <p:nvSpPr>
+          <p:cNvPr id="129" name="PlaceHolder 2"/>
           <p:cNvSpPr>
             <a:spLocks noGrp="1"/>
           </p:cNvSpPr>
@@ -1304,7 +1305,7 @@
         <p:spPr>
           <a:xfrm>
             <a:off x="710640" y="4862160"/>
-            <a:ext cx="5683680" cy="4605480"/>
+            <a:ext cx="5683320" cy="4605120"/>
           </a:xfrm>
           <a:prstGeom prst="rect">
             <a:avLst/>
@@ -1323,14 +1324,14 @@
       </p:sp>
       <p:sp>
         <p:nvSpPr>
-          <p:cNvPr id="129" name="CustomShape 3"/>
+          <p:cNvPr id="130" name="CustomShape 3"/>
           <p:cNvSpPr/>
           <p:nvPr/>
         </p:nvSpPr>
         <p:spPr>
           <a:xfrm>
             <a:off x="4024800" y="9722520"/>
-            <a:ext cx="3078360" cy="511200"/>
+            <a:ext cx="3078000" cy="510840"/>
           </a:xfrm>
           <a:prstGeom prst="rect">
             <a:avLst/>
@@ -1356,7 +1357,7 @@
                 <a:spcPct val="100000"/>
               </a:lnSpc>
             </a:pPr>
-            <a:fld id="{F7E728C1-7292-4AA4-BC1B-DAA34FAD6BF7}" type="slidenum">
+            <a:fld id="{D940EBA5-5DDB-47B2-A706-4F9CC51CB610}" type="slidenum">
               <a:rPr b="0" lang="en-US" sz="1300" spc="-1" strike="noStrike">
                 <a:solidFill>
                   <a:srgbClr val="000000"/>
@@ -1364,7 +1365,7 @@
                 <a:latin typeface="+mn-lt"/>
                 <a:ea typeface="+mn-ea"/>
               </a:rPr>
-              <a:t>12</a:t>
+              <a:t>&lt;编号&gt;</a:t>
             </a:fld>
             <a:endParaRPr b="0" lang="en-US" sz="1300" spc="-1" strike="noStrike">
               <a:latin typeface="Arial"/>
@@ -1396,7 +1397,7 @@
       </p:grpSpPr>
       <p:sp>
         <p:nvSpPr>
-          <p:cNvPr id="130" name="PlaceHolder 1"/>
+          <p:cNvPr id="131" name="PlaceHolder 1"/>
           <p:cNvSpPr>
             <a:spLocks noGrp="1"/>
           </p:cNvSpPr>
@@ -1407,16 +1408,16 @@
         <p:spPr>
           <a:xfrm>
             <a:off x="993600" y="768240"/>
-            <a:ext cx="5117400" cy="3837960"/>
-          </a:xfrm>
-          <a:prstGeom prst="rect">
-            <a:avLst/>
-          </a:prstGeom>
-        </p:spPr>
-      </p:sp>
-      <p:sp>
-        <p:nvSpPr>
-          <p:cNvPr id="131" name="PlaceHolder 2"/>
+            <a:ext cx="5117040" cy="3837600"/>
+          </a:xfrm>
+          <a:prstGeom prst="rect">
+            <a:avLst/>
+          </a:prstGeom>
+        </p:spPr>
+      </p:sp>
+      <p:sp>
+        <p:nvSpPr>
+          <p:cNvPr id="132" name="PlaceHolder 2"/>
           <p:cNvSpPr>
             <a:spLocks noGrp="1"/>
           </p:cNvSpPr>
@@ -1427,7 +1428,7 @@
         <p:spPr>
           <a:xfrm>
             <a:off x="710640" y="4862160"/>
-            <a:ext cx="5683680" cy="4605480"/>
+            <a:ext cx="5683320" cy="4605120"/>
           </a:xfrm>
           <a:prstGeom prst="rect">
             <a:avLst/>
@@ -1446,14 +1447,14 @@
       </p:sp>
       <p:sp>
         <p:nvSpPr>
-          <p:cNvPr id="132" name="CustomShape 3"/>
+          <p:cNvPr id="133" name="CustomShape 3"/>
           <p:cNvSpPr/>
           <p:nvPr/>
         </p:nvSpPr>
         <p:spPr>
           <a:xfrm>
             <a:off x="4024800" y="9722520"/>
-            <a:ext cx="3078360" cy="511200"/>
+            <a:ext cx="3078000" cy="510840"/>
           </a:xfrm>
           <a:prstGeom prst="rect">
             <a:avLst/>
@@ -1479,7 +1480,7 @@
                 <a:spcPct val="100000"/>
               </a:lnSpc>
             </a:pPr>
-            <a:fld id="{ABEE6DEA-089E-46D7-B25F-49D082EEF61C}" type="slidenum">
+            <a:fld id="{3557414A-13DD-4D5D-8058-D6B825DF6BE4}" type="slidenum">
               <a:rPr b="0" lang="en-US" sz="1300" spc="-1" strike="noStrike">
                 <a:solidFill>
                   <a:srgbClr val="000000"/>
@@ -1487,7 +1488,7 @@
                 <a:latin typeface="+mn-lt"/>
                 <a:ea typeface="+mn-ea"/>
               </a:rPr>
-              <a:t>12</a:t>
+              <a:t>&lt;编号&gt;</a:t>
             </a:fld>
             <a:endParaRPr b="0" lang="en-US" sz="1300" spc="-1" strike="noStrike">
               <a:latin typeface="Arial"/>
@@ -1519,7 +1520,7 @@
       </p:grpSpPr>
       <p:sp>
         <p:nvSpPr>
-          <p:cNvPr id="133" name="PlaceHolder 1"/>
+          <p:cNvPr id="134" name="PlaceHolder 1"/>
           <p:cNvSpPr>
             <a:spLocks noGrp="1"/>
           </p:cNvSpPr>
@@ -1530,16 +1531,16 @@
         <p:spPr>
           <a:xfrm>
             <a:off x="993600" y="768240"/>
-            <a:ext cx="5117400" cy="3837960"/>
-          </a:xfrm>
-          <a:prstGeom prst="rect">
-            <a:avLst/>
-          </a:prstGeom>
-        </p:spPr>
-      </p:sp>
-      <p:sp>
-        <p:nvSpPr>
-          <p:cNvPr id="134" name="PlaceHolder 2"/>
+            <a:ext cx="5117040" cy="3837600"/>
+          </a:xfrm>
+          <a:prstGeom prst="rect">
+            <a:avLst/>
+          </a:prstGeom>
+        </p:spPr>
+      </p:sp>
+      <p:sp>
+        <p:nvSpPr>
+          <p:cNvPr id="135" name="PlaceHolder 2"/>
           <p:cNvSpPr>
             <a:spLocks noGrp="1"/>
           </p:cNvSpPr>
@@ -1550,7 +1551,7 @@
         <p:spPr>
           <a:xfrm>
             <a:off x="710640" y="4862160"/>
-            <a:ext cx="5683680" cy="4605480"/>
+            <a:ext cx="5683320" cy="4605120"/>
           </a:xfrm>
           <a:prstGeom prst="rect">
             <a:avLst/>
@@ -1569,14 +1570,14 @@
       </p:sp>
       <p:sp>
         <p:nvSpPr>
-          <p:cNvPr id="135" name="CustomShape 3"/>
+          <p:cNvPr id="136" name="CustomShape 3"/>
           <p:cNvSpPr/>
           <p:nvPr/>
         </p:nvSpPr>
         <p:spPr>
           <a:xfrm>
             <a:off x="4024800" y="9722520"/>
-            <a:ext cx="3078360" cy="511200"/>
+            <a:ext cx="3078000" cy="510840"/>
           </a:xfrm>
           <a:prstGeom prst="rect">
             <a:avLst/>
@@ -1602,7 +1603,7 @@
                 <a:spcPct val="100000"/>
               </a:lnSpc>
             </a:pPr>
-            <a:fld id="{8D142244-29FB-421D-BDF4-AAAA0237B3DC}" type="slidenum">
+            <a:fld id="{50C59B19-5736-4466-8759-18AD26AE0FD7}" type="slidenum">
               <a:rPr b="0" lang="en-US" sz="1300" spc="-1" strike="noStrike">
                 <a:solidFill>
                   <a:srgbClr val="000000"/>
@@ -1610,7 +1611,7 @@
                 <a:latin typeface="+mn-lt"/>
                 <a:ea typeface="+mn-ea"/>
               </a:rPr>
-              <a:t>12</a:t>
+              <a:t>&lt;编号&gt;</a:t>
             </a:fld>
             <a:endParaRPr b="0" lang="en-US" sz="1300" spc="-1" strike="noStrike">
               <a:latin typeface="Arial"/>
@@ -1642,7 +1643,7 @@
       </p:grpSpPr>
       <p:sp>
         <p:nvSpPr>
-          <p:cNvPr id="136" name="PlaceHolder 1"/>
+          <p:cNvPr id="137" name="PlaceHolder 1"/>
           <p:cNvSpPr>
             <a:spLocks noGrp="1"/>
           </p:cNvSpPr>
@@ -1653,16 +1654,16 @@
         <p:spPr>
           <a:xfrm>
             <a:off x="993600" y="768240"/>
-            <a:ext cx="5117400" cy="3837960"/>
-          </a:xfrm>
-          <a:prstGeom prst="rect">
-            <a:avLst/>
-          </a:prstGeom>
-        </p:spPr>
-      </p:sp>
-      <p:sp>
-        <p:nvSpPr>
-          <p:cNvPr id="137" name="PlaceHolder 2"/>
+            <a:ext cx="5117040" cy="3837600"/>
+          </a:xfrm>
+          <a:prstGeom prst="rect">
+            <a:avLst/>
+          </a:prstGeom>
+        </p:spPr>
+      </p:sp>
+      <p:sp>
+        <p:nvSpPr>
+          <p:cNvPr id="138" name="PlaceHolder 2"/>
           <p:cNvSpPr>
             <a:spLocks noGrp="1"/>
           </p:cNvSpPr>
@@ -1673,7 +1674,7 @@
         <p:spPr>
           <a:xfrm>
             <a:off x="710640" y="4862160"/>
-            <a:ext cx="5683680" cy="4605480"/>
+            <a:ext cx="5683320" cy="4605120"/>
           </a:xfrm>
           <a:prstGeom prst="rect">
             <a:avLst/>
@@ -1692,14 +1693,14 @@
       </p:sp>
       <p:sp>
         <p:nvSpPr>
-          <p:cNvPr id="138" name="CustomShape 3"/>
+          <p:cNvPr id="139" name="CustomShape 3"/>
           <p:cNvSpPr/>
           <p:nvPr/>
         </p:nvSpPr>
         <p:spPr>
           <a:xfrm>
             <a:off x="4024800" y="9722520"/>
-            <a:ext cx="3078360" cy="511200"/>
+            <a:ext cx="3078000" cy="510840"/>
           </a:xfrm>
           <a:prstGeom prst="rect">
             <a:avLst/>
@@ -1725,7 +1726,7 @@
                 <a:spcPct val="100000"/>
               </a:lnSpc>
             </a:pPr>
-            <a:fld id="{559C79D2-3D2E-4E50-9B39-B97018376F24}" type="slidenum">
+            <a:fld id="{CAF931C7-64E7-457D-96AD-5730C5D7054C}" type="slidenum">
               <a:rPr b="0" lang="en-US" sz="1300" spc="-1" strike="noStrike">
                 <a:solidFill>
                   <a:srgbClr val="000000"/>
@@ -1733,7 +1734,7 @@
                 <a:latin typeface="+mn-lt"/>
                 <a:ea typeface="+mn-ea"/>
               </a:rPr>
-              <a:t>12</a:t>
+              <a:t>&lt;编号&gt;</a:t>
             </a:fld>
             <a:endParaRPr b="0" lang="en-US" sz="1300" spc="-1" strike="noStrike">
               <a:latin typeface="Arial"/>
@@ -4497,8 +4498,8 @@
         </p:nvSpPr>
         <p:spPr>
           <a:xfrm>
-            <a:off x="457200" y="274680"/>
-            <a:ext cx="8228880" cy="1142280"/>
+            <a:off x="457200" y="273600"/>
+            <a:ext cx="8228880" cy="1144440"/>
           </a:xfrm>
           <a:prstGeom prst="rect">
             <a:avLst/>
@@ -4535,7 +4536,7 @@
         <p:spPr>
           <a:xfrm>
             <a:off x="457200" y="1604520"/>
-            <a:ext cx="8229240" cy="3977280"/>
+            <a:ext cx="8228880" cy="3976920"/>
           </a:xfrm>
           <a:prstGeom prst="rect">
             <a:avLst/>
@@ -4546,7 +4547,7 @@
             <a:normAutofit/>
           </a:bodyPr>
           <a:p>
-            <a:pPr marL="432000" indent="-324000">
+            <a:pPr marL="432000" indent="-324000" algn="ctr">
               <a:spcBef>
                 <a:spcPts val="1417"/>
               </a:spcBef>
@@ -4558,17 +4559,17 @@
               <a:buChar char=""/>
             </a:pPr>
             <a:r>
-              <a:rPr b="0" lang="zh-CN" sz="3200" spc="-1" strike="noStrike">
+              <a:rPr b="0" lang="zh-CN" sz="1800" spc="-1" strike="noStrike">
                 <a:latin typeface="Arial"/>
               </a:rPr>
               <a:t>点击鼠标编辑大纲文字格式</a:t>
             </a:r>
-            <a:endParaRPr b="0" lang="en-US" sz="3200" spc="-1" strike="noStrike">
-              <a:latin typeface="Arial"/>
-            </a:endParaRPr>
-          </a:p>
-          <a:p>
-            <a:pPr lvl="1" marL="864000" indent="-324000">
+            <a:endParaRPr b="0" lang="en-US" sz="1800" spc="-1" strike="noStrike">
+              <a:latin typeface="Arial"/>
+            </a:endParaRPr>
+          </a:p>
+          <a:p>
+            <a:pPr lvl="1" marL="864000" indent="-324000" algn="ctr">
               <a:spcBef>
                 <a:spcPts val="1134"/>
               </a:spcBef>
@@ -4580,17 +4581,17 @@
               <a:buChar char=""/>
             </a:pPr>
             <a:r>
-              <a:rPr b="0" lang="zh-CN" sz="2800" spc="-1" strike="noStrike">
+              <a:rPr b="0" lang="zh-CN" sz="1800" spc="-1" strike="noStrike">
                 <a:latin typeface="Arial"/>
               </a:rPr>
               <a:t>第二个大纲级</a:t>
             </a:r>
-            <a:endParaRPr b="0" lang="en-US" sz="2800" spc="-1" strike="noStrike">
-              <a:latin typeface="Arial"/>
-            </a:endParaRPr>
-          </a:p>
-          <a:p>
-            <a:pPr lvl="2" marL="1296000" indent="-288000">
+            <a:endParaRPr b="0" lang="en-US" sz="1800" spc="-1" strike="noStrike">
+              <a:latin typeface="Arial"/>
+            </a:endParaRPr>
+          </a:p>
+          <a:p>
+            <a:pPr lvl="2" marL="1296000" indent="-288000" algn="ctr">
               <a:spcBef>
                 <a:spcPts val="850"/>
               </a:spcBef>
@@ -4602,17 +4603,17 @@
               <a:buChar char=""/>
             </a:pPr>
             <a:r>
-              <a:rPr b="0" lang="zh-CN" sz="2400" spc="-1" strike="noStrike">
+              <a:rPr b="0" lang="zh-CN" sz="1800" spc="-1" strike="noStrike">
                 <a:latin typeface="Arial"/>
               </a:rPr>
               <a:t>第三大纲级别</a:t>
             </a:r>
-            <a:endParaRPr b="0" lang="en-US" sz="2400" spc="-1" strike="noStrike">
-              <a:latin typeface="Arial"/>
-            </a:endParaRPr>
-          </a:p>
-          <a:p>
-            <a:pPr lvl="3" marL="1728000" indent="-216000">
+            <a:endParaRPr b="0" lang="en-US" sz="1800" spc="-1" strike="noStrike">
+              <a:latin typeface="Arial"/>
+            </a:endParaRPr>
+          </a:p>
+          <a:p>
+            <a:pPr lvl="3" marL="1728000" indent="-216000" algn="ctr">
               <a:spcBef>
                 <a:spcPts val="567"/>
               </a:spcBef>
@@ -4624,17 +4625,17 @@
               <a:buChar char=""/>
             </a:pPr>
             <a:r>
-              <a:rPr b="0" lang="zh-CN" sz="2000" spc="-1" strike="noStrike">
+              <a:rPr b="0" lang="zh-CN" sz="1800" spc="-1" strike="noStrike">
                 <a:latin typeface="Arial"/>
               </a:rPr>
               <a:t>第四大纲级别</a:t>
             </a:r>
-            <a:endParaRPr b="0" lang="en-US" sz="2000" spc="-1" strike="noStrike">
-              <a:latin typeface="Arial"/>
-            </a:endParaRPr>
-          </a:p>
-          <a:p>
-            <a:pPr lvl="4" marL="2160000" indent="-216000">
+            <a:endParaRPr b="0" lang="en-US" sz="1800" spc="-1" strike="noStrike">
+              <a:latin typeface="Arial"/>
+            </a:endParaRPr>
+          </a:p>
+          <a:p>
+            <a:pPr lvl="4" marL="2160000" indent="-216000" algn="ctr">
               <a:spcBef>
                 <a:spcPts val="283"/>
               </a:spcBef>
@@ -4646,17 +4647,17 @@
               <a:buChar char=""/>
             </a:pPr>
             <a:r>
-              <a:rPr b="0" lang="zh-CN" sz="2000" spc="-1" strike="noStrike">
+              <a:rPr b="0" lang="zh-CN" sz="1800" spc="-1" strike="noStrike">
                 <a:latin typeface="Arial"/>
               </a:rPr>
               <a:t>第五大纲级别</a:t>
             </a:r>
-            <a:endParaRPr b="0" lang="en-US" sz="2000" spc="-1" strike="noStrike">
-              <a:latin typeface="Arial"/>
-            </a:endParaRPr>
-          </a:p>
-          <a:p>
-            <a:pPr lvl="5" marL="2592000" indent="-216000">
+            <a:endParaRPr b="0" lang="en-US" sz="1800" spc="-1" strike="noStrike">
+              <a:latin typeface="Arial"/>
+            </a:endParaRPr>
+          </a:p>
+          <a:p>
+            <a:pPr lvl="5" marL="2592000" indent="-216000" algn="ctr">
               <a:spcBef>
                 <a:spcPts val="283"/>
               </a:spcBef>
@@ -4668,17 +4669,17 @@
               <a:buChar char=""/>
             </a:pPr>
             <a:r>
-              <a:rPr b="0" lang="zh-CN" sz="2000" spc="-1" strike="noStrike">
+              <a:rPr b="0" lang="zh-CN" sz="1800" spc="-1" strike="noStrike">
                 <a:latin typeface="Arial"/>
               </a:rPr>
               <a:t>第六大纲级别</a:t>
             </a:r>
-            <a:endParaRPr b="0" lang="en-US" sz="2000" spc="-1" strike="noStrike">
-              <a:latin typeface="Arial"/>
-            </a:endParaRPr>
-          </a:p>
-          <a:p>
-            <a:pPr lvl="6" marL="3024000" indent="-216000">
+            <a:endParaRPr b="0" lang="en-US" sz="1800" spc="-1" strike="noStrike">
+              <a:latin typeface="Arial"/>
+            </a:endParaRPr>
+          </a:p>
+          <a:p>
+            <a:pPr lvl="6" marL="3024000" indent="-216000" algn="ctr">
               <a:spcBef>
                 <a:spcPts val="283"/>
               </a:spcBef>
@@ -4690,12 +4691,12 @@
               <a:buChar char=""/>
             </a:pPr>
             <a:r>
-              <a:rPr b="0" lang="zh-CN" sz="2000" spc="-1" strike="noStrike">
+              <a:rPr b="0" lang="zh-CN" sz="1800" spc="-1" strike="noStrike">
                 <a:latin typeface="Arial"/>
               </a:rPr>
               <a:t>第七大纲级别</a:t>
             </a:r>
-            <a:endParaRPr b="0" lang="en-US" sz="2000" spc="-1" strike="noStrike">
+            <a:endParaRPr b="0" lang="en-US" sz="1800" spc="-1" strike="noStrike">
               <a:latin typeface="Arial"/>
             </a:endParaRPr>
           </a:p>
@@ -5010,7 +5011,7 @@
         <p:spPr>
           <a:xfrm>
             <a:off x="323640" y="5589360"/>
-            <a:ext cx="3332520" cy="649080"/>
+            <a:ext cx="3332160" cy="648720"/>
           </a:xfrm>
           <a:prstGeom prst="rect">
             <a:avLst/>
@@ -5036,7 +5037,7 @@
         <p:spPr>
           <a:xfrm>
             <a:off x="685800" y="1628640"/>
-            <a:ext cx="7771680" cy="2043000"/>
+            <a:ext cx="7771320" cy="2042640"/>
           </a:xfrm>
           <a:prstGeom prst="rect">
             <a:avLst/>
@@ -5097,7 +5098,7 @@
         <p:spPr>
           <a:xfrm>
             <a:off x="4428000" y="4005000"/>
-            <a:ext cx="3527640" cy="1037160"/>
+            <a:ext cx="3527280" cy="1036800"/>
           </a:xfrm>
           <a:prstGeom prst="rect">
             <a:avLst/>
@@ -5131,7 +5132,7 @@
                 <a:latin typeface="微软雅黑"/>
                 <a:ea typeface="微软雅黑"/>
               </a:rPr>
-              <a:t>讲师：武晟然</a:t>
+              <a:t>讲师：左元</a:t>
             </a:r>
             <a:endParaRPr b="0" lang="en-US" sz="2800" spc="-1" strike="noStrike">
               <a:latin typeface="Arial"/>
@@ -5178,7 +5179,7 @@
         <p:spPr>
           <a:xfrm>
             <a:off x="457200" y="620640"/>
-            <a:ext cx="8228880" cy="1142280"/>
+            <a:ext cx="8228520" cy="1141920"/>
           </a:xfrm>
           <a:prstGeom prst="rect">
             <a:avLst/>
@@ -5229,7 +5230,7 @@
         <p:spPr>
           <a:xfrm>
             <a:off x="827640" y="1700640"/>
-            <a:ext cx="7416000" cy="719280"/>
+            <a:ext cx="7415640" cy="718920"/>
           </a:xfrm>
           <a:prstGeom prst="rect">
             <a:avLst/>
@@ -5250,7 +5251,7 @@
             <a:noAutofit/>
           </a:bodyPr>
           <a:p>
-            <a:pPr marL="343080" indent="-342360">
+            <a:pPr marL="343080" indent="-342000">
               <a:lnSpc>
                 <a:spcPct val="200000"/>
               </a:lnSpc>
@@ -5289,7 +5290,7 @@
         <p:spPr>
           <a:xfrm>
             <a:off x="1073880" y="2421000"/>
-            <a:ext cx="6923520" cy="1252800"/>
+            <a:ext cx="6923160" cy="1252440"/>
           </a:xfrm>
           <a:prstGeom prst="rect">
             <a:avLst/>
@@ -5308,7 +5309,7 @@
         <p:spPr>
           <a:xfrm>
             <a:off x="827640" y="3789000"/>
-            <a:ext cx="7416000" cy="719280"/>
+            <a:ext cx="7415640" cy="718920"/>
           </a:xfrm>
           <a:prstGeom prst="rect">
             <a:avLst/>
@@ -5329,7 +5330,7 @@
             <a:noAutofit/>
           </a:bodyPr>
           <a:p>
-            <a:pPr marL="343080" indent="-342360">
+            <a:pPr marL="343080" indent="-342000">
               <a:lnSpc>
                 <a:spcPct val="200000"/>
               </a:lnSpc>
@@ -5364,7 +5365,7 @@
         <p:spPr>
           <a:xfrm>
             <a:off x="827640" y="4869000"/>
-            <a:ext cx="7416000" cy="719280"/>
+            <a:ext cx="7415640" cy="718920"/>
           </a:xfrm>
           <a:prstGeom prst="rect">
             <a:avLst/>
@@ -5385,7 +5386,7 @@
             <a:noAutofit/>
           </a:bodyPr>
           <a:p>
-            <a:pPr marL="343080" indent="-342360">
+            <a:pPr marL="343080" indent="-342000">
               <a:lnSpc>
                 <a:spcPct val="200000"/>
               </a:lnSpc>
@@ -5424,7 +5425,7 @@
         <p:spPr>
           <a:xfrm>
             <a:off x="2417760" y="4470480"/>
-            <a:ext cx="3311640" cy="391320"/>
+            <a:ext cx="3311280" cy="390960"/>
           </a:xfrm>
           <a:prstGeom prst="rect">
             <a:avLst/>
@@ -5447,7 +5448,7 @@
         <p:spPr>
           <a:xfrm>
             <a:off x="2386800" y="5589360"/>
-            <a:ext cx="3702600" cy="315360"/>
+            <a:ext cx="3702240" cy="315000"/>
           </a:xfrm>
           <a:prstGeom prst="rect">
             <a:avLst/>
@@ -5489,14 +5490,14 @@
       </p:grpSpPr>
       <p:sp>
         <p:nvSpPr>
-          <p:cNvPr id="110" name="CustomShape 1"/>
-          <p:cNvSpPr/>
+          <p:cNvPr id="110" name="TextShape 1"/>
+          <p:cNvSpPr txBox="1"/>
           <p:nvPr/>
         </p:nvSpPr>
         <p:spPr>
           <a:xfrm>
-            <a:off x="457200" y="620640"/>
-            <a:ext cx="8228880" cy="1142280"/>
+            <a:off x="1224000" y="2088000"/>
+            <a:ext cx="6721920" cy="1669680"/>
           </a:xfrm>
           <a:prstGeom prst="rect">
             <a:avLst/>
@@ -5506,242 +5507,96 @@
             <a:noFill/>
           </a:ln>
         </p:spPr>
-        <p:style>
-          <a:lnRef idx="0"/>
-          <a:fillRef idx="0"/>
-          <a:effectRef idx="0"/>
-          <a:fontRef idx="minor"/>
-        </p:style>
-        <p:txBody>
-          <a:bodyPr lIns="90000" rIns="90000" tIns="45000" bIns="45000" anchor="ctr">
-            <a:normAutofit/>
-          </a:bodyPr>
-          <a:p>
-            <a:pPr>
-              <a:lnSpc>
-                <a:spcPct val="100000"/>
-              </a:lnSpc>
-            </a:pPr>
-            <a:r>
-              <a:rPr b="0" lang="zh-CN" sz="3200" spc="-1" strike="noStrike">
-                <a:solidFill>
-                  <a:srgbClr val="404040"/>
-                </a:solidFill>
-                <a:latin typeface="微软雅黑"/>
-                <a:ea typeface="微软雅黑"/>
-              </a:rPr>
-              <a:t>状态后端（</a:t>
-            </a:r>
-            <a:r>
-              <a:rPr b="0" lang="en-US" sz="3200" spc="-1" strike="noStrike">
-                <a:solidFill>
-                  <a:srgbClr val="404040"/>
-                </a:solidFill>
-                <a:latin typeface="微软雅黑"/>
-                <a:ea typeface="微软雅黑"/>
-              </a:rPr>
-              <a:t>State Backends</a:t>
-            </a:r>
-            <a:r>
-              <a:rPr b="0" lang="zh-CN" sz="3200" spc="-1" strike="noStrike">
-                <a:solidFill>
-                  <a:srgbClr val="404040"/>
-                </a:solidFill>
-                <a:latin typeface="微软雅黑"/>
-                <a:ea typeface="微软雅黑"/>
-              </a:rPr>
-              <a:t>）</a:t>
-            </a:r>
-            <a:endParaRPr b="0" lang="en-US" sz="3200" spc="-1" strike="noStrike">
-              <a:latin typeface="Arial"/>
-            </a:endParaRPr>
-          </a:p>
-        </p:txBody>
-      </p:sp>
-      <p:sp>
-        <p:nvSpPr>
-          <p:cNvPr id="111" name="CustomShape 2"/>
-          <p:cNvSpPr/>
-          <p:nvPr/>
-        </p:nvSpPr>
-        <p:spPr>
-          <a:xfrm>
-            <a:off x="827640" y="1763640"/>
-            <a:ext cx="7416000" cy="4689000"/>
-          </a:xfrm>
-          <a:prstGeom prst="rect">
-            <a:avLst/>
-          </a:prstGeom>
-          <a:noFill/>
-          <a:ln>
-            <a:noFill/>
-          </a:ln>
-        </p:spPr>
-        <p:style>
-          <a:lnRef idx="0"/>
-          <a:fillRef idx="0"/>
-          <a:effectRef idx="0"/>
-          <a:fontRef idx="minor"/>
-        </p:style>
         <p:txBody>
           <a:bodyPr lIns="90000" rIns="90000" tIns="45000" bIns="45000">
             <a:noAutofit/>
           </a:bodyPr>
           <a:p>
-            <a:pPr marL="343080" indent="-342360">
-              <a:lnSpc>
-                <a:spcPct val="200000"/>
-              </a:lnSpc>
-              <a:buClr>
-                <a:srgbClr val="000000"/>
-              </a:buClr>
-              <a:buFont typeface="Arial"/>
-              <a:buChar char="•"/>
-            </a:pPr>
+            <a:r>
+              <a:rPr b="0" lang="en-US" sz="1800" spc="-1" strike="noStrike">
+                <a:latin typeface="Arial"/>
+              </a:rPr>
+              <a:t>Keyed State</a:t>
+            </a:r>
+            <a:endParaRPr b="0" lang="en-US" sz="1800" spc="-1" strike="noStrike">
+              <a:latin typeface="Arial"/>
+            </a:endParaRPr>
+          </a:p>
+          <a:p>
+            <a:endParaRPr b="0" lang="en-US" sz="1800" spc="-1" strike="noStrike">
+              <a:latin typeface="Arial"/>
+            </a:endParaRPr>
+          </a:p>
+          <a:p>
+            <a:r>
+              <a:rPr b="0" lang="en-US" sz="1800" spc="-1" strike="noStrike">
+                <a:latin typeface="Arial"/>
+              </a:rPr>
+              <a:t>- getRuntimeContext.getState: </a:t>
+            </a:r>
             <a:r>
               <a:rPr b="0" lang="zh-CN" sz="1800" spc="-1" strike="noStrike">
-                <a:solidFill>
-                  <a:srgbClr val="000000"/>
-                </a:solidFill>
-                <a:latin typeface="微软雅黑 Light"/>
-                <a:ea typeface="微软雅黑 Light"/>
-              </a:rPr>
-              <a:t>每传入一条数据，有状态的算子任务都会读取和更新状态</a:t>
+                <a:latin typeface="Arial"/>
+              </a:rPr>
+              <a:t>可见范围，当前</a:t>
+            </a:r>
+            <a:r>
+              <a:rPr b="0" lang="en-US" sz="1800" spc="-1" strike="noStrike">
+                <a:latin typeface="Arial"/>
+              </a:rPr>
+              <a:t>key</a:t>
             </a:r>
             <a:endParaRPr b="0" lang="en-US" sz="1800" spc="-1" strike="noStrike">
               <a:latin typeface="Arial"/>
             </a:endParaRPr>
           </a:p>
           <a:p>
-            <a:pPr marL="343080" indent="-342360">
-              <a:lnSpc>
-                <a:spcPct val="200000"/>
-              </a:lnSpc>
-              <a:buClr>
-                <a:srgbClr val="000000"/>
-              </a:buClr>
-              <a:buFont typeface="Arial"/>
-              <a:buChar char="•"/>
-            </a:pPr>
+            <a:r>
+              <a:rPr b="0" lang="en-US" sz="1800" spc="-1" strike="noStrike">
+                <a:latin typeface="Arial"/>
+              </a:rPr>
+              <a:t>- context.windowState.getState: </a:t>
+            </a:r>
             <a:r>
               <a:rPr b="0" lang="zh-CN" sz="1800" spc="-1" strike="noStrike">
-                <a:solidFill>
-                  <a:srgbClr val="000000"/>
-                </a:solidFill>
-                <a:latin typeface="微软雅黑 Light"/>
-                <a:ea typeface="微软雅黑 Light"/>
-              </a:rPr>
-              <a:t>由于有效的状态访问对于处理数据的低延迟至关重要，因此每个并行任务都会在本地维护其状态，以确保快速的状态访问</a:t>
+                <a:latin typeface="Arial"/>
+              </a:rPr>
+              <a:t>可见范围，当前</a:t>
+            </a:r>
+            <a:r>
+              <a:rPr b="0" lang="en-US" sz="1800" spc="-1" strike="noStrike">
+                <a:latin typeface="Arial"/>
+              </a:rPr>
+              <a:t>key</a:t>
+            </a:r>
+            <a:r>
+              <a:rPr b="0" lang="zh-CN" sz="1800" spc="-1" strike="noStrike">
+                <a:latin typeface="Arial"/>
+              </a:rPr>
+              <a:t>且当前窗口</a:t>
             </a:r>
             <a:endParaRPr b="0" lang="en-US" sz="1800" spc="-1" strike="noStrike">
               <a:latin typeface="Arial"/>
             </a:endParaRPr>
           </a:p>
           <a:p>
-            <a:pPr marL="343080" indent="-342360">
-              <a:lnSpc>
-                <a:spcPct val="200000"/>
-              </a:lnSpc>
-              <a:buClr>
-                <a:srgbClr val="000000"/>
-              </a:buClr>
-              <a:buFont typeface="Arial"/>
-              <a:buChar char="•"/>
-            </a:pPr>
+            <a:r>
+              <a:rPr b="0" lang="en-US" sz="1800" spc="-1" strike="noStrike">
+                <a:latin typeface="Arial"/>
+              </a:rPr>
+              <a:t>- context.getPartitionedState: </a:t>
+            </a:r>
             <a:r>
               <a:rPr b="0" lang="zh-CN" sz="1800" spc="-1" strike="noStrike">
-                <a:solidFill>
-                  <a:srgbClr val="000000"/>
-                </a:solidFill>
-                <a:latin typeface="微软雅黑 Light"/>
-                <a:ea typeface="微软雅黑 Light"/>
-              </a:rPr>
-              <a:t>状态的存储、访问以及维护，由一个可插入的组件决定，这个组件就叫做</a:t>
-            </a:r>
-            <a:r>
-              <a:rPr b="1" lang="zh-CN" sz="1800" spc="-1" strike="noStrike">
-                <a:solidFill>
-                  <a:srgbClr val="000000"/>
-                </a:solidFill>
-                <a:latin typeface="微软雅黑 Light"/>
-                <a:ea typeface="微软雅黑 Light"/>
-              </a:rPr>
-              <a:t>状态后端</a:t>
-            </a:r>
-            <a:r>
-              <a:rPr b="0" lang="zh-CN" sz="1800" spc="-1" strike="noStrike">
-                <a:solidFill>
-                  <a:srgbClr val="000000"/>
-                </a:solidFill>
-                <a:latin typeface="微软雅黑 Light"/>
-                <a:ea typeface="微软雅黑 Light"/>
-              </a:rPr>
-              <a:t>（</a:t>
+                <a:latin typeface="Arial"/>
+              </a:rPr>
+              <a:t>可见范围，当前</a:t>
             </a:r>
             <a:r>
               <a:rPr b="0" lang="en-US" sz="1800" spc="-1" strike="noStrike">
-                <a:solidFill>
-                  <a:srgbClr val="000000"/>
-                </a:solidFill>
-                <a:latin typeface="微软雅黑 Light"/>
-                <a:ea typeface="微软雅黑 Light"/>
-              </a:rPr>
-              <a:t>state backend</a:t>
-            </a:r>
-            <a:r>
-              <a:rPr b="0" lang="zh-CN" sz="1800" spc="-1" strike="noStrike">
-                <a:solidFill>
-                  <a:srgbClr val="000000"/>
-                </a:solidFill>
-                <a:latin typeface="微软雅黑 Light"/>
-                <a:ea typeface="微软雅黑 Light"/>
-              </a:rPr>
-              <a:t>）</a:t>
-            </a:r>
-            <a:endParaRPr b="0" lang="en-US" sz="1800" spc="-1" strike="noStrike">
-              <a:latin typeface="Arial"/>
-            </a:endParaRPr>
-          </a:p>
-          <a:p>
-            <a:pPr marL="343080" indent="-342360">
-              <a:lnSpc>
-                <a:spcPct val="200000"/>
-              </a:lnSpc>
-              <a:buClr>
-                <a:srgbClr val="000000"/>
-              </a:buClr>
-              <a:buFont typeface="Arial"/>
-              <a:buChar char="•"/>
-            </a:pPr>
-            <a:r>
-              <a:rPr b="0" lang="zh-CN" sz="1800" spc="-1" strike="noStrike">
-                <a:solidFill>
-                  <a:srgbClr val="000000"/>
-                </a:solidFill>
-                <a:latin typeface="微软雅黑 Light"/>
-                <a:ea typeface="微软雅黑 Light"/>
-              </a:rPr>
-              <a:t>状态后端主要负责两件事：本地的状态管理，以及将检查点（</a:t>
-            </a:r>
-            <a:r>
-              <a:rPr b="0" lang="en-US" sz="1800" spc="-1" strike="noStrike">
-                <a:solidFill>
-                  <a:srgbClr val="000000"/>
-                </a:solidFill>
-                <a:latin typeface="微软雅黑 Light"/>
-                <a:ea typeface="微软雅黑 Light"/>
-              </a:rPr>
-              <a:t>checkpoint</a:t>
-            </a:r>
-            <a:r>
-              <a:rPr b="0" lang="zh-CN" sz="1800" spc="-1" strike="noStrike">
-                <a:solidFill>
-                  <a:srgbClr val="000000"/>
-                </a:solidFill>
-                <a:latin typeface="微软雅黑 Light"/>
-                <a:ea typeface="微软雅黑 Light"/>
-              </a:rPr>
-              <a:t>）状态写入远程存储</a:t>
+                <a:latin typeface="Arial"/>
+              </a:rPr>
+              <a:t>key</a:t>
             </a:r>
             <a:endParaRPr b="0" lang="en-US" sz="1800" spc="-1" strike="noStrike">
               <a:latin typeface="Arial"/>
@@ -5781,14 +5636,14 @@
       </p:grpSpPr>
       <p:sp>
         <p:nvSpPr>
-          <p:cNvPr id="112" name="CustomShape 1"/>
+          <p:cNvPr id="111" name="CustomShape 1"/>
           <p:cNvSpPr/>
           <p:nvPr/>
         </p:nvSpPr>
         <p:spPr>
           <a:xfrm>
             <a:off x="457200" y="620640"/>
-            <a:ext cx="8228880" cy="1142280"/>
+            <a:ext cx="8228520" cy="1141920"/>
           </a:xfrm>
           <a:prstGeom prst="rect">
             <a:avLst/>
@@ -5822,7 +5677,27 @@
                 <a:latin typeface="微软雅黑"/>
                 <a:ea typeface="微软雅黑"/>
               </a:rPr>
-              <a:t>选择一个状态后端</a:t>
+              <a:t>状态后端（</a:t>
+            </a:r>
+            <a:r>
+              <a:rPr b="0" lang="en-US" sz="3200" spc="-1" strike="noStrike">
+                <a:solidFill>
+                  <a:srgbClr val="404040"/>
+                </a:solidFill>
+                <a:latin typeface="微软雅黑"/>
+                <a:ea typeface="微软雅黑"/>
+              </a:rPr>
+              <a:t>State Backends</a:t>
+            </a:r>
+            <a:r>
+              <a:rPr b="0" lang="zh-CN" sz="3200" spc="-1" strike="noStrike">
+                <a:solidFill>
+                  <a:srgbClr val="404040"/>
+                </a:solidFill>
+                <a:latin typeface="微软雅黑"/>
+                <a:ea typeface="微软雅黑"/>
+              </a:rPr>
+              <a:t>）</a:t>
             </a:r>
             <a:endParaRPr b="0" lang="en-US" sz="3200" spc="-1" strike="noStrike">
               <a:latin typeface="Arial"/>
@@ -5832,14 +5707,14 @@
       </p:sp>
       <p:sp>
         <p:nvSpPr>
-          <p:cNvPr id="113" name="CustomShape 2"/>
+          <p:cNvPr id="112" name="CustomShape 2"/>
           <p:cNvSpPr/>
           <p:nvPr/>
         </p:nvSpPr>
         <p:spPr>
           <a:xfrm>
-            <a:off x="827640" y="1556640"/>
-            <a:ext cx="7416000" cy="4689000"/>
+            <a:off x="827640" y="1763640"/>
+            <a:ext cx="7415640" cy="4688640"/>
           </a:xfrm>
           <a:prstGeom prst="rect">
             <a:avLst/>
@@ -5860,34 +5735,34 @@
             <a:noAutofit/>
           </a:bodyPr>
           <a:p>
-            <a:pPr marL="285840" indent="-285120">
+            <a:pPr marL="343080" indent="-342000">
               <a:lnSpc>
                 <a:spcPct val="200000"/>
               </a:lnSpc>
               <a:buClr>
                 <a:srgbClr val="000000"/>
               </a:buClr>
-              <a:buFont typeface="Wingdings" charset="2"/>
-              <a:buChar char=""/>
-            </a:pPr>
-            <a:r>
-              <a:rPr b="0" lang="en-US" sz="1800" spc="-1" strike="noStrike">
-                <a:solidFill>
-                  <a:srgbClr val="000000"/>
-                </a:solidFill>
-                <a:latin typeface="微软雅黑 Light"/>
-                <a:ea typeface="微软雅黑 Light"/>
-              </a:rPr>
-              <a:t>MemoryStateBackend</a:t>
+              <a:buFont typeface="Arial"/>
+              <a:buChar char="•"/>
+            </a:pPr>
+            <a:r>
+              <a:rPr b="0" lang="zh-CN" sz="1800" spc="-1" strike="noStrike">
+                <a:solidFill>
+                  <a:srgbClr val="000000"/>
+                </a:solidFill>
+                <a:latin typeface="微软雅黑 Light"/>
+                <a:ea typeface="微软雅黑 Light"/>
+              </a:rPr>
+              <a:t>每传入一条数据，有状态的算子任务都会读取和更新状态</a:t>
             </a:r>
             <a:endParaRPr b="0" lang="en-US" sz="1800" spc="-1" strike="noStrike">
               <a:latin typeface="Arial"/>
             </a:endParaRPr>
           </a:p>
           <a:p>
-            <a:pPr marL="285840" indent="-285120">
+            <a:pPr marL="343080" indent="-342000">
               <a:lnSpc>
-                <a:spcPct val="180000"/>
+                <a:spcPct val="200000"/>
               </a:lnSpc>
               <a:buClr>
                 <a:srgbClr val="000000"/>
@@ -5896,103 +5771,23 @@
               <a:buChar char="•"/>
             </a:pPr>
             <a:r>
-              <a:rPr b="0" lang="zh-CN" sz="1600" spc="-1" strike="noStrike">
-                <a:solidFill>
-                  <a:srgbClr val="000000"/>
-                </a:solidFill>
-                <a:latin typeface="微软雅黑 Light"/>
-                <a:ea typeface="微软雅黑 Light"/>
-              </a:rPr>
-              <a:t>内存级的状态后端，会将键控状态作为内存中的对象进行管理，将它们存储在 </a:t>
-            </a:r>
-            <a:r>
-              <a:rPr b="0" lang="en-US" sz="1600" spc="-1" strike="noStrike">
-                <a:solidFill>
-                  <a:srgbClr val="000000"/>
-                </a:solidFill>
-                <a:latin typeface="微软雅黑 Light"/>
-                <a:ea typeface="微软雅黑 Light"/>
-              </a:rPr>
-              <a:t>TaskManager </a:t>
-            </a:r>
-            <a:r>
-              <a:rPr b="0" lang="zh-CN" sz="1600" spc="-1" strike="noStrike">
-                <a:solidFill>
-                  <a:srgbClr val="000000"/>
-                </a:solidFill>
-                <a:latin typeface="微软雅黑 Light"/>
-                <a:ea typeface="微软雅黑 Light"/>
-              </a:rPr>
-              <a:t>的 </a:t>
-            </a:r>
-            <a:r>
-              <a:rPr b="0" lang="en-US" sz="1600" spc="-1" strike="noStrike">
-                <a:solidFill>
-                  <a:srgbClr val="000000"/>
-                </a:solidFill>
-                <a:latin typeface="微软雅黑 Light"/>
-                <a:ea typeface="微软雅黑 Light"/>
-              </a:rPr>
-              <a:t>JVM </a:t>
-            </a:r>
-            <a:r>
-              <a:rPr b="0" lang="zh-CN" sz="1600" spc="-1" strike="noStrike">
-                <a:solidFill>
-                  <a:srgbClr val="000000"/>
-                </a:solidFill>
-                <a:latin typeface="微软雅黑 Light"/>
-                <a:ea typeface="微软雅黑 Light"/>
-              </a:rPr>
-              <a:t>堆上，而将 </a:t>
-            </a:r>
-            <a:r>
-              <a:rPr b="0" lang="en-US" sz="1600" spc="-1" strike="noStrike">
-                <a:solidFill>
-                  <a:srgbClr val="000000"/>
-                </a:solidFill>
-                <a:latin typeface="微软雅黑 Light"/>
-                <a:ea typeface="微软雅黑 Light"/>
-              </a:rPr>
-              <a:t>checkpoint </a:t>
-            </a:r>
-            <a:r>
-              <a:rPr b="0" lang="zh-CN" sz="1600" spc="-1" strike="noStrike">
-                <a:solidFill>
-                  <a:srgbClr val="000000"/>
-                </a:solidFill>
-                <a:latin typeface="微软雅黑 Light"/>
-                <a:ea typeface="微软雅黑 Light"/>
-              </a:rPr>
-              <a:t>存储在 </a:t>
-            </a:r>
-            <a:r>
-              <a:rPr b="0" lang="en-US" sz="1600" spc="-1" strike="noStrike">
-                <a:solidFill>
-                  <a:srgbClr val="000000"/>
-                </a:solidFill>
-                <a:latin typeface="微软雅黑 Light"/>
-                <a:ea typeface="微软雅黑 Light"/>
-              </a:rPr>
-              <a:t>JobManager </a:t>
-            </a:r>
-            <a:r>
-              <a:rPr b="0" lang="zh-CN" sz="1600" spc="-1" strike="noStrike">
-                <a:solidFill>
-                  <a:srgbClr val="000000"/>
-                </a:solidFill>
-                <a:latin typeface="微软雅黑 Light"/>
-                <a:ea typeface="微软雅黑 Light"/>
-              </a:rPr>
-              <a:t>的内存中</a:t>
-            </a:r>
-            <a:endParaRPr b="0" lang="en-US" sz="1600" spc="-1" strike="noStrike">
-              <a:latin typeface="Arial"/>
-            </a:endParaRPr>
-          </a:p>
-          <a:p>
-            <a:pPr marL="285840" indent="-285120">
+              <a:rPr b="0" lang="zh-CN" sz="1800" spc="-1" strike="noStrike">
+                <a:solidFill>
+                  <a:srgbClr val="000000"/>
+                </a:solidFill>
+                <a:latin typeface="微软雅黑 Light"/>
+                <a:ea typeface="微软雅黑 Light"/>
+              </a:rPr>
+              <a:t>由于有效的状态访问对于处理数据的低延迟至关重要，因此每个并行任务都会在本地（内存）维护其状态，以确保快速的状态访问</a:t>
+            </a:r>
+            <a:endParaRPr b="0" lang="en-US" sz="1800" spc="-1" strike="noStrike">
+              <a:latin typeface="Arial"/>
+            </a:endParaRPr>
+          </a:p>
+          <a:p>
+            <a:pPr marL="343080" indent="-342000">
               <a:lnSpc>
-                <a:spcPct val="180000"/>
+                <a:spcPct val="200000"/>
               </a:lnSpc>
               <a:buClr>
                 <a:srgbClr val="000000"/>
@@ -6001,205 +5796,90 @@
               <a:buChar char="•"/>
             </a:pPr>
             <a:r>
-              <a:rPr b="0" lang="zh-CN" sz="1600" spc="-1" strike="noStrike">
-                <a:solidFill>
-                  <a:srgbClr val="000000"/>
-                </a:solidFill>
-                <a:latin typeface="微软雅黑 Light"/>
-                <a:ea typeface="微软雅黑 Light"/>
-              </a:rPr>
-              <a:t>特点：快速、低延迟，但不稳定</a:t>
-            </a:r>
-            <a:endParaRPr b="0" lang="en-US" sz="1600" spc="-1" strike="noStrike">
-              <a:latin typeface="Arial"/>
-            </a:endParaRPr>
-          </a:p>
-          <a:p>
-            <a:pPr marL="285840" indent="-285120">
+              <a:rPr b="0" lang="zh-CN" sz="1800" spc="-1" strike="noStrike">
+                <a:solidFill>
+                  <a:srgbClr val="000000"/>
+                </a:solidFill>
+                <a:latin typeface="微软雅黑 Light"/>
+                <a:ea typeface="微软雅黑 Light"/>
+              </a:rPr>
+              <a:t>状态的存储、访问以及维护，由一个可插入的组件决定，这个组件就叫做</a:t>
+            </a:r>
+            <a:r>
+              <a:rPr b="1" lang="zh-CN" sz="1800" spc="-1" strike="noStrike">
+                <a:solidFill>
+                  <a:srgbClr val="000000"/>
+                </a:solidFill>
+                <a:latin typeface="微软雅黑 Light"/>
+                <a:ea typeface="微软雅黑 Light"/>
+              </a:rPr>
+              <a:t>状态后端</a:t>
+            </a:r>
+            <a:r>
+              <a:rPr b="0" lang="zh-CN" sz="1800" spc="-1" strike="noStrike">
+                <a:solidFill>
+                  <a:srgbClr val="000000"/>
+                </a:solidFill>
+                <a:latin typeface="微软雅黑 Light"/>
+                <a:ea typeface="微软雅黑 Light"/>
+              </a:rPr>
+              <a:t>（</a:t>
+            </a:r>
+            <a:r>
+              <a:rPr b="0" lang="en-US" sz="1800" spc="-1" strike="noStrike">
+                <a:solidFill>
+                  <a:srgbClr val="000000"/>
+                </a:solidFill>
+                <a:latin typeface="微软雅黑 Light"/>
+                <a:ea typeface="微软雅黑 Light"/>
+              </a:rPr>
+              <a:t>S</a:t>
+            </a:r>
+            <a:r>
+              <a:rPr b="0" lang="en-US" sz="1800" spc="-1" strike="noStrike">
+                <a:solidFill>
+                  <a:srgbClr val="000000"/>
+                </a:solidFill>
+                <a:latin typeface="微软雅黑 Light"/>
+                <a:ea typeface="微软雅黑 Light"/>
+              </a:rPr>
+              <a:t>tate Backend</a:t>
+            </a:r>
+            <a:r>
+              <a:rPr b="0" lang="zh-CN" sz="1800" spc="-1" strike="noStrike">
+                <a:solidFill>
+                  <a:srgbClr val="000000"/>
+                </a:solidFill>
+                <a:latin typeface="微软雅黑 Light"/>
+                <a:ea typeface="微软雅黑 Light"/>
+              </a:rPr>
+              <a:t>）</a:t>
+            </a:r>
+            <a:endParaRPr b="0" lang="en-US" sz="1800" spc="-1" strike="noStrike">
+              <a:latin typeface="Arial"/>
+            </a:endParaRPr>
+          </a:p>
+          <a:p>
+            <a:pPr marL="343080" indent="-342000">
               <a:lnSpc>
                 <a:spcPct val="200000"/>
               </a:lnSpc>
               <a:buClr>
                 <a:srgbClr val="000000"/>
               </a:buClr>
-              <a:buFont typeface="Wingdings" charset="2"/>
-              <a:buChar char=""/>
-            </a:pPr>
-            <a:r>
-              <a:rPr b="0" lang="en-US" sz="1800" spc="-1" strike="noStrike">
-                <a:solidFill>
-                  <a:srgbClr val="000000"/>
-                </a:solidFill>
-                <a:latin typeface="微软雅黑 Light"/>
-                <a:ea typeface="微软雅黑 Light"/>
-              </a:rPr>
-              <a:t>FsStateBackend</a:t>
-            </a:r>
-            <a:endParaRPr b="0" lang="en-US" sz="1800" spc="-1" strike="noStrike">
-              <a:latin typeface="Arial"/>
-            </a:endParaRPr>
-          </a:p>
-          <a:p>
-            <a:pPr marL="285840" indent="-285120">
-              <a:lnSpc>
-                <a:spcPct val="180000"/>
-              </a:lnSpc>
-              <a:buClr>
-                <a:srgbClr val="000000"/>
-              </a:buClr>
               <a:buFont typeface="Arial"/>
               <a:buChar char="•"/>
             </a:pPr>
             <a:r>
-              <a:rPr b="0" lang="zh-CN" sz="1600" spc="-1" strike="noStrike">
-                <a:solidFill>
-                  <a:srgbClr val="000000"/>
-                </a:solidFill>
-                <a:latin typeface="微软雅黑 Light"/>
-                <a:ea typeface="微软雅黑 Light"/>
-              </a:rPr>
-              <a:t>将 </a:t>
-            </a:r>
-            <a:r>
-              <a:rPr b="0" lang="en-US" sz="1600" spc="-1" strike="noStrike">
-                <a:solidFill>
-                  <a:srgbClr val="000000"/>
-                </a:solidFill>
-                <a:latin typeface="微软雅黑 Light"/>
-                <a:ea typeface="微软雅黑 Light"/>
-              </a:rPr>
-              <a:t>checkpoint </a:t>
-            </a:r>
-            <a:r>
-              <a:rPr b="0" lang="zh-CN" sz="1600" spc="-1" strike="noStrike">
-                <a:solidFill>
-                  <a:srgbClr val="000000"/>
-                </a:solidFill>
-                <a:latin typeface="微软雅黑 Light"/>
-                <a:ea typeface="微软雅黑 Light"/>
-              </a:rPr>
-              <a:t>存到远程的持久化文件系统（</a:t>
-            </a:r>
-            <a:r>
-              <a:rPr b="0" lang="en-US" sz="1600" spc="-1" strike="noStrike">
-                <a:solidFill>
-                  <a:srgbClr val="000000"/>
-                </a:solidFill>
-                <a:latin typeface="微软雅黑 Light"/>
-                <a:ea typeface="微软雅黑 Light"/>
-              </a:rPr>
-              <a:t>FileSystem</a:t>
-            </a:r>
-            <a:r>
-              <a:rPr b="0" lang="zh-CN" sz="1600" spc="-1" strike="noStrike">
-                <a:solidFill>
-                  <a:srgbClr val="000000"/>
-                </a:solidFill>
-                <a:latin typeface="微软雅黑 Light"/>
-                <a:ea typeface="微软雅黑 Light"/>
-              </a:rPr>
-              <a:t>）上，而对于本地状态，跟 </a:t>
-            </a:r>
-            <a:r>
-              <a:rPr b="0" lang="en-US" sz="1600" spc="-1" strike="noStrike">
-                <a:solidFill>
-                  <a:srgbClr val="000000"/>
-                </a:solidFill>
-                <a:latin typeface="微软雅黑 Light"/>
-                <a:ea typeface="微软雅黑 Light"/>
-              </a:rPr>
-              <a:t>MemoryStateBackend </a:t>
-            </a:r>
-            <a:r>
-              <a:rPr b="0" lang="zh-CN" sz="1600" spc="-1" strike="noStrike">
-                <a:solidFill>
-                  <a:srgbClr val="000000"/>
-                </a:solidFill>
-                <a:latin typeface="微软雅黑 Light"/>
-                <a:ea typeface="微软雅黑 Light"/>
-              </a:rPr>
-              <a:t>一样，也会存在 </a:t>
-            </a:r>
-            <a:r>
-              <a:rPr b="0" lang="en-US" sz="1600" spc="-1" strike="noStrike">
-                <a:solidFill>
-                  <a:srgbClr val="000000"/>
-                </a:solidFill>
-                <a:latin typeface="微软雅黑 Light"/>
-                <a:ea typeface="微软雅黑 Light"/>
-              </a:rPr>
-              <a:t>TaskManager </a:t>
-            </a:r>
-            <a:r>
-              <a:rPr b="0" lang="zh-CN" sz="1600" spc="-1" strike="noStrike">
-                <a:solidFill>
-                  <a:srgbClr val="000000"/>
-                </a:solidFill>
-                <a:latin typeface="微软雅黑 Light"/>
-                <a:ea typeface="微软雅黑 Light"/>
-              </a:rPr>
-              <a:t>的 </a:t>
-            </a:r>
-            <a:r>
-              <a:rPr b="0" lang="en-US" sz="1600" spc="-1" strike="noStrike">
-                <a:solidFill>
-                  <a:srgbClr val="000000"/>
-                </a:solidFill>
-                <a:latin typeface="微软雅黑 Light"/>
-                <a:ea typeface="微软雅黑 Light"/>
-              </a:rPr>
-              <a:t>JVM </a:t>
-            </a:r>
-            <a:r>
-              <a:rPr b="0" lang="zh-CN" sz="1600" spc="-1" strike="noStrike">
-                <a:solidFill>
-                  <a:srgbClr val="000000"/>
-                </a:solidFill>
-                <a:latin typeface="微软雅黑 Light"/>
-                <a:ea typeface="微软雅黑 Light"/>
-              </a:rPr>
-              <a:t>堆上</a:t>
-            </a:r>
-            <a:endParaRPr b="0" lang="en-US" sz="1600" spc="-1" strike="noStrike">
-              <a:latin typeface="Arial"/>
-            </a:endParaRPr>
-          </a:p>
-          <a:p>
-            <a:pPr marL="285840" indent="-285120">
-              <a:lnSpc>
-                <a:spcPct val="180000"/>
-              </a:lnSpc>
-              <a:buClr>
-                <a:srgbClr val="000000"/>
-              </a:buClr>
-              <a:buFont typeface="Arial"/>
-              <a:buChar char="•"/>
-            </a:pPr>
-            <a:r>
-              <a:rPr b="0" lang="zh-CN" sz="1600" spc="-1" strike="noStrike">
-                <a:solidFill>
-                  <a:srgbClr val="000000"/>
-                </a:solidFill>
-                <a:latin typeface="微软雅黑 Light"/>
-                <a:ea typeface="微软雅黑 Light"/>
-              </a:rPr>
-              <a:t>同时拥有内存级的本地访问速度，和更好的容错保证</a:t>
-            </a:r>
-            <a:endParaRPr b="0" lang="en-US" sz="1600" spc="-1" strike="noStrike">
-              <a:latin typeface="Arial"/>
-            </a:endParaRPr>
-          </a:p>
-          <a:p>
-            <a:pPr marL="285840" indent="-285120">
-              <a:lnSpc>
-                <a:spcPct val="200000"/>
-              </a:lnSpc>
-              <a:buClr>
-                <a:srgbClr val="000000"/>
-              </a:buClr>
-              <a:buFont typeface="Wingdings" charset="2"/>
-              <a:buChar char=""/>
-            </a:pPr>
+              <a:rPr b="0" lang="zh-CN" sz="1800" spc="-1" strike="noStrike">
+                <a:solidFill>
+                  <a:srgbClr val="000000"/>
+                </a:solidFill>
+                <a:latin typeface="微软雅黑 Light"/>
+                <a:ea typeface="微软雅黑 Light"/>
+              </a:rPr>
+              <a:t>状态后端主要负责两件事：本地的状态管理，以及将检查点（</a:t>
+            </a:r>
             <a:r>
               <a:rPr b="0" lang="en-US" sz="1800" spc="-1" strike="noStrike">
                 <a:solidFill>
@@ -6208,64 +5888,19 @@
                 <a:latin typeface="微软雅黑 Light"/>
                 <a:ea typeface="微软雅黑 Light"/>
               </a:rPr>
-              <a:t>RocksDBStateBackend</a:t>
+              <a:t>checkpoint</a:t>
+            </a:r>
+            <a:r>
+              <a:rPr b="0" lang="zh-CN" sz="1800" spc="-1" strike="noStrike">
+                <a:solidFill>
+                  <a:srgbClr val="000000"/>
+                </a:solidFill>
+                <a:latin typeface="微软雅黑 Light"/>
+                <a:ea typeface="微软雅黑 Light"/>
+              </a:rPr>
+              <a:t>）状态写入远程存储</a:t>
             </a:r>
             <a:endParaRPr b="0" lang="en-US" sz="1800" spc="-1" strike="noStrike">
-              <a:latin typeface="Arial"/>
-            </a:endParaRPr>
-          </a:p>
-          <a:p>
-            <a:pPr marL="285840" indent="-285120">
-              <a:lnSpc>
-                <a:spcPct val="180000"/>
-              </a:lnSpc>
-              <a:buClr>
-                <a:srgbClr val="000000"/>
-              </a:buClr>
-              <a:buFont typeface="Arial"/>
-              <a:buChar char="•"/>
-            </a:pPr>
-            <a:r>
-              <a:rPr b="0" lang="zh-CN" sz="1600" spc="-1" strike="noStrike">
-                <a:solidFill>
-                  <a:srgbClr val="000000"/>
-                </a:solidFill>
-                <a:latin typeface="微软雅黑 Light"/>
-                <a:ea typeface="微软雅黑 Light"/>
-              </a:rPr>
-              <a:t>将所有状态序列化后，存入本地的 </a:t>
-            </a:r>
-            <a:r>
-              <a:rPr b="0" lang="en-US" sz="1600" spc="-1" strike="noStrike">
-                <a:solidFill>
-                  <a:srgbClr val="000000"/>
-                </a:solidFill>
-                <a:latin typeface="微软雅黑 Light"/>
-                <a:ea typeface="微软雅黑 Light"/>
-              </a:rPr>
-              <a:t>RocksDB </a:t>
-            </a:r>
-            <a:r>
-              <a:rPr b="0" lang="zh-CN" sz="1600" spc="-1" strike="noStrike">
-                <a:solidFill>
-                  <a:srgbClr val="000000"/>
-                </a:solidFill>
-                <a:latin typeface="微软雅黑 Light"/>
-                <a:ea typeface="微软雅黑 Light"/>
-              </a:rPr>
-              <a:t>中存储。</a:t>
-            </a:r>
-            <a:endParaRPr b="0" lang="en-US" sz="1600" spc="-1" strike="noStrike">
-              <a:latin typeface="Arial"/>
-            </a:endParaRPr>
-          </a:p>
-          <a:p>
-            <a:pPr>
-              <a:lnSpc>
-                <a:spcPct val="200000"/>
-              </a:lnSpc>
-            </a:pPr>
-            <a:endParaRPr b="0" lang="en-US" sz="1600" spc="-1" strike="noStrike">
               <a:latin typeface="Arial"/>
             </a:endParaRPr>
           </a:p>
@@ -6303,14 +5938,536 @@
       </p:grpSpPr>
       <p:sp>
         <p:nvSpPr>
-          <p:cNvPr id="114" name="CustomShape 1"/>
+          <p:cNvPr id="113" name="CustomShape 1"/>
           <p:cNvSpPr/>
           <p:nvPr/>
         </p:nvSpPr>
         <p:spPr>
           <a:xfrm>
+            <a:off x="457200" y="620640"/>
+            <a:ext cx="8228520" cy="1141920"/>
+          </a:xfrm>
+          <a:prstGeom prst="rect">
+            <a:avLst/>
+          </a:prstGeom>
+          <a:noFill/>
+          <a:ln>
+            <a:noFill/>
+          </a:ln>
+        </p:spPr>
+        <p:style>
+          <a:lnRef idx="0"/>
+          <a:fillRef idx="0"/>
+          <a:effectRef idx="0"/>
+          <a:fontRef idx="minor"/>
+        </p:style>
+        <p:txBody>
+          <a:bodyPr lIns="90000" rIns="90000" tIns="45000" bIns="45000" anchor="ctr">
+            <a:normAutofit/>
+          </a:bodyPr>
+          <a:p>
+            <a:pPr>
+              <a:lnSpc>
+                <a:spcPct val="100000"/>
+              </a:lnSpc>
+            </a:pPr>
+            <a:r>
+              <a:rPr b="0" lang="zh-CN" sz="3200" spc="-1" strike="noStrike">
+                <a:solidFill>
+                  <a:srgbClr val="404040"/>
+                </a:solidFill>
+                <a:latin typeface="微软雅黑"/>
+                <a:ea typeface="微软雅黑"/>
+              </a:rPr>
+              <a:t>选择一个状态后端</a:t>
+            </a:r>
+            <a:endParaRPr b="0" lang="en-US" sz="3200" spc="-1" strike="noStrike">
+              <a:latin typeface="Arial"/>
+            </a:endParaRPr>
+          </a:p>
+        </p:txBody>
+      </p:sp>
+      <p:sp>
+        <p:nvSpPr>
+          <p:cNvPr id="114" name="CustomShape 2"/>
+          <p:cNvSpPr/>
+          <p:nvPr/>
+        </p:nvSpPr>
+        <p:spPr>
+          <a:xfrm>
+            <a:off x="827640" y="1556640"/>
+            <a:ext cx="7415640" cy="4688640"/>
+          </a:xfrm>
+          <a:prstGeom prst="rect">
+            <a:avLst/>
+          </a:prstGeom>
+          <a:noFill/>
+          <a:ln>
+            <a:noFill/>
+          </a:ln>
+        </p:spPr>
+        <p:style>
+          <a:lnRef idx="0"/>
+          <a:fillRef idx="0"/>
+          <a:effectRef idx="0"/>
+          <a:fontRef idx="minor"/>
+        </p:style>
+        <p:txBody>
+          <a:bodyPr lIns="90000" rIns="90000" tIns="45000" bIns="45000">
+            <a:noAutofit/>
+          </a:bodyPr>
+          <a:p>
+            <a:pPr marL="285840" indent="-284760">
+              <a:lnSpc>
+                <a:spcPct val="200000"/>
+              </a:lnSpc>
+              <a:buClr>
+                <a:srgbClr val="000000"/>
+              </a:buClr>
+              <a:buFont typeface="Wingdings" charset="2"/>
+              <a:buChar char=""/>
+            </a:pPr>
+            <a:r>
+              <a:rPr b="0" lang="en-US" sz="1800" spc="-1" strike="noStrike">
+                <a:solidFill>
+                  <a:srgbClr val="000000"/>
+                </a:solidFill>
+                <a:latin typeface="微软雅黑 Light"/>
+                <a:ea typeface="微软雅黑 Light"/>
+              </a:rPr>
+              <a:t>MemoryStateBackend</a:t>
+            </a:r>
+            <a:endParaRPr b="0" lang="en-US" sz="1800" spc="-1" strike="noStrike">
+              <a:latin typeface="Arial"/>
+            </a:endParaRPr>
+          </a:p>
+          <a:p>
+            <a:pPr marL="285840" indent="-284760">
+              <a:lnSpc>
+                <a:spcPct val="180000"/>
+              </a:lnSpc>
+              <a:buClr>
+                <a:srgbClr val="000000"/>
+              </a:buClr>
+              <a:buFont typeface="Arial"/>
+              <a:buChar char="•"/>
+            </a:pPr>
+            <a:r>
+              <a:rPr b="0" lang="zh-CN" sz="1600" spc="-1" strike="noStrike">
+                <a:solidFill>
+                  <a:srgbClr val="000000"/>
+                </a:solidFill>
+                <a:latin typeface="微软雅黑 Light"/>
+                <a:ea typeface="微软雅黑 Light"/>
+              </a:rPr>
+              <a:t>内存级的状态后端，会将键控状态作为内存中的对象进行管理，将它们存储在 </a:t>
+            </a:r>
+            <a:r>
+              <a:rPr b="0" lang="en-US" sz="1600" spc="-1" strike="noStrike">
+                <a:solidFill>
+                  <a:srgbClr val="000000"/>
+                </a:solidFill>
+                <a:latin typeface="微软雅黑 Light"/>
+                <a:ea typeface="微软雅黑 Light"/>
+              </a:rPr>
+              <a:t>TaskManager </a:t>
+            </a:r>
+            <a:r>
+              <a:rPr b="0" lang="zh-CN" sz="1600" spc="-1" strike="noStrike">
+                <a:solidFill>
+                  <a:srgbClr val="000000"/>
+                </a:solidFill>
+                <a:latin typeface="微软雅黑 Light"/>
+                <a:ea typeface="微软雅黑 Light"/>
+              </a:rPr>
+              <a:t>的 </a:t>
+            </a:r>
+            <a:r>
+              <a:rPr b="0" lang="en-US" sz="1600" spc="-1" strike="noStrike">
+                <a:solidFill>
+                  <a:srgbClr val="000000"/>
+                </a:solidFill>
+                <a:latin typeface="微软雅黑 Light"/>
+                <a:ea typeface="微软雅黑 Light"/>
+              </a:rPr>
+              <a:t>JVM </a:t>
+            </a:r>
+            <a:r>
+              <a:rPr b="0" lang="zh-CN" sz="1600" spc="-1" strike="noStrike">
+                <a:solidFill>
+                  <a:srgbClr val="000000"/>
+                </a:solidFill>
+                <a:latin typeface="微软雅黑 Light"/>
+                <a:ea typeface="微软雅黑 Light"/>
+              </a:rPr>
+              <a:t>堆上，而将 </a:t>
+            </a:r>
+            <a:r>
+              <a:rPr b="0" lang="en-US" sz="1600" spc="-1" strike="noStrike">
+                <a:solidFill>
+                  <a:srgbClr val="000000"/>
+                </a:solidFill>
+                <a:latin typeface="微软雅黑 Light"/>
+                <a:ea typeface="微软雅黑 Light"/>
+              </a:rPr>
+              <a:t>checkpoint </a:t>
+            </a:r>
+            <a:r>
+              <a:rPr b="0" lang="zh-CN" sz="1600" spc="-1" strike="noStrike">
+                <a:solidFill>
+                  <a:srgbClr val="000000"/>
+                </a:solidFill>
+                <a:latin typeface="微软雅黑 Light"/>
+                <a:ea typeface="微软雅黑 Light"/>
+              </a:rPr>
+              <a:t>存储在 </a:t>
+            </a:r>
+            <a:r>
+              <a:rPr b="0" lang="en-US" sz="1600" spc="-1" strike="noStrike">
+                <a:solidFill>
+                  <a:srgbClr val="000000"/>
+                </a:solidFill>
+                <a:latin typeface="微软雅黑 Light"/>
+                <a:ea typeface="微软雅黑 Light"/>
+              </a:rPr>
+              <a:t>JobManager </a:t>
+            </a:r>
+            <a:r>
+              <a:rPr b="0" lang="zh-CN" sz="1600" spc="-1" strike="noStrike">
+                <a:solidFill>
+                  <a:srgbClr val="000000"/>
+                </a:solidFill>
+                <a:latin typeface="微软雅黑 Light"/>
+                <a:ea typeface="微软雅黑 Light"/>
+              </a:rPr>
+              <a:t>的内存中</a:t>
+            </a:r>
+            <a:endParaRPr b="0" lang="en-US" sz="1600" spc="-1" strike="noStrike">
+              <a:latin typeface="Arial"/>
+            </a:endParaRPr>
+          </a:p>
+          <a:p>
+            <a:pPr marL="285840" indent="-284760">
+              <a:lnSpc>
+                <a:spcPct val="180000"/>
+              </a:lnSpc>
+              <a:buClr>
+                <a:srgbClr val="000000"/>
+              </a:buClr>
+              <a:buFont typeface="Arial"/>
+              <a:buChar char="•"/>
+            </a:pPr>
+            <a:r>
+              <a:rPr b="0" lang="zh-CN" sz="1600" spc="-1" strike="noStrike">
+                <a:solidFill>
+                  <a:srgbClr val="000000"/>
+                </a:solidFill>
+                <a:latin typeface="微软雅黑 Light"/>
+                <a:ea typeface="微软雅黑 Light"/>
+              </a:rPr>
+              <a:t>特点：快速、低延迟，但不稳定</a:t>
+            </a:r>
+            <a:endParaRPr b="0" lang="en-US" sz="1600" spc="-1" strike="noStrike">
+              <a:latin typeface="Arial"/>
+            </a:endParaRPr>
+          </a:p>
+          <a:p>
+            <a:pPr marL="285840" indent="-284760">
+              <a:lnSpc>
+                <a:spcPct val="200000"/>
+              </a:lnSpc>
+              <a:buClr>
+                <a:srgbClr val="000000"/>
+              </a:buClr>
+              <a:buFont typeface="Wingdings" charset="2"/>
+              <a:buChar char=""/>
+            </a:pPr>
+            <a:r>
+              <a:rPr b="0" lang="en-US" sz="1800" spc="-1" strike="noStrike">
+                <a:solidFill>
+                  <a:srgbClr val="000000"/>
+                </a:solidFill>
+                <a:latin typeface="微软雅黑 Light"/>
+                <a:ea typeface="微软雅黑 Light"/>
+              </a:rPr>
+              <a:t>FsStateBackend</a:t>
+            </a:r>
+            <a:endParaRPr b="0" lang="en-US" sz="1800" spc="-1" strike="noStrike">
+              <a:latin typeface="Arial"/>
+            </a:endParaRPr>
+          </a:p>
+          <a:p>
+            <a:pPr marL="285840" indent="-284760">
+              <a:lnSpc>
+                <a:spcPct val="180000"/>
+              </a:lnSpc>
+              <a:buClr>
+                <a:srgbClr val="000000"/>
+              </a:buClr>
+              <a:buFont typeface="Arial"/>
+              <a:buChar char="•"/>
+            </a:pPr>
+            <a:r>
+              <a:rPr b="0" lang="zh-CN" sz="1600" spc="-1" strike="noStrike">
+                <a:solidFill>
+                  <a:srgbClr val="000000"/>
+                </a:solidFill>
+                <a:latin typeface="微软雅黑 Light"/>
+                <a:ea typeface="微软雅黑 Light"/>
+              </a:rPr>
+              <a:t>将 </a:t>
+            </a:r>
+            <a:r>
+              <a:rPr b="0" lang="en-US" sz="1600" spc="-1" strike="noStrike">
+                <a:solidFill>
+                  <a:srgbClr val="000000"/>
+                </a:solidFill>
+                <a:latin typeface="微软雅黑 Light"/>
+                <a:ea typeface="微软雅黑 Light"/>
+              </a:rPr>
+              <a:t>checkpoint </a:t>
+            </a:r>
+            <a:r>
+              <a:rPr b="0" lang="zh-CN" sz="1600" spc="-1" strike="noStrike">
+                <a:solidFill>
+                  <a:srgbClr val="000000"/>
+                </a:solidFill>
+                <a:latin typeface="微软雅黑 Light"/>
+                <a:ea typeface="微软雅黑 Light"/>
+              </a:rPr>
+              <a:t>存到远程的持久化文件系统（</a:t>
+            </a:r>
+            <a:r>
+              <a:rPr b="0" lang="en-US" sz="1600" spc="-1" strike="noStrike">
+                <a:solidFill>
+                  <a:srgbClr val="000000"/>
+                </a:solidFill>
+                <a:latin typeface="微软雅黑 Light"/>
+                <a:ea typeface="微软雅黑 Light"/>
+              </a:rPr>
+              <a:t>FileSystem</a:t>
+            </a:r>
+            <a:r>
+              <a:rPr b="0" lang="zh-CN" sz="1600" spc="-1" strike="noStrike">
+                <a:solidFill>
+                  <a:srgbClr val="000000"/>
+                </a:solidFill>
+                <a:latin typeface="微软雅黑 Light"/>
+                <a:ea typeface="微软雅黑 Light"/>
+              </a:rPr>
+              <a:t>）上，而对于本地状态，跟 </a:t>
+            </a:r>
+            <a:r>
+              <a:rPr b="0" lang="en-US" sz="1600" spc="-1" strike="noStrike">
+                <a:solidFill>
+                  <a:srgbClr val="000000"/>
+                </a:solidFill>
+                <a:latin typeface="微软雅黑 Light"/>
+                <a:ea typeface="微软雅黑 Light"/>
+              </a:rPr>
+              <a:t>MemoryStateBackend </a:t>
+            </a:r>
+            <a:r>
+              <a:rPr b="0" lang="zh-CN" sz="1600" spc="-1" strike="noStrike">
+                <a:solidFill>
+                  <a:srgbClr val="000000"/>
+                </a:solidFill>
+                <a:latin typeface="微软雅黑 Light"/>
+                <a:ea typeface="微软雅黑 Light"/>
+              </a:rPr>
+              <a:t>一样，也会存在 </a:t>
+            </a:r>
+            <a:r>
+              <a:rPr b="0" lang="en-US" sz="1600" spc="-1" strike="noStrike">
+                <a:solidFill>
+                  <a:srgbClr val="000000"/>
+                </a:solidFill>
+                <a:latin typeface="微软雅黑 Light"/>
+                <a:ea typeface="微软雅黑 Light"/>
+              </a:rPr>
+              <a:t>TaskManager </a:t>
+            </a:r>
+            <a:r>
+              <a:rPr b="0" lang="zh-CN" sz="1600" spc="-1" strike="noStrike">
+                <a:solidFill>
+                  <a:srgbClr val="000000"/>
+                </a:solidFill>
+                <a:latin typeface="微软雅黑 Light"/>
+                <a:ea typeface="微软雅黑 Light"/>
+              </a:rPr>
+              <a:t>的 </a:t>
+            </a:r>
+            <a:r>
+              <a:rPr b="0" lang="en-US" sz="1600" spc="-1" strike="noStrike">
+                <a:solidFill>
+                  <a:srgbClr val="000000"/>
+                </a:solidFill>
+                <a:latin typeface="微软雅黑 Light"/>
+                <a:ea typeface="微软雅黑 Light"/>
+              </a:rPr>
+              <a:t>JVM </a:t>
+            </a:r>
+            <a:r>
+              <a:rPr b="0" lang="zh-CN" sz="1600" spc="-1" strike="noStrike">
+                <a:solidFill>
+                  <a:srgbClr val="000000"/>
+                </a:solidFill>
+                <a:latin typeface="微软雅黑 Light"/>
+                <a:ea typeface="微软雅黑 Light"/>
+              </a:rPr>
+              <a:t>堆上</a:t>
+            </a:r>
+            <a:endParaRPr b="0" lang="en-US" sz="1600" spc="-1" strike="noStrike">
+              <a:latin typeface="Arial"/>
+            </a:endParaRPr>
+          </a:p>
+          <a:p>
+            <a:pPr marL="285840" indent="-284760">
+              <a:lnSpc>
+                <a:spcPct val="180000"/>
+              </a:lnSpc>
+              <a:buClr>
+                <a:srgbClr val="000000"/>
+              </a:buClr>
+              <a:buFont typeface="Arial"/>
+              <a:buChar char="•"/>
+            </a:pPr>
+            <a:r>
+              <a:rPr b="0" lang="zh-CN" sz="1600" spc="-1" strike="noStrike">
+                <a:solidFill>
+                  <a:srgbClr val="000000"/>
+                </a:solidFill>
+                <a:latin typeface="微软雅黑 Light"/>
+                <a:ea typeface="微软雅黑 Light"/>
+              </a:rPr>
+              <a:t>同时拥有内存级的本地访问速度，和更好的容错保证</a:t>
+            </a:r>
+            <a:endParaRPr b="0" lang="en-US" sz="1600" spc="-1" strike="noStrike">
+              <a:latin typeface="Arial"/>
+            </a:endParaRPr>
+          </a:p>
+          <a:p>
+            <a:pPr marL="285840" indent="-284760">
+              <a:lnSpc>
+                <a:spcPct val="200000"/>
+              </a:lnSpc>
+              <a:buClr>
+                <a:srgbClr val="000000"/>
+              </a:buClr>
+              <a:buFont typeface="Wingdings" charset="2"/>
+              <a:buChar char=""/>
+            </a:pPr>
+            <a:r>
+              <a:rPr b="0" lang="en-US" sz="1800" spc="-1" strike="noStrike">
+                <a:solidFill>
+                  <a:srgbClr val="000000"/>
+                </a:solidFill>
+                <a:latin typeface="微软雅黑 Light"/>
+                <a:ea typeface="微软雅黑 Light"/>
+              </a:rPr>
+              <a:t>RocksDBStateBackend</a:t>
+            </a:r>
+            <a:endParaRPr b="0" lang="en-US" sz="1800" spc="-1" strike="noStrike">
+              <a:latin typeface="Arial"/>
+            </a:endParaRPr>
+          </a:p>
+          <a:p>
+            <a:pPr marL="285840" indent="-284760">
+              <a:lnSpc>
+                <a:spcPct val="180000"/>
+              </a:lnSpc>
+              <a:buClr>
+                <a:srgbClr val="000000"/>
+              </a:buClr>
+              <a:buFont typeface="Arial"/>
+              <a:buChar char="•"/>
+            </a:pPr>
+            <a:r>
+              <a:rPr b="0" lang="zh-CN" sz="1600" spc="-1" strike="noStrike">
+                <a:solidFill>
+                  <a:srgbClr val="000000"/>
+                </a:solidFill>
+                <a:latin typeface="微软雅黑 Light"/>
+                <a:ea typeface="微软雅黑 Light"/>
+              </a:rPr>
+              <a:t>将所有状态序列化后，存入本地的 </a:t>
+            </a:r>
+            <a:r>
+              <a:rPr b="0" lang="en-US" sz="1600" spc="-1" strike="noStrike">
+                <a:solidFill>
+                  <a:srgbClr val="000000"/>
+                </a:solidFill>
+                <a:latin typeface="微软雅黑 Light"/>
+                <a:ea typeface="微软雅黑 Light"/>
+              </a:rPr>
+              <a:t>RocksDB </a:t>
+            </a:r>
+            <a:r>
+              <a:rPr b="0" lang="zh-CN" sz="1600" spc="-1" strike="noStrike">
+                <a:solidFill>
+                  <a:srgbClr val="000000"/>
+                </a:solidFill>
+                <a:latin typeface="微软雅黑 Light"/>
+                <a:ea typeface="微软雅黑 Light"/>
+              </a:rPr>
+              <a:t>中存储。</a:t>
+            </a:r>
+            <a:endParaRPr b="0" lang="en-US" sz="1600" spc="-1" strike="noStrike">
+              <a:latin typeface="Arial"/>
+            </a:endParaRPr>
+          </a:p>
+          <a:p>
+            <a:pPr>
+              <a:lnSpc>
+                <a:spcPct val="200000"/>
+              </a:lnSpc>
+            </a:pPr>
+            <a:endParaRPr b="0" lang="en-US" sz="1600" spc="-1" strike="noStrike">
+              <a:latin typeface="Arial"/>
+            </a:endParaRPr>
+          </a:p>
+        </p:txBody>
+      </p:sp>
+    </p:spTree>
+  </p:cSld>
+  <mc:AlternateContent>
+    <mc:Choice Requires="p14">
+      <p:transition spd="slow" p14:dur="2000"/>
+    </mc:Choice>
+    <mc:Fallback>
+      <p:transition spd="slow"/>
+    </mc:Fallback>
+  </mc:AlternateContent>
+</p:sld>
+</file>
+
+<file path=ppt/slides/slide14.xml><?xml version="1.0" encoding="utf-8"?>
+<p:sld xmlns:a="http://schemas.openxmlformats.org/drawingml/2006/main" xmlns:p="http://schemas.openxmlformats.org/presentationml/2006/main" xmlns:r="http://schemas.openxmlformats.org/officeDocument/2006/relationships" xmlns:p14="http://schemas.microsoft.com/office/powerpoint/2010/main" xmlns:p15="http://schemas.microsoft.com/office/powerpoint/2012/main" xmlns:mc="http://schemas.openxmlformats.org/markup-compatibility/2006">
+  <p:cSld>
+    <p:spTree>
+      <p:nvGrpSpPr>
+        <p:cNvPr id="1" name=""/>
+        <p:cNvGrpSpPr/>
+        <p:nvPr/>
+      </p:nvGrpSpPr>
+      <p:grpSpPr>
+        <a:xfrm>
+          <a:off x="0" y="0"/>
+          <a:ext cx="0" cy="0"/>
+          <a:chOff x="0" y="0"/>
+          <a:chExt cx="0" cy="0"/>
+        </a:xfrm>
+      </p:grpSpPr>
+      <p:sp>
+        <p:nvSpPr>
+          <p:cNvPr id="115" name="CustomShape 1"/>
+          <p:cNvSpPr/>
+          <p:nvPr/>
+        </p:nvSpPr>
+        <p:spPr>
+          <a:xfrm>
             <a:off x="3132000" y="2565000"/>
-            <a:ext cx="2807640" cy="1308960"/>
+            <a:ext cx="2807280" cy="1308600"/>
           </a:xfrm>
           <a:prstGeom prst="rect">
             <a:avLst/>
@@ -6391,7 +6548,7 @@
         <p:spPr>
           <a:xfrm>
             <a:off x="457200" y="620640"/>
-            <a:ext cx="8228880" cy="1142280"/>
+            <a:ext cx="8228520" cy="1141920"/>
           </a:xfrm>
           <a:prstGeom prst="rect">
             <a:avLst/>
@@ -6442,7 +6599,7 @@
         <p:spPr>
           <a:xfrm>
             <a:off x="827640" y="1845000"/>
-            <a:ext cx="7416000" cy="3887640"/>
+            <a:ext cx="7415640" cy="3887280"/>
           </a:xfrm>
           <a:prstGeom prst="rect">
             <a:avLst/>
@@ -6463,7 +6620,7 @@
             <a:noAutofit/>
           </a:bodyPr>
           <a:p>
-            <a:pPr marL="343080" indent="-342360">
+            <a:pPr marL="343080" indent="-342000">
               <a:lnSpc>
                 <a:spcPct val="200000"/>
               </a:lnSpc>
@@ -6498,7 +6655,7 @@
             </a:endParaRPr>
           </a:p>
           <a:p>
-            <a:pPr marL="343080" indent="-342360">
+            <a:pPr marL="343080" indent="-342000">
               <a:lnSpc>
                 <a:spcPct val="200000"/>
               </a:lnSpc>
@@ -6526,7 +6683,7 @@
                 <a:latin typeface="微软雅黑 Light"/>
                 <a:ea typeface="微软雅黑 Light"/>
               </a:rPr>
-              <a:t>Operatior State</a:t>
+              <a:t>Operator State</a:t>
             </a:r>
             <a:r>
               <a:rPr b="0" lang="zh-CN" sz="2400" spc="-1" strike="noStrike">
@@ -6543,7 +6700,7 @@
             </a:endParaRPr>
           </a:p>
           <a:p>
-            <a:pPr marL="343080" indent="-342360">
+            <a:pPr marL="343080" indent="-342000">
               <a:lnSpc>
                 <a:spcPct val="200000"/>
               </a:lnSpc>
@@ -6588,7 +6745,7 @@
             </a:endParaRPr>
           </a:p>
           <a:p>
-            <a:pPr marL="343080" indent="-342360">
+            <a:pPr marL="343080" indent="-342000">
               <a:lnSpc>
                 <a:spcPct val="200000"/>
               </a:lnSpc>
@@ -6673,7 +6830,7 @@
         <p:spPr>
           <a:xfrm>
             <a:off x="1224000" y="1656000"/>
-            <a:ext cx="7190640" cy="3173760"/>
+            <a:ext cx="7190280" cy="3173400"/>
           </a:xfrm>
           <a:prstGeom prst="rect">
             <a:avLst/>
@@ -6701,19 +6858,31 @@
             </a:pPr>
             <a:r>
               <a:rPr b="0" lang="en-US" sz="1800" spc="-1" strike="noStrike">
+                <a:solidFill>
+                  <a:srgbClr val="000000"/>
+                </a:solidFill>
                 <a:latin typeface="Arial"/>
+                <a:ea typeface="DejaVu Sans"/>
               </a:rPr>
               <a:t>ProcessFunction: </a:t>
             </a:r>
             <a:r>
               <a:rPr b="0" lang="zh-CN" sz="1800" spc="-1" strike="noStrike">
+                <a:solidFill>
+                  <a:srgbClr val="000000"/>
+                </a:solidFill>
                 <a:latin typeface="Arial"/>
+                <a:ea typeface="DejaVu Sans"/>
               </a:rPr>
               <a:t>没有分流也没有开窗，</a:t>
             </a:r>
             <a:r>
               <a:rPr b="0" lang="en-US" sz="1800" spc="-1" strike="noStrike">
+                <a:solidFill>
+                  <a:srgbClr val="000000"/>
+                </a:solidFill>
                 <a:latin typeface="Arial"/>
+                <a:ea typeface="DejaVu Sans"/>
               </a:rPr>
               <a:t>processElement, onTimer</a:t>
             </a:r>
@@ -6739,19 +6908,31 @@
             </a:pPr>
             <a:r>
               <a:rPr b="0" lang="en-US" sz="1800" spc="-1" strike="noStrike">
+                <a:solidFill>
+                  <a:srgbClr val="000000"/>
+                </a:solidFill>
                 <a:latin typeface="Arial"/>
+                <a:ea typeface="DejaVu Sans"/>
               </a:rPr>
               <a:t>KeyedProcessFunction: </a:t>
             </a:r>
             <a:r>
               <a:rPr b="0" lang="zh-CN" sz="1800" spc="-1" strike="noStrike">
+                <a:solidFill>
+                  <a:srgbClr val="000000"/>
+                </a:solidFill>
                 <a:latin typeface="Arial"/>
+                <a:ea typeface="DejaVu Sans"/>
               </a:rPr>
               <a:t>分流但没有开窗，</a:t>
             </a:r>
             <a:r>
               <a:rPr b="0" lang="en-US" sz="1800" spc="-1" strike="noStrike">
+                <a:solidFill>
+                  <a:srgbClr val="000000"/>
+                </a:solidFill>
                 <a:latin typeface="Arial"/>
+                <a:ea typeface="DejaVu Sans"/>
               </a:rPr>
               <a:t>processElement, onTimer</a:t>
             </a:r>
@@ -6777,13 +6958,21 @@
             </a:pPr>
             <a:r>
               <a:rPr b="0" lang="en-US" sz="1800" spc="-1" strike="noStrike">
+                <a:solidFill>
+                  <a:srgbClr val="000000"/>
+                </a:solidFill>
                 <a:latin typeface="Arial"/>
+                <a:ea typeface="DejaVu Sans"/>
               </a:rPr>
               <a:t>CoProcessFunction: </a:t>
             </a:r>
             <a:r>
               <a:rPr b="0" lang="zh-CN" sz="1800" spc="-1" strike="noStrike">
+                <a:solidFill>
+                  <a:srgbClr val="000000"/>
+                </a:solidFill>
                 <a:latin typeface="Arial"/>
+                <a:ea typeface="DejaVu Sans"/>
               </a:rPr>
               <a:t>两条经过分流的流进行联合处理</a:t>
             </a:r>
@@ -6799,13 +6988,21 @@
             </a:pPr>
             <a:r>
               <a:rPr b="0" lang="en-US" sz="1800" spc="-1" strike="noStrike">
+                <a:solidFill>
+                  <a:srgbClr val="000000"/>
+                </a:solidFill>
                 <a:latin typeface="Arial"/>
+                <a:ea typeface="DejaVu Sans"/>
               </a:rPr>
               <a:t>	</a:t>
             </a:r>
             <a:r>
               <a:rPr b="0" lang="en-US" sz="1800" spc="-1" strike="noStrike">
+                <a:solidFill>
+                  <a:srgbClr val="000000"/>
+                </a:solidFill>
                 <a:latin typeface="Arial"/>
+                <a:ea typeface="DejaVu Sans"/>
               </a:rPr>
               <a:t>- processElement1</a:t>
             </a:r>
@@ -6821,13 +7018,21 @@
             </a:pPr>
             <a:r>
               <a:rPr b="0" lang="en-US" sz="1800" spc="-1" strike="noStrike">
+                <a:solidFill>
+                  <a:srgbClr val="000000"/>
+                </a:solidFill>
                 <a:latin typeface="Arial"/>
+                <a:ea typeface="DejaVu Sans"/>
               </a:rPr>
               <a:t>	</a:t>
             </a:r>
             <a:r>
               <a:rPr b="0" lang="en-US" sz="1800" spc="-1" strike="noStrike">
+                <a:solidFill>
+                  <a:srgbClr val="000000"/>
+                </a:solidFill>
                 <a:latin typeface="Arial"/>
+                <a:ea typeface="DejaVu Sans"/>
               </a:rPr>
               <a:t>- processElement2</a:t>
             </a:r>
@@ -6843,13 +7048,21 @@
             </a:pPr>
             <a:r>
               <a:rPr b="0" lang="en-US" sz="1800" spc="-1" strike="noStrike">
+                <a:solidFill>
+                  <a:srgbClr val="000000"/>
+                </a:solidFill>
                 <a:latin typeface="Arial"/>
+                <a:ea typeface="DejaVu Sans"/>
               </a:rPr>
               <a:t>	</a:t>
             </a:r>
             <a:r>
               <a:rPr b="0" lang="en-US" sz="1800" spc="-1" strike="noStrike">
+                <a:solidFill>
+                  <a:srgbClr val="000000"/>
+                </a:solidFill>
                 <a:latin typeface="Arial"/>
+                <a:ea typeface="DejaVu Sans"/>
               </a:rPr>
               <a:t>- onTimer</a:t>
             </a:r>
@@ -6875,19 +7088,31 @@
             </a:pPr>
             <a:r>
               <a:rPr b="0" lang="en-US" sz="1800" spc="-1" strike="noStrike">
+                <a:solidFill>
+                  <a:srgbClr val="000000"/>
+                </a:solidFill>
                 <a:latin typeface="Arial"/>
+                <a:ea typeface="DejaVu Sans"/>
               </a:rPr>
               <a:t>ProcessWindowFunction: </a:t>
             </a:r>
             <a:r>
               <a:rPr b="0" lang="zh-CN" sz="1800" spc="-1" strike="noStrike">
+                <a:solidFill>
+                  <a:srgbClr val="000000"/>
+                </a:solidFill>
                 <a:latin typeface="Arial"/>
+                <a:ea typeface="DejaVu Sans"/>
               </a:rPr>
               <a:t>全窗口聚合，</a:t>
             </a:r>
             <a:r>
               <a:rPr b="0" lang="en-US" sz="1800" spc="-1" strike="noStrike">
+                <a:solidFill>
+                  <a:srgbClr val="000000"/>
+                </a:solidFill>
                 <a:latin typeface="Arial"/>
+                <a:ea typeface="DejaVu Sans"/>
               </a:rPr>
               <a:t>process</a:t>
             </a:r>
@@ -6936,7 +7161,7 @@
         <p:spPr>
           <a:xfrm>
             <a:off x="457200" y="620640"/>
-            <a:ext cx="8228880" cy="1142280"/>
+            <a:ext cx="8228520" cy="1141920"/>
           </a:xfrm>
           <a:prstGeom prst="rect">
             <a:avLst/>
@@ -6997,7 +7222,7 @@
         <p:spPr>
           <a:xfrm>
             <a:off x="827640" y="4005000"/>
-            <a:ext cx="7416000" cy="2303640"/>
+            <a:ext cx="7415640" cy="2303280"/>
           </a:xfrm>
           <a:prstGeom prst="rect">
             <a:avLst/>
@@ -7018,7 +7243,7 @@
             <a:noAutofit/>
           </a:bodyPr>
           <a:p>
-            <a:pPr marL="343080" indent="-342360">
+            <a:pPr marL="343080" indent="-342000">
               <a:lnSpc>
                 <a:spcPct val="180000"/>
               </a:lnSpc>
@@ -7043,7 +7268,7 @@
             </a:endParaRPr>
           </a:p>
           <a:p>
-            <a:pPr marL="343080" indent="-342360">
+            <a:pPr marL="343080" indent="-342000">
               <a:lnSpc>
                 <a:spcPct val="180000"/>
               </a:lnSpc>
@@ -7068,7 +7293,7 @@
             </a:endParaRPr>
           </a:p>
           <a:p>
-            <a:pPr marL="343080" indent="-342360">
+            <a:pPr marL="343080" indent="-342000">
               <a:lnSpc>
                 <a:spcPct val="180000"/>
               </a:lnSpc>
@@ -7117,7 +7342,7 @@
         <p:spPr>
           <a:xfrm>
             <a:off x="2051640" y="1700640"/>
-            <a:ext cx="4968000" cy="2036880"/>
+            <a:ext cx="4967640" cy="2036520"/>
           </a:xfrm>
           <a:prstGeom prst="rect">
             <a:avLst/>
@@ -7166,7 +7391,7 @@
         <p:spPr>
           <a:xfrm>
             <a:off x="457200" y="620640"/>
-            <a:ext cx="8228880" cy="1142280"/>
+            <a:ext cx="8228520" cy="1141920"/>
           </a:xfrm>
           <a:prstGeom prst="rect">
             <a:avLst/>
@@ -7227,7 +7452,7 @@
         <p:spPr>
           <a:xfrm>
             <a:off x="827640" y="1763640"/>
-            <a:ext cx="7416000" cy="4689000"/>
+            <a:ext cx="7415640" cy="4688640"/>
           </a:xfrm>
           <a:prstGeom prst="rect">
             <a:avLst/>
@@ -7248,7 +7473,7 @@
             <a:noAutofit/>
           </a:bodyPr>
           <a:p>
-            <a:pPr marL="343080" indent="-342360">
+            <a:pPr marL="343080" indent="-342000">
               <a:lnSpc>
                 <a:spcPct val="200000"/>
               </a:lnSpc>
@@ -7303,7 +7528,7 @@
             </a:endParaRPr>
           </a:p>
           <a:p>
-            <a:pPr marL="343080" indent="-342360">
+            <a:pPr marL="343080" indent="-342000">
               <a:lnSpc>
                 <a:spcPct val="200000"/>
               </a:lnSpc>
@@ -7348,7 +7573,7 @@
             </a:endParaRPr>
           </a:p>
           <a:p>
-            <a:pPr marL="285840" indent="-285120">
+            <a:pPr marL="285840" indent="-284760">
               <a:lnSpc>
                 <a:spcPct val="200000"/>
               </a:lnSpc>
@@ -7376,7 +7601,7 @@
             </a:endParaRPr>
           </a:p>
           <a:p>
-            <a:pPr marL="343080" indent="-342360">
+            <a:pPr marL="343080" indent="-342000">
               <a:lnSpc>
                 <a:spcPct val="200000"/>
               </a:lnSpc>
@@ -7421,7 +7646,7 @@
             </a:endParaRPr>
           </a:p>
           <a:p>
-            <a:pPr lvl="1" marL="800280" indent="-342360">
+            <a:pPr lvl="1" marL="800280" indent="-342000">
               <a:lnSpc>
                 <a:spcPct val="200000"/>
               </a:lnSpc>
@@ -7446,7 +7671,7 @@
             </a:endParaRPr>
           </a:p>
           <a:p>
-            <a:pPr marL="343080" indent="-342360">
+            <a:pPr marL="343080" indent="-342000">
               <a:lnSpc>
                 <a:spcPct val="200000"/>
               </a:lnSpc>
@@ -7491,7 +7716,7 @@
             </a:endParaRPr>
           </a:p>
           <a:p>
-            <a:pPr lvl="1" marL="800280" indent="-342360">
+            <a:pPr lvl="1" marL="800280" indent="-342000">
               <a:lnSpc>
                 <a:spcPct val="200000"/>
               </a:lnSpc>
@@ -7576,7 +7801,7 @@
         <p:spPr>
           <a:xfrm>
             <a:off x="457200" y="620640"/>
-            <a:ext cx="8228880" cy="1142280"/>
+            <a:ext cx="8228520" cy="1141920"/>
           </a:xfrm>
           <a:prstGeom prst="rect">
             <a:avLst/>
@@ -7647,7 +7872,7 @@
         <p:spPr>
           <a:xfrm>
             <a:off x="827640" y="4581000"/>
-            <a:ext cx="7416000" cy="1671480"/>
+            <a:ext cx="7415640" cy="1671120"/>
           </a:xfrm>
           <a:prstGeom prst="rect">
             <a:avLst/>
@@ -7668,7 +7893,7 @@
             <a:noAutofit/>
           </a:bodyPr>
           <a:p>
-            <a:pPr marL="343080" indent="-342360">
+            <a:pPr marL="343080" indent="-342000">
               <a:lnSpc>
                 <a:spcPct val="180000"/>
               </a:lnSpc>
@@ -7693,7 +7918,7 @@
             </a:endParaRPr>
           </a:p>
           <a:p>
-            <a:pPr marL="343080" indent="-342360">
+            <a:pPr marL="343080" indent="-342000">
               <a:lnSpc>
                 <a:spcPct val="180000"/>
               </a:lnSpc>
@@ -7718,7 +7943,7 @@
             </a:endParaRPr>
           </a:p>
           <a:p>
-            <a:pPr marL="343080" indent="-342360">
+            <a:pPr marL="343080" indent="-342000">
               <a:lnSpc>
                 <a:spcPct val="180000"/>
               </a:lnSpc>
@@ -7757,7 +7982,7 @@
         <p:spPr>
           <a:xfrm>
             <a:off x="2555640" y="1556640"/>
-            <a:ext cx="3778200" cy="3007800"/>
+            <a:ext cx="3777840" cy="3007440"/>
           </a:xfrm>
           <a:prstGeom prst="rect">
             <a:avLst/>
@@ -7806,7 +8031,7 @@
         <p:spPr>
           <a:xfrm>
             <a:off x="457200" y="620640"/>
-            <a:ext cx="8228880" cy="1142280"/>
+            <a:ext cx="8228520" cy="1141920"/>
           </a:xfrm>
           <a:prstGeom prst="rect">
             <a:avLst/>
@@ -7857,7 +8082,7 @@
         <p:spPr>
           <a:xfrm>
             <a:off x="827640" y="1700640"/>
-            <a:ext cx="7416000" cy="4535640"/>
+            <a:ext cx="7415640" cy="4535280"/>
           </a:xfrm>
           <a:prstGeom prst="rect">
             <a:avLst/>
@@ -7878,7 +8103,7 @@
             <a:noAutofit/>
           </a:bodyPr>
           <a:p>
-            <a:pPr marL="285840" indent="-285120">
+            <a:pPr marL="285840" indent="-284760">
               <a:lnSpc>
                 <a:spcPct val="200000"/>
               </a:lnSpc>
@@ -7906,7 +8131,7 @@
                 <a:latin typeface="微软雅黑 Light"/>
                 <a:ea typeface="微软雅黑 Light"/>
               </a:rPr>
-              <a:t>List state</a:t>
+              <a:t>List State</a:t>
             </a:r>
             <a:r>
               <a:rPr b="0" lang="zh-CN" sz="1800" spc="-1" strike="noStrike">
@@ -7923,7 +8148,7 @@
             </a:endParaRPr>
           </a:p>
           <a:p>
-            <a:pPr lvl="1" marL="800280" indent="-342360">
+            <a:pPr lvl="1" marL="800280" indent="-342000">
               <a:lnSpc>
                 <a:spcPct val="200000"/>
               </a:lnSpc>
@@ -7948,7 +8173,7 @@
             </a:endParaRPr>
           </a:p>
           <a:p>
-            <a:pPr marL="285840" indent="-285120">
+            <a:pPr marL="285840" indent="-284760">
               <a:lnSpc>
                 <a:spcPct val="200000"/>
               </a:lnSpc>
@@ -7976,7 +8201,7 @@
                 <a:latin typeface="微软雅黑 Light"/>
                 <a:ea typeface="微软雅黑 Light"/>
               </a:rPr>
-              <a:t>Union list state</a:t>
+              <a:t>Union List State</a:t>
             </a:r>
             <a:r>
               <a:rPr b="0" lang="zh-CN" sz="1800" spc="-1" strike="noStrike">
@@ -7993,7 +8218,7 @@
             </a:endParaRPr>
           </a:p>
           <a:p>
-            <a:pPr lvl="1" marL="800280" indent="-342360">
+            <a:pPr lvl="1" marL="800280" indent="-342000">
               <a:lnSpc>
                 <a:spcPct val="200000"/>
               </a:lnSpc>
@@ -8038,7 +8263,7 @@
             </a:endParaRPr>
           </a:p>
           <a:p>
-            <a:pPr marL="285840" indent="-285120">
+            <a:pPr marL="285840" indent="-284760">
               <a:lnSpc>
                 <a:spcPct val="200000"/>
               </a:lnSpc>
@@ -8066,7 +8291,7 @@
                 <a:latin typeface="微软雅黑 Light"/>
                 <a:ea typeface="微软雅黑 Light"/>
               </a:rPr>
-              <a:t>Broadcast state</a:t>
+              <a:t>Broadcast State</a:t>
             </a:r>
             <a:r>
               <a:rPr b="0" lang="zh-CN" sz="1800" spc="-1" strike="noStrike">
@@ -8083,7 +8308,7 @@
             </a:endParaRPr>
           </a:p>
           <a:p>
-            <a:pPr lvl="1" marL="800280" indent="-342360">
+            <a:pPr lvl="1" marL="800280" indent="-342000">
               <a:lnSpc>
                 <a:spcPct val="200000"/>
               </a:lnSpc>
@@ -8158,7 +8383,7 @@
         <p:spPr>
           <a:xfrm>
             <a:off x="457200" y="620640"/>
-            <a:ext cx="8228880" cy="1142280"/>
+            <a:ext cx="8228520" cy="1141920"/>
           </a:xfrm>
           <a:prstGeom prst="rect">
             <a:avLst/>
@@ -8229,7 +8454,7 @@
         <p:spPr>
           <a:xfrm>
             <a:off x="827640" y="4437000"/>
-            <a:ext cx="7416000" cy="1671480"/>
+            <a:ext cx="7415640" cy="1671120"/>
           </a:xfrm>
           <a:prstGeom prst="rect">
             <a:avLst/>
@@ -8250,7 +8475,7 @@
             <a:noAutofit/>
           </a:bodyPr>
           <a:p>
-            <a:pPr marL="343080" indent="-342360">
+            <a:pPr marL="343080" indent="-342000">
               <a:lnSpc>
                 <a:spcPct val="180000"/>
               </a:lnSpc>
@@ -8295,7 +8520,7 @@
             </a:endParaRPr>
           </a:p>
           <a:p>
-            <a:pPr marL="343080" indent="-342360">
+            <a:pPr marL="343080" indent="-342000">
               <a:lnSpc>
                 <a:spcPct val="180000"/>
               </a:lnSpc>
@@ -8370,7 +8595,7 @@
             </a:endParaRPr>
           </a:p>
           <a:p>
-            <a:pPr marL="343080" indent="-342360">
+            <a:pPr marL="343080" indent="-342000">
               <a:lnSpc>
                 <a:spcPct val="180000"/>
               </a:lnSpc>
@@ -8419,7 +8644,7 @@
         <p:spPr>
           <a:xfrm>
             <a:off x="2555640" y="1628640"/>
-            <a:ext cx="3671640" cy="2807640"/>
+            <a:ext cx="3671280" cy="2807280"/>
           </a:xfrm>
           <a:prstGeom prst="rect">
             <a:avLst/>
@@ -8468,7 +8693,7 @@
         <p:spPr>
           <a:xfrm>
             <a:off x="457200" y="620640"/>
-            <a:ext cx="8228880" cy="1142280"/>
+            <a:ext cx="8228520" cy="1141920"/>
           </a:xfrm>
           <a:prstGeom prst="rect">
             <a:avLst/>
@@ -8519,7 +8744,7 @@
         <p:spPr>
           <a:xfrm>
             <a:off x="827640" y="1700640"/>
-            <a:ext cx="7416000" cy="4535640"/>
+            <a:ext cx="7415640" cy="4535280"/>
           </a:xfrm>
           <a:prstGeom prst="rect">
             <a:avLst/>
@@ -8540,7 +8765,7 @@
             <a:noAutofit/>
           </a:bodyPr>
           <a:p>
-            <a:pPr marL="285840" indent="-285120">
+            <a:pPr marL="285840" indent="-284760">
               <a:lnSpc>
                 <a:spcPct val="200000"/>
               </a:lnSpc>
@@ -8568,7 +8793,7 @@
                 <a:latin typeface="微软雅黑 Light"/>
                 <a:ea typeface="微软雅黑 Light"/>
               </a:rPr>
-              <a:t>Value state</a:t>
+              <a:t>Value State</a:t>
             </a:r>
             <a:r>
               <a:rPr b="0" lang="zh-CN" sz="1800" spc="-1" strike="noStrike">
@@ -8585,7 +8810,7 @@
             </a:endParaRPr>
           </a:p>
           <a:p>
-            <a:pPr lvl="1" marL="800280" indent="-342360">
+            <a:pPr lvl="1" marL="800280" indent="-342000">
               <a:lnSpc>
                 <a:spcPct val="200000"/>
               </a:lnSpc>
@@ -8610,7 +8835,7 @@
             </a:endParaRPr>
           </a:p>
           <a:p>
-            <a:pPr marL="285840" indent="-285120">
+            <a:pPr marL="285840" indent="-284760">
               <a:lnSpc>
                 <a:spcPct val="200000"/>
               </a:lnSpc>
@@ -8638,7 +8863,7 @@
                 <a:latin typeface="微软雅黑 Light"/>
                 <a:ea typeface="微软雅黑 Light"/>
               </a:rPr>
-              <a:t>List state</a:t>
+              <a:t>List State</a:t>
             </a:r>
             <a:r>
               <a:rPr b="0" lang="zh-CN" sz="1800" spc="-1" strike="noStrike">
@@ -8655,7 +8880,7 @@
             </a:endParaRPr>
           </a:p>
           <a:p>
-            <a:pPr lvl="1" marL="800280" indent="-342360">
+            <a:pPr lvl="1" marL="800280" indent="-342000">
               <a:lnSpc>
                 <a:spcPct val="200000"/>
               </a:lnSpc>
@@ -8680,7 +8905,7 @@
             </a:endParaRPr>
           </a:p>
           <a:p>
-            <a:pPr marL="285840" indent="-285120">
+            <a:pPr marL="285840" indent="-284760">
               <a:lnSpc>
                 <a:spcPct val="200000"/>
               </a:lnSpc>
@@ -8708,7 +8933,7 @@
                 <a:latin typeface="微软雅黑 Light"/>
                 <a:ea typeface="微软雅黑 Light"/>
               </a:rPr>
-              <a:t>Map state</a:t>
+              <a:t>Map State</a:t>
             </a:r>
             <a:r>
               <a:rPr b="0" lang="zh-CN" sz="1800" spc="-1" strike="noStrike">
@@ -8725,7 +8950,7 @@
             </a:endParaRPr>
           </a:p>
           <a:p>
-            <a:pPr lvl="1" marL="800280" indent="-342360">
+            <a:pPr lvl="1" marL="800280" indent="-342000">
               <a:lnSpc>
                 <a:spcPct val="200000"/>
               </a:lnSpc>
@@ -8770,7 +8995,7 @@
             </a:endParaRPr>
           </a:p>
           <a:p>
-            <a:pPr marL="285840" indent="-285120">
+            <a:pPr marL="285840" indent="-284760">
               <a:lnSpc>
                 <a:spcPct val="200000"/>
               </a:lnSpc>
@@ -8798,7 +9023,7 @@
                 <a:latin typeface="微软雅黑 Light"/>
                 <a:ea typeface="微软雅黑 Light"/>
               </a:rPr>
-              <a:t>Reducing state &amp; Aggregating State</a:t>
+              <a:t>Reducing State &amp; Aggregating State</a:t>
             </a:r>
             <a:r>
               <a:rPr b="0" lang="zh-CN" sz="1800" spc="-1" strike="noStrike">
@@ -8815,7 +9040,7 @@
             </a:endParaRPr>
           </a:p>
           <a:p>
-            <a:pPr lvl="1" marL="800280" indent="-342360">
+            <a:pPr lvl="1" marL="800280" indent="-342000">
               <a:lnSpc>
                 <a:spcPct val="200000"/>
               </a:lnSpc>
